--- a/slides/informatica_busca-artigos.pptx
+++ b/slides/informatica_busca-artigos.pptx
@@ -2,31 +2,30 @@
 <file path=ppt/presentation.xml><?xml version="1.0" encoding="utf-8"?>
 <p:presentation xmlns:a="http://schemas.openxmlformats.org/drawingml/2006/main" xmlns:r="http://schemas.openxmlformats.org/officeDocument/2006/relationships" xmlns:p="http://schemas.openxmlformats.org/presentationml/2006/main" saveSubsetFonts="1">
   <p:sldMasterIdLst>
-    <p:sldMasterId id="2147483660" r:id="rId1"/>
+    <p:sldMasterId id="2147483660" r:id="rId4"/>
   </p:sldMasterIdLst>
   <p:sldIdLst>
-    <p:sldId id="256" r:id="rId2"/>
-    <p:sldId id="272" r:id="rId3"/>
-    <p:sldId id="273" r:id="rId4"/>
-    <p:sldId id="274" r:id="rId5"/>
-    <p:sldId id="275" r:id="rId6"/>
-    <p:sldId id="276" r:id="rId7"/>
-    <p:sldId id="277" r:id="rId8"/>
-    <p:sldId id="278" r:id="rId9"/>
-    <p:sldId id="286" r:id="rId10"/>
-    <p:sldId id="279" r:id="rId11"/>
-    <p:sldId id="281" r:id="rId12"/>
-    <p:sldId id="282" r:id="rId13"/>
-    <p:sldId id="283" r:id="rId14"/>
-    <p:sldId id="284" r:id="rId15"/>
-    <p:sldId id="280" r:id="rId16"/>
-    <p:sldId id="291" r:id="rId17"/>
-    <p:sldId id="287" r:id="rId18"/>
-    <p:sldId id="288" r:id="rId19"/>
-    <p:sldId id="289" r:id="rId20"/>
-    <p:sldId id="290" r:id="rId21"/>
-    <p:sldId id="292" r:id="rId22"/>
-    <p:sldId id="293" r:id="rId23"/>
+    <p:sldId id="256" r:id="rId5"/>
+    <p:sldId id="272" r:id="rId6"/>
+    <p:sldId id="273" r:id="rId7"/>
+    <p:sldId id="274" r:id="rId8"/>
+    <p:sldId id="275" r:id="rId9"/>
+    <p:sldId id="295" r:id="rId10"/>
+    <p:sldId id="276" r:id="rId11"/>
+    <p:sldId id="278" r:id="rId12"/>
+    <p:sldId id="279" r:id="rId13"/>
+    <p:sldId id="281" r:id="rId14"/>
+    <p:sldId id="282" r:id="rId15"/>
+    <p:sldId id="283" r:id="rId16"/>
+    <p:sldId id="284" r:id="rId17"/>
+    <p:sldId id="280" r:id="rId18"/>
+    <p:sldId id="291" r:id="rId19"/>
+    <p:sldId id="287" r:id="rId20"/>
+    <p:sldId id="288" r:id="rId21"/>
+    <p:sldId id="289" r:id="rId22"/>
+    <p:sldId id="290" r:id="rId23"/>
+    <p:sldId id="292" r:id="rId24"/>
+    <p:sldId id="294" r:id="rId25"/>
   </p:sldIdLst>
   <p:sldSz cx="9144000" cy="6858000" type="screen4x3"/>
   <p:notesSz cx="6858000" cy="9144000"/>
@@ -147,13 +146,332 @@
 <file path=ppt/revisionInfo.xml><?xml version="1.0" encoding="utf-8"?>
 <p1510:revInfo xmlns:a="http://schemas.openxmlformats.org/drawingml/2006/main" xmlns:r="http://schemas.openxmlformats.org/officeDocument/2006/relationships" xmlns:p1510="http://schemas.microsoft.com/office/powerpoint/2015/10/main">
   <p1510:revLst>
-    <p1510:client id="{550CABA9-33F9-40BE-8201-FAC53EF37AB4}" v="93" dt="2024-03-26T13:45:24.644"/>
+    <p1510:client id="{58E132F5-AAF3-4B12-AB1E-4DBFCA78115F}" v="13" dt="2025-04-08T00:08:44.055"/>
   </p1510:revLst>
 </p1510:revInfo>
 </file>
 
 <file path=ppt/changesInfos/changesInfo1.xml><?xml version="1.0" encoding="utf-8"?>
 <pc:chgInfo xmlns:a="http://schemas.openxmlformats.org/drawingml/2006/main" xmlns:r="http://schemas.openxmlformats.org/officeDocument/2006/relationships" xmlns:ac="http://schemas.microsoft.com/office/drawing/2013/main/command" xmlns:pc="http://schemas.microsoft.com/office/powerpoint/2013/main/command">
+  <pc:docChgLst>
+    <pc:chgData name="Laise Eduarda Paixão de Moraes" userId="ed9e5288-1c22-4d51-b69f-ec30695ef7d2" providerId="ADAL" clId="{58E132F5-AAF3-4B12-AB1E-4DBFCA78115F}"/>
+    <pc:docChg chg="undo custSel addSld delSld modSld sldOrd">
+      <pc:chgData name="Laise Eduarda Paixão de Moraes" userId="ed9e5288-1c22-4d51-b69f-ec30695ef7d2" providerId="ADAL" clId="{58E132F5-AAF3-4B12-AB1E-4DBFCA78115F}" dt="2025-04-08T00:12:49.622" v="131"/>
+      <pc:docMkLst>
+        <pc:docMk/>
+      </pc:docMkLst>
+      <pc:sldChg chg="modSp mod">
+        <pc:chgData name="Laise Eduarda Paixão de Moraes" userId="ed9e5288-1c22-4d51-b69f-ec30695ef7d2" providerId="ADAL" clId="{58E132F5-AAF3-4B12-AB1E-4DBFCA78115F}" dt="2025-04-08T00:12:44.162" v="130" actId="20577"/>
+        <pc:sldMkLst>
+          <pc:docMk/>
+          <pc:sldMk cId="1036864332" sldId="256"/>
+        </pc:sldMkLst>
+        <pc:spChg chg="mod">
+          <ac:chgData name="Laise Eduarda Paixão de Moraes" userId="ed9e5288-1c22-4d51-b69f-ec30695ef7d2" providerId="ADAL" clId="{58E132F5-AAF3-4B12-AB1E-4DBFCA78115F}" dt="2025-04-08T00:12:44.162" v="130" actId="20577"/>
+          <ac:spMkLst>
+            <pc:docMk/>
+            <pc:sldMk cId="1036864332" sldId="256"/>
+            <ac:spMk id="3" creationId="{8BAAD66B-A91B-2AAE-4A56-B6570C4C3104}"/>
+          </ac:spMkLst>
+        </pc:spChg>
+        <pc:spChg chg="mod">
+          <ac:chgData name="Laise Eduarda Paixão de Moraes" userId="ed9e5288-1c22-4d51-b69f-ec30695ef7d2" providerId="ADAL" clId="{58E132F5-AAF3-4B12-AB1E-4DBFCA78115F}" dt="2025-04-08T00:00:59.609" v="21" actId="20577"/>
+          <ac:spMkLst>
+            <pc:docMk/>
+            <pc:sldMk cId="1036864332" sldId="256"/>
+            <ac:spMk id="6" creationId="{03479D88-ECD8-80C6-0A79-628C4FBFD37D}"/>
+          </ac:spMkLst>
+        </pc:spChg>
+      </pc:sldChg>
+      <pc:sldChg chg="addSp delSp modSp mod">
+        <pc:chgData name="Laise Eduarda Paixão de Moraes" userId="ed9e5288-1c22-4d51-b69f-ec30695ef7d2" providerId="ADAL" clId="{58E132F5-AAF3-4B12-AB1E-4DBFCA78115F}" dt="2025-04-08T00:02:58.495" v="28" actId="27614"/>
+        <pc:sldMkLst>
+          <pc:docMk/>
+          <pc:sldMk cId="1176472101" sldId="272"/>
+        </pc:sldMkLst>
+        <pc:picChg chg="add mod">
+          <ac:chgData name="Laise Eduarda Paixão de Moraes" userId="ed9e5288-1c22-4d51-b69f-ec30695ef7d2" providerId="ADAL" clId="{58E132F5-AAF3-4B12-AB1E-4DBFCA78115F}" dt="2025-04-08T00:02:58.495" v="28" actId="27614"/>
+          <ac:picMkLst>
+            <pc:docMk/>
+            <pc:sldMk cId="1176472101" sldId="272"/>
+            <ac:picMk id="6" creationId="{C380DBF9-15C5-9595-3A7C-5059BAAE06A1}"/>
+          </ac:picMkLst>
+        </pc:picChg>
+        <pc:picChg chg="del">
+          <ac:chgData name="Laise Eduarda Paixão de Moraes" userId="ed9e5288-1c22-4d51-b69f-ec30695ef7d2" providerId="ADAL" clId="{58E132F5-AAF3-4B12-AB1E-4DBFCA78115F}" dt="2025-04-08T00:02:54.918" v="25" actId="478"/>
+          <ac:picMkLst>
+            <pc:docMk/>
+            <pc:sldMk cId="1176472101" sldId="272"/>
+            <ac:picMk id="8" creationId="{331DE168-D55D-7B7F-8865-7D0538B6CE02}"/>
+          </ac:picMkLst>
+        </pc:picChg>
+      </pc:sldChg>
+      <pc:sldChg chg="delSp modSp mod">
+        <pc:chgData name="Laise Eduarda Paixão de Moraes" userId="ed9e5288-1c22-4d51-b69f-ec30695ef7d2" providerId="ADAL" clId="{58E132F5-AAF3-4B12-AB1E-4DBFCA78115F}" dt="2025-04-08T00:03:59.013" v="46" actId="14100"/>
+        <pc:sldMkLst>
+          <pc:docMk/>
+          <pc:sldMk cId="2559693012" sldId="273"/>
+        </pc:sldMkLst>
+        <pc:spChg chg="del mod">
+          <ac:chgData name="Laise Eduarda Paixão de Moraes" userId="ed9e5288-1c22-4d51-b69f-ec30695ef7d2" providerId="ADAL" clId="{58E132F5-AAF3-4B12-AB1E-4DBFCA78115F}" dt="2025-04-08T00:03:21.917" v="34" actId="478"/>
+          <ac:spMkLst>
+            <pc:docMk/>
+            <pc:sldMk cId="2559693012" sldId="273"/>
+            <ac:spMk id="10" creationId="{22BA1345-B98D-85C5-6AAB-33BC7055AA00}"/>
+          </ac:spMkLst>
+        </pc:spChg>
+        <pc:spChg chg="mod">
+          <ac:chgData name="Laise Eduarda Paixão de Moraes" userId="ed9e5288-1c22-4d51-b69f-ec30695ef7d2" providerId="ADAL" clId="{58E132F5-AAF3-4B12-AB1E-4DBFCA78115F}" dt="2025-04-08T00:03:40.433" v="41" actId="1076"/>
+          <ac:spMkLst>
+            <pc:docMk/>
+            <pc:sldMk cId="2559693012" sldId="273"/>
+            <ac:spMk id="11" creationId="{526BA78B-F8A6-0D76-868F-1BB131222D1B}"/>
+          </ac:spMkLst>
+        </pc:spChg>
+        <pc:spChg chg="del mod">
+          <ac:chgData name="Laise Eduarda Paixão de Moraes" userId="ed9e5288-1c22-4d51-b69f-ec30695ef7d2" providerId="ADAL" clId="{58E132F5-AAF3-4B12-AB1E-4DBFCA78115F}" dt="2025-04-08T00:03:47.633" v="43" actId="478"/>
+          <ac:spMkLst>
+            <pc:docMk/>
+            <pc:sldMk cId="2559693012" sldId="273"/>
+            <ac:spMk id="16" creationId="{77ED18DD-9AF8-2088-A6DC-B5BDE15AA5C3}"/>
+          </ac:spMkLst>
+        </pc:spChg>
+        <pc:spChg chg="mod">
+          <ac:chgData name="Laise Eduarda Paixão de Moraes" userId="ed9e5288-1c22-4d51-b69f-ec30695ef7d2" providerId="ADAL" clId="{58E132F5-AAF3-4B12-AB1E-4DBFCA78115F}" dt="2025-04-08T00:03:59.013" v="46" actId="14100"/>
+          <ac:spMkLst>
+            <pc:docMk/>
+            <pc:sldMk cId="2559693012" sldId="273"/>
+            <ac:spMk id="17" creationId="{12BCAE27-EE06-063E-17B1-A00C1118677E}"/>
+          </ac:spMkLst>
+        </pc:spChg>
+        <pc:grpChg chg="mod">
+          <ac:chgData name="Laise Eduarda Paixão de Moraes" userId="ed9e5288-1c22-4d51-b69f-ec30695ef7d2" providerId="ADAL" clId="{58E132F5-AAF3-4B12-AB1E-4DBFCA78115F}" dt="2025-04-08T00:03:38.751" v="40" actId="1076"/>
+          <ac:grpSpMkLst>
+            <pc:docMk/>
+            <pc:sldMk cId="2559693012" sldId="273"/>
+            <ac:grpSpMk id="12" creationId="{C4C48475-9E96-02A2-9D36-B88F9A2A04CA}"/>
+          </ac:grpSpMkLst>
+        </pc:grpChg>
+      </pc:sldChg>
+      <pc:sldChg chg="addSp delSp modSp mod">
+        <pc:chgData name="Laise Eduarda Paixão de Moraes" userId="ed9e5288-1c22-4d51-b69f-ec30695ef7d2" providerId="ADAL" clId="{58E132F5-AAF3-4B12-AB1E-4DBFCA78115F}" dt="2025-04-08T00:06:33.662" v="83" actId="208"/>
+        <pc:sldMkLst>
+          <pc:docMk/>
+          <pc:sldMk cId="3258364950" sldId="274"/>
+        </pc:sldMkLst>
+        <pc:spChg chg="del mod">
+          <ac:chgData name="Laise Eduarda Paixão de Moraes" userId="ed9e5288-1c22-4d51-b69f-ec30695ef7d2" providerId="ADAL" clId="{58E132F5-AAF3-4B12-AB1E-4DBFCA78115F}" dt="2025-04-08T00:06:25.852" v="76" actId="21"/>
+          <ac:spMkLst>
+            <pc:docMk/>
+            <pc:sldMk cId="3258364950" sldId="274"/>
+            <ac:spMk id="9" creationId="{76C9AEB5-03FC-0266-EFFB-8AE4C078FF73}"/>
+          </ac:spMkLst>
+        </pc:spChg>
+        <pc:spChg chg="add mod">
+          <ac:chgData name="Laise Eduarda Paixão de Moraes" userId="ed9e5288-1c22-4d51-b69f-ec30695ef7d2" providerId="ADAL" clId="{58E132F5-AAF3-4B12-AB1E-4DBFCA78115F}" dt="2025-04-08T00:06:30.916" v="82" actId="1035"/>
+          <ac:spMkLst>
+            <pc:docMk/>
+            <pc:sldMk cId="3258364950" sldId="274"/>
+            <ac:spMk id="12" creationId="{76C9AEB5-03FC-0266-EFFB-8AE4C078FF73}"/>
+          </ac:spMkLst>
+        </pc:spChg>
+        <pc:spChg chg="mod">
+          <ac:chgData name="Laise Eduarda Paixão de Moraes" userId="ed9e5288-1c22-4d51-b69f-ec30695ef7d2" providerId="ADAL" clId="{58E132F5-AAF3-4B12-AB1E-4DBFCA78115F}" dt="2025-04-08T00:05:57.053" v="65" actId="1076"/>
+          <ac:spMkLst>
+            <pc:docMk/>
+            <pc:sldMk cId="3258364950" sldId="274"/>
+            <ac:spMk id="13" creationId="{708E1D42-3397-F97B-56EA-78CEDFC738B1}"/>
+          </ac:spMkLst>
+        </pc:spChg>
+        <pc:picChg chg="del">
+          <ac:chgData name="Laise Eduarda Paixão de Moraes" userId="ed9e5288-1c22-4d51-b69f-ec30695ef7d2" providerId="ADAL" clId="{58E132F5-AAF3-4B12-AB1E-4DBFCA78115F}" dt="2025-04-08T00:05:28.298" v="47" actId="478"/>
+          <ac:picMkLst>
+            <pc:docMk/>
+            <pc:sldMk cId="3258364950" sldId="274"/>
+            <ac:picMk id="3" creationId="{95932072-7739-8384-ADF0-2B411548B4AE}"/>
+          </ac:picMkLst>
+        </pc:picChg>
+        <pc:picChg chg="add mod ord">
+          <ac:chgData name="Laise Eduarda Paixão de Moraes" userId="ed9e5288-1c22-4d51-b69f-ec30695ef7d2" providerId="ADAL" clId="{58E132F5-AAF3-4B12-AB1E-4DBFCA78115F}" dt="2025-04-08T00:06:08.120" v="69" actId="208"/>
+          <ac:picMkLst>
+            <pc:docMk/>
+            <pc:sldMk cId="3258364950" sldId="274"/>
+            <ac:picMk id="7" creationId="{FBDC3596-A5A6-B8CB-041F-258552DBCB4F}"/>
+          </ac:picMkLst>
+        </pc:picChg>
+        <pc:picChg chg="del">
+          <ac:chgData name="Laise Eduarda Paixão de Moraes" userId="ed9e5288-1c22-4d51-b69f-ec30695ef7d2" providerId="ADAL" clId="{58E132F5-AAF3-4B12-AB1E-4DBFCA78115F}" dt="2025-04-08T00:05:47.758" v="61" actId="478"/>
+          <ac:picMkLst>
+            <pc:docMk/>
+            <pc:sldMk cId="3258364950" sldId="274"/>
+            <ac:picMk id="8" creationId="{294CD8BB-81A3-3685-86CB-309105A68F4A}"/>
+          </ac:picMkLst>
+        </pc:picChg>
+        <pc:picChg chg="add mod">
+          <ac:chgData name="Laise Eduarda Paixão de Moraes" userId="ed9e5288-1c22-4d51-b69f-ec30695ef7d2" providerId="ADAL" clId="{58E132F5-AAF3-4B12-AB1E-4DBFCA78115F}" dt="2025-04-08T00:06:33.662" v="83" actId="208"/>
+          <ac:picMkLst>
+            <pc:docMk/>
+            <pc:sldMk cId="3258364950" sldId="274"/>
+            <ac:picMk id="11" creationId="{F2B87DD9-AA02-4513-95D6-5C50F6586F1F}"/>
+          </ac:picMkLst>
+        </pc:picChg>
+      </pc:sldChg>
+      <pc:sldChg chg="addSp delSp modSp mod">
+        <pc:chgData name="Laise Eduarda Paixão de Moraes" userId="ed9e5288-1c22-4d51-b69f-ec30695ef7d2" providerId="ADAL" clId="{58E132F5-AAF3-4B12-AB1E-4DBFCA78115F}" dt="2025-04-08T00:08:32.889" v="115"/>
+        <pc:sldMkLst>
+          <pc:docMk/>
+          <pc:sldMk cId="3126631575" sldId="275"/>
+        </pc:sldMkLst>
+        <pc:spChg chg="add mod">
+          <ac:chgData name="Laise Eduarda Paixão de Moraes" userId="ed9e5288-1c22-4d51-b69f-ec30695ef7d2" providerId="ADAL" clId="{58E132F5-AAF3-4B12-AB1E-4DBFCA78115F}" dt="2025-04-08T00:08:32.889" v="115"/>
+          <ac:spMkLst>
+            <pc:docMk/>
+            <pc:sldMk cId="3126631575" sldId="275"/>
+            <ac:spMk id="8" creationId="{976738C4-AA2A-4956-CA38-F5656F944F20}"/>
+          </ac:spMkLst>
+        </pc:spChg>
+        <pc:spChg chg="del mod">
+          <ac:chgData name="Laise Eduarda Paixão de Moraes" userId="ed9e5288-1c22-4d51-b69f-ec30695ef7d2" providerId="ADAL" clId="{58E132F5-AAF3-4B12-AB1E-4DBFCA78115F}" dt="2025-04-08T00:08:32.455" v="114" actId="478"/>
+          <ac:spMkLst>
+            <pc:docMk/>
+            <pc:sldMk cId="3126631575" sldId="275"/>
+            <ac:spMk id="12" creationId="{F517528E-1562-C16C-5CC2-B19922C57464}"/>
+          </ac:spMkLst>
+        </pc:spChg>
+        <pc:picChg chg="add del mod ord">
+          <ac:chgData name="Laise Eduarda Paixão de Moraes" userId="ed9e5288-1c22-4d51-b69f-ec30695ef7d2" providerId="ADAL" clId="{58E132F5-AAF3-4B12-AB1E-4DBFCA78115F}" dt="2025-04-08T00:08:32.455" v="114" actId="478"/>
+          <ac:picMkLst>
+            <pc:docMk/>
+            <pc:sldMk cId="3126631575" sldId="275"/>
+            <ac:picMk id="6" creationId="{4644D29B-68DD-8766-0CED-C047E3EC0834}"/>
+          </ac:picMkLst>
+        </pc:picChg>
+        <pc:picChg chg="add mod">
+          <ac:chgData name="Laise Eduarda Paixão de Moraes" userId="ed9e5288-1c22-4d51-b69f-ec30695ef7d2" providerId="ADAL" clId="{58E132F5-AAF3-4B12-AB1E-4DBFCA78115F}" dt="2025-04-08T00:08:32.889" v="115"/>
+          <ac:picMkLst>
+            <pc:docMk/>
+            <pc:sldMk cId="3126631575" sldId="275"/>
+            <ac:picMk id="7" creationId="{D460271D-9D5E-FCF7-4C0E-FF287528BC1F}"/>
+          </ac:picMkLst>
+        </pc:picChg>
+        <pc:picChg chg="del">
+          <ac:chgData name="Laise Eduarda Paixão de Moraes" userId="ed9e5288-1c22-4d51-b69f-ec30695ef7d2" providerId="ADAL" clId="{58E132F5-AAF3-4B12-AB1E-4DBFCA78115F}" dt="2025-04-08T00:07:01.918" v="84" actId="478"/>
+          <ac:picMkLst>
+            <pc:docMk/>
+            <pc:sldMk cId="3126631575" sldId="275"/>
+            <ac:picMk id="11" creationId="{0807B1E7-19C5-B57C-8B5E-59A13958BCB2}"/>
+          </ac:picMkLst>
+        </pc:picChg>
+      </pc:sldChg>
+      <pc:sldChg chg="addSp delSp modSp del mod ord">
+        <pc:chgData name="Laise Eduarda Paixão de Moraes" userId="ed9e5288-1c22-4d51-b69f-ec30695ef7d2" providerId="ADAL" clId="{58E132F5-AAF3-4B12-AB1E-4DBFCA78115F}" dt="2025-04-08T00:08:51.021" v="122" actId="47"/>
+        <pc:sldMkLst>
+          <pc:docMk/>
+          <pc:sldMk cId="2399114138" sldId="277"/>
+        </pc:sldMkLst>
+        <pc:spChg chg="del">
+          <ac:chgData name="Laise Eduarda Paixão de Moraes" userId="ed9e5288-1c22-4d51-b69f-ec30695ef7d2" providerId="ADAL" clId="{58E132F5-AAF3-4B12-AB1E-4DBFCA78115F}" dt="2025-04-08T00:08:43.098" v="117" actId="21"/>
+          <ac:spMkLst>
+            <pc:docMk/>
+            <pc:sldMk cId="2399114138" sldId="277"/>
+            <ac:spMk id="7" creationId="{9358AF40-5A83-069F-496E-851FA50C501C}"/>
+          </ac:spMkLst>
+        </pc:spChg>
+        <pc:picChg chg="add del mod">
+          <ac:chgData name="Laise Eduarda Paixão de Moraes" userId="ed9e5288-1c22-4d51-b69f-ec30695ef7d2" providerId="ADAL" clId="{58E132F5-AAF3-4B12-AB1E-4DBFCA78115F}" dt="2025-04-08T00:08:10.999" v="102" actId="21"/>
+          <ac:picMkLst>
+            <pc:docMk/>
+            <pc:sldMk cId="2399114138" sldId="277"/>
+            <ac:picMk id="8" creationId="{D53D0DF3-9418-22E8-1DC0-0394FECFD572}"/>
+          </ac:picMkLst>
+        </pc:picChg>
+      </pc:sldChg>
+      <pc:sldChg chg="del">
+        <pc:chgData name="Laise Eduarda Paixão de Moraes" userId="ed9e5288-1c22-4d51-b69f-ec30695ef7d2" providerId="ADAL" clId="{58E132F5-AAF3-4B12-AB1E-4DBFCA78115F}" dt="2025-04-08T00:01:36.197" v="22" actId="47"/>
+        <pc:sldMkLst>
+          <pc:docMk/>
+          <pc:sldMk cId="2184620094" sldId="286"/>
+        </pc:sldMkLst>
+      </pc:sldChg>
+      <pc:sldChg chg="del">
+        <pc:chgData name="Laise Eduarda Paixão de Moraes" userId="ed9e5288-1c22-4d51-b69f-ec30695ef7d2" providerId="ADAL" clId="{58E132F5-AAF3-4B12-AB1E-4DBFCA78115F}" dt="2025-04-08T00:01:58.573" v="24" actId="47"/>
+        <pc:sldMkLst>
+          <pc:docMk/>
+          <pc:sldMk cId="2728691427" sldId="293"/>
+        </pc:sldMkLst>
+      </pc:sldChg>
+      <pc:sldChg chg="modSp add mod">
+        <pc:chgData name="Laise Eduarda Paixão de Moraes" userId="ed9e5288-1c22-4d51-b69f-ec30695ef7d2" providerId="ADAL" clId="{58E132F5-AAF3-4B12-AB1E-4DBFCA78115F}" dt="2025-04-08T00:12:49.622" v="131"/>
+        <pc:sldMkLst>
+          <pc:docMk/>
+          <pc:sldMk cId="3845270994" sldId="294"/>
+        </pc:sldMkLst>
+        <pc:spChg chg="mod">
+          <ac:chgData name="Laise Eduarda Paixão de Moraes" userId="ed9e5288-1c22-4d51-b69f-ec30695ef7d2" providerId="ADAL" clId="{58E132F5-AAF3-4B12-AB1E-4DBFCA78115F}" dt="2025-04-08T00:12:49.622" v="131"/>
+          <ac:spMkLst>
+            <pc:docMk/>
+            <pc:sldMk cId="3845270994" sldId="294"/>
+            <ac:spMk id="3" creationId="{803ABD93-3DA1-1427-A923-D97E580AEF26}"/>
+          </ac:spMkLst>
+        </pc:spChg>
+      </pc:sldChg>
+      <pc:sldChg chg="addSp delSp modSp add mod">
+        <pc:chgData name="Laise Eduarda Paixão de Moraes" userId="ed9e5288-1c22-4d51-b69f-ec30695ef7d2" providerId="ADAL" clId="{58E132F5-AAF3-4B12-AB1E-4DBFCA78115F}" dt="2025-04-08T00:08:49.812" v="121" actId="1076"/>
+        <pc:sldMkLst>
+          <pc:docMk/>
+          <pc:sldMk cId="3375383975" sldId="295"/>
+        </pc:sldMkLst>
+        <pc:spChg chg="add mod">
+          <ac:chgData name="Laise Eduarda Paixão de Moraes" userId="ed9e5288-1c22-4d51-b69f-ec30695ef7d2" providerId="ADAL" clId="{58E132F5-AAF3-4B12-AB1E-4DBFCA78115F}" dt="2025-04-08T00:07:40.808" v="96"/>
+          <ac:spMkLst>
+            <pc:docMk/>
+            <pc:sldMk cId="3375383975" sldId="295"/>
+            <ac:spMk id="3" creationId="{FECE77F2-1E4F-1250-6751-82937F3FCE64}"/>
+          </ac:spMkLst>
+        </pc:spChg>
+        <pc:spChg chg="del">
+          <ac:chgData name="Laise Eduarda Paixão de Moraes" userId="ed9e5288-1c22-4d51-b69f-ec30695ef7d2" providerId="ADAL" clId="{58E132F5-AAF3-4B12-AB1E-4DBFCA78115F}" dt="2025-04-08T00:07:40.439" v="95" actId="478"/>
+          <ac:spMkLst>
+            <pc:docMk/>
+            <pc:sldMk cId="3375383975" sldId="295"/>
+            <ac:spMk id="5" creationId="{A47BB75D-69E2-09E0-290B-2F31C7DCC913}"/>
+          </ac:spMkLst>
+        </pc:spChg>
+        <pc:spChg chg="add mod">
+          <ac:chgData name="Laise Eduarda Paixão de Moraes" userId="ed9e5288-1c22-4d51-b69f-ec30695ef7d2" providerId="ADAL" clId="{58E132F5-AAF3-4B12-AB1E-4DBFCA78115F}" dt="2025-04-08T00:08:49.812" v="121" actId="1076"/>
+          <ac:spMkLst>
+            <pc:docMk/>
+            <pc:sldMk cId="3375383975" sldId="295"/>
+            <ac:spMk id="7" creationId="{9358AF40-5A83-069F-496E-851FA50C501C}"/>
+          </ac:spMkLst>
+        </pc:spChg>
+        <pc:spChg chg="mod">
+          <ac:chgData name="Laise Eduarda Paixão de Moraes" userId="ed9e5288-1c22-4d51-b69f-ec30695ef7d2" providerId="ADAL" clId="{58E132F5-AAF3-4B12-AB1E-4DBFCA78115F}" dt="2025-04-08T00:08:29.743" v="113" actId="1076"/>
+          <ac:spMkLst>
+            <pc:docMk/>
+            <pc:sldMk cId="3375383975" sldId="295"/>
+            <ac:spMk id="12" creationId="{CDA52471-40CA-AC36-B6FB-0A7329E329FD}"/>
+          </ac:spMkLst>
+        </pc:spChg>
+        <pc:picChg chg="mod">
+          <ac:chgData name="Laise Eduarda Paixão de Moraes" userId="ed9e5288-1c22-4d51-b69f-ec30695ef7d2" providerId="ADAL" clId="{58E132F5-AAF3-4B12-AB1E-4DBFCA78115F}" dt="2025-04-08T00:08:26.316" v="112" actId="1035"/>
+          <ac:picMkLst>
+            <pc:docMk/>
+            <pc:sldMk cId="3375383975" sldId="295"/>
+            <ac:picMk id="6" creationId="{7E2340A3-10A2-25B6-3F10-A0F1CB50D4AF}"/>
+          </ac:picMkLst>
+        </pc:picChg>
+        <pc:picChg chg="add mod modCrop">
+          <ac:chgData name="Laise Eduarda Paixão de Moraes" userId="ed9e5288-1c22-4d51-b69f-ec30695ef7d2" providerId="ADAL" clId="{58E132F5-AAF3-4B12-AB1E-4DBFCA78115F}" dt="2025-04-08T00:08:39.822" v="116" actId="208"/>
+          <ac:picMkLst>
+            <pc:docMk/>
+            <pc:sldMk cId="3375383975" sldId="295"/>
+            <ac:picMk id="8" creationId="{D53D0DF3-9418-22E8-1DC0-0394FECFD572}"/>
+          </ac:picMkLst>
+        </pc:picChg>
+      </pc:sldChg>
+    </pc:docChg>
+  </pc:docChgLst>
   <pc:docChgLst>
     <pc:chgData name="Laise Eduarda Paixão de Moraes" userId="ed9e5288-1c22-4d51-b69f-ec30695ef7d2" providerId="ADAL" clId="{550CABA9-33F9-40BE-8201-FAC53EF37AB4}"/>
     <pc:docChg chg="undo redo custSel addSld delSld modSld sldOrd modMainMaster">
@@ -167,54 +485,6 @@
           <pc:docMk/>
           <pc:sldMk cId="1036864332" sldId="256"/>
         </pc:sldMkLst>
-        <pc:spChg chg="add mod">
-          <ac:chgData name="Laise Eduarda Paixão de Moraes" userId="ed9e5288-1c22-4d51-b69f-ec30695ef7d2" providerId="ADAL" clId="{550CABA9-33F9-40BE-8201-FAC53EF37AB4}" dt="2024-03-26T12:19:20.929" v="14" actId="14100"/>
-          <ac:spMkLst>
-            <pc:docMk/>
-            <pc:sldMk cId="1036864332" sldId="256"/>
-            <ac:spMk id="2" creationId="{33D22B9A-6D15-B5EB-030D-2A9075C5DBF5}"/>
-          </ac:spMkLst>
-        </pc:spChg>
-        <pc:spChg chg="add mod">
-          <ac:chgData name="Laise Eduarda Paixão de Moraes" userId="ed9e5288-1c22-4d51-b69f-ec30695ef7d2" providerId="ADAL" clId="{550CABA9-33F9-40BE-8201-FAC53EF37AB4}" dt="2024-03-26T12:23:23.623" v="125" actId="1038"/>
-          <ac:spMkLst>
-            <pc:docMk/>
-            <pc:sldMk cId="1036864332" sldId="256"/>
-            <ac:spMk id="3" creationId="{8BAAD66B-A91B-2AAE-4A56-B6570C4C3104}"/>
-          </ac:spMkLst>
-        </pc:spChg>
-        <pc:spChg chg="add mod">
-          <ac:chgData name="Laise Eduarda Paixão de Moraes" userId="ed9e5288-1c22-4d51-b69f-ec30695ef7d2" providerId="ADAL" clId="{550CABA9-33F9-40BE-8201-FAC53EF37AB4}" dt="2024-03-26T12:23:23.623" v="125" actId="1038"/>
-          <ac:spMkLst>
-            <pc:docMk/>
-            <pc:sldMk cId="1036864332" sldId="256"/>
-            <ac:spMk id="6" creationId="{03479D88-ECD8-80C6-0A79-628C4FBFD37D}"/>
-          </ac:spMkLst>
-        </pc:spChg>
-        <pc:spChg chg="del mod">
-          <ac:chgData name="Laise Eduarda Paixão de Moraes" userId="ed9e5288-1c22-4d51-b69f-ec30695ef7d2" providerId="ADAL" clId="{550CABA9-33F9-40BE-8201-FAC53EF37AB4}" dt="2024-03-26T12:18:41.774" v="3" actId="478"/>
-          <ac:spMkLst>
-            <pc:docMk/>
-            <pc:sldMk cId="1036864332" sldId="256"/>
-            <ac:spMk id="7" creationId="{154A0B2C-927C-8ADF-7894-1E95E6E82902}"/>
-          </ac:spMkLst>
-        </pc:spChg>
-        <pc:spChg chg="add mod">
-          <ac:chgData name="Laise Eduarda Paixão de Moraes" userId="ed9e5288-1c22-4d51-b69f-ec30695ef7d2" providerId="ADAL" clId="{550CABA9-33F9-40BE-8201-FAC53EF37AB4}" dt="2024-03-26T12:23:33.859" v="152" actId="1038"/>
-          <ac:spMkLst>
-            <pc:docMk/>
-            <pc:sldMk cId="1036864332" sldId="256"/>
-            <ac:spMk id="9" creationId="{A9861FF5-9581-E148-7BFF-FD3C861E84A4}"/>
-          </ac:spMkLst>
-        </pc:spChg>
-        <pc:picChg chg="del mod">
-          <ac:chgData name="Laise Eduarda Paixão de Moraes" userId="ed9e5288-1c22-4d51-b69f-ec30695ef7d2" providerId="ADAL" clId="{550CABA9-33F9-40BE-8201-FAC53EF37AB4}" dt="2024-03-26T12:18:46.135" v="4" actId="478"/>
-          <ac:picMkLst>
-            <pc:docMk/>
-            <pc:sldMk cId="1036864332" sldId="256"/>
-            <ac:picMk id="5" creationId="{FDA53798-49B1-ABC7-3359-D54B4E914F7E}"/>
-          </ac:picMkLst>
-        </pc:picChg>
       </pc:sldChg>
       <pc:sldChg chg="addSp delSp modSp del mod">
         <pc:chgData name="Laise Eduarda Paixão de Moraes" userId="ed9e5288-1c22-4d51-b69f-ec30695ef7d2" providerId="ADAL" clId="{550CABA9-33F9-40BE-8201-FAC53EF37AB4}" dt="2024-03-26T13:42:45.732" v="3237" actId="47"/>
@@ -222,30 +492,6 @@
           <pc:docMk/>
           <pc:sldMk cId="1390828655" sldId="257"/>
         </pc:sldMkLst>
-        <pc:spChg chg="add mod">
-          <ac:chgData name="Laise Eduarda Paixão de Moraes" userId="ed9e5288-1c22-4d51-b69f-ec30695ef7d2" providerId="ADAL" clId="{550CABA9-33F9-40BE-8201-FAC53EF37AB4}" dt="2024-03-26T12:23:53.775" v="155" actId="14100"/>
-          <ac:spMkLst>
-            <pc:docMk/>
-            <pc:sldMk cId="1390828655" sldId="257"/>
-            <ac:spMk id="2" creationId="{92A8A4D2-0EF2-51C0-50A5-807B35C29456}"/>
-          </ac:spMkLst>
-        </pc:spChg>
-        <pc:spChg chg="add mod">
-          <ac:chgData name="Laise Eduarda Paixão de Moraes" userId="ed9e5288-1c22-4d51-b69f-ec30695ef7d2" providerId="ADAL" clId="{550CABA9-33F9-40BE-8201-FAC53EF37AB4}" dt="2024-03-26T12:24:44.733" v="178" actId="20577"/>
-          <ac:spMkLst>
-            <pc:docMk/>
-            <pc:sldMk cId="1390828655" sldId="257"/>
-            <ac:spMk id="4" creationId="{B3BE077F-5E7A-5C87-CBFD-191C524963A9}"/>
-          </ac:spMkLst>
-        </pc:spChg>
-        <pc:picChg chg="del mod">
-          <ac:chgData name="Laise Eduarda Paixão de Moraes" userId="ed9e5288-1c22-4d51-b69f-ec30695ef7d2" providerId="ADAL" clId="{550CABA9-33F9-40BE-8201-FAC53EF37AB4}" dt="2024-03-26T12:24:07.227" v="157" actId="478"/>
-          <ac:picMkLst>
-            <pc:docMk/>
-            <pc:sldMk cId="1390828655" sldId="257"/>
-            <ac:picMk id="3" creationId="{988765AB-AB55-E5FF-00CD-5895B1E5B9D8}"/>
-          </ac:picMkLst>
-        </pc:picChg>
       </pc:sldChg>
       <pc:sldChg chg="modSp del">
         <pc:chgData name="Laise Eduarda Paixão de Moraes" userId="ed9e5288-1c22-4d51-b69f-ec30695ef7d2" providerId="ADAL" clId="{550CABA9-33F9-40BE-8201-FAC53EF37AB4}" dt="2024-03-26T12:44:21.031" v="847" actId="47"/>
@@ -253,30 +499,6 @@
           <pc:docMk/>
           <pc:sldMk cId="527912090" sldId="258"/>
         </pc:sldMkLst>
-        <pc:spChg chg="mod">
-          <ac:chgData name="Laise Eduarda Paixão de Moraes" userId="ed9e5288-1c22-4d51-b69f-ec30695ef7d2" providerId="ADAL" clId="{550CABA9-33F9-40BE-8201-FAC53EF37AB4}" dt="2024-03-26T12:18:35.287" v="0"/>
-          <ac:spMkLst>
-            <pc:docMk/>
-            <pc:sldMk cId="527912090" sldId="258"/>
-            <ac:spMk id="3" creationId="{1FDE0429-5B9E-B6B0-FC74-1B8992F620FC}"/>
-          </ac:spMkLst>
-        </pc:spChg>
-        <pc:spChg chg="mod">
-          <ac:chgData name="Laise Eduarda Paixão de Moraes" userId="ed9e5288-1c22-4d51-b69f-ec30695ef7d2" providerId="ADAL" clId="{550CABA9-33F9-40BE-8201-FAC53EF37AB4}" dt="2024-03-26T12:18:35.287" v="0"/>
-          <ac:spMkLst>
-            <pc:docMk/>
-            <pc:sldMk cId="527912090" sldId="258"/>
-            <ac:spMk id="7" creationId="{28F99D42-4DF5-9476-2C1E-0EAB42E948AF}"/>
-          </ac:spMkLst>
-        </pc:spChg>
-        <pc:picChg chg="mod">
-          <ac:chgData name="Laise Eduarda Paixão de Moraes" userId="ed9e5288-1c22-4d51-b69f-ec30695ef7d2" providerId="ADAL" clId="{550CABA9-33F9-40BE-8201-FAC53EF37AB4}" dt="2024-03-26T12:18:35.287" v="0"/>
-          <ac:picMkLst>
-            <pc:docMk/>
-            <pc:sldMk cId="527912090" sldId="258"/>
-            <ac:picMk id="5" creationId="{2C177BDD-191B-9F18-A1E2-05C8C6DC0383}"/>
-          </ac:picMkLst>
-        </pc:picChg>
       </pc:sldChg>
       <pc:sldChg chg="addSp delSp modSp del mod">
         <pc:chgData name="Laise Eduarda Paixão de Moraes" userId="ed9e5288-1c22-4d51-b69f-ec30695ef7d2" providerId="ADAL" clId="{550CABA9-33F9-40BE-8201-FAC53EF37AB4}" dt="2024-03-26T13:41:55.804" v="3236" actId="47"/>
@@ -284,22 +506,6 @@
           <pc:docMk/>
           <pc:sldMk cId="2849559535" sldId="259"/>
         </pc:sldMkLst>
-        <pc:spChg chg="add del mod">
-          <ac:chgData name="Laise Eduarda Paixão de Moraes" userId="ed9e5288-1c22-4d51-b69f-ec30695ef7d2" providerId="ADAL" clId="{550CABA9-33F9-40BE-8201-FAC53EF37AB4}" dt="2024-03-26T13:41:54.982" v="3235"/>
-          <ac:spMkLst>
-            <pc:docMk/>
-            <pc:sldMk cId="2849559535" sldId="259"/>
-            <ac:spMk id="3" creationId="{1FA59B24-1999-17CF-B623-81B9FA094FBD}"/>
-          </ac:spMkLst>
-        </pc:spChg>
-        <pc:picChg chg="add del mod modCrop">
-          <ac:chgData name="Laise Eduarda Paixão de Moraes" userId="ed9e5288-1c22-4d51-b69f-ec30695ef7d2" providerId="ADAL" clId="{550CABA9-33F9-40BE-8201-FAC53EF37AB4}" dt="2024-03-26T13:10:09.624" v="1597" actId="21"/>
-          <ac:picMkLst>
-            <pc:docMk/>
-            <pc:sldMk cId="2849559535" sldId="259"/>
-            <ac:picMk id="8" creationId="{E1504514-9DBC-8178-3360-0BAAAC8D2595}"/>
-          </ac:picMkLst>
-        </pc:picChg>
       </pc:sldChg>
       <pc:sldChg chg="del">
         <pc:chgData name="Laise Eduarda Paixão de Moraes" userId="ed9e5288-1c22-4d51-b69f-ec30695ef7d2" providerId="ADAL" clId="{550CABA9-33F9-40BE-8201-FAC53EF37AB4}" dt="2024-03-26T12:46:05.762" v="931" actId="47"/>
@@ -384,30 +590,6 @@
           <pc:docMk/>
           <pc:sldMk cId="1080138914" sldId="271"/>
         </pc:sldMkLst>
-        <pc:spChg chg="add del mod">
-          <ac:chgData name="Laise Eduarda Paixão de Moraes" userId="ed9e5288-1c22-4d51-b69f-ec30695ef7d2" providerId="ADAL" clId="{550CABA9-33F9-40BE-8201-FAC53EF37AB4}" dt="2024-03-26T12:20:02.718" v="17" actId="21"/>
-          <ac:spMkLst>
-            <pc:docMk/>
-            <pc:sldMk cId="1080138914" sldId="271"/>
-            <ac:spMk id="3" creationId="{8BAAD66B-A91B-2AAE-4A56-B6570C4C3104}"/>
-          </ac:spMkLst>
-        </pc:spChg>
-        <pc:spChg chg="del mod">
-          <ac:chgData name="Laise Eduarda Paixão de Moraes" userId="ed9e5288-1c22-4d51-b69f-ec30695ef7d2" providerId="ADAL" clId="{550CABA9-33F9-40BE-8201-FAC53EF37AB4}" dt="2024-03-26T12:21:56.693" v="99"/>
-          <ac:spMkLst>
-            <pc:docMk/>
-            <pc:sldMk cId="1080138914" sldId="271"/>
-            <ac:spMk id="7" creationId="{154A0B2C-927C-8ADF-7894-1E95E6E82902}"/>
-          </ac:spMkLst>
-        </pc:spChg>
-        <pc:picChg chg="del">
-          <ac:chgData name="Laise Eduarda Paixão de Moraes" userId="ed9e5288-1c22-4d51-b69f-ec30695ef7d2" providerId="ADAL" clId="{550CABA9-33F9-40BE-8201-FAC53EF37AB4}" dt="2024-03-26T12:21:36.839" v="91" actId="478"/>
-          <ac:picMkLst>
-            <pc:docMk/>
-            <pc:sldMk cId="1080138914" sldId="271"/>
-            <ac:picMk id="5" creationId="{FDA53798-49B1-ABC7-3359-D54B4E914F7E}"/>
-          </ac:picMkLst>
-        </pc:picChg>
       </pc:sldChg>
       <pc:sldChg chg="add del">
         <pc:chgData name="Laise Eduarda Paixão de Moraes" userId="ed9e5288-1c22-4d51-b69f-ec30695ef7d2" providerId="ADAL" clId="{550CABA9-33F9-40BE-8201-FAC53EF37AB4}" dt="2024-03-26T12:44:18.740" v="846" actId="47"/>
@@ -422,38 +604,6 @@
           <pc:docMk/>
           <pc:sldMk cId="1176472101" sldId="272"/>
         </pc:sldMkLst>
-        <pc:spChg chg="mod">
-          <ac:chgData name="Laise Eduarda Paixão de Moraes" userId="ed9e5288-1c22-4d51-b69f-ec30695ef7d2" providerId="ADAL" clId="{550CABA9-33F9-40BE-8201-FAC53EF37AB4}" dt="2024-03-26T12:25:46.459" v="189" actId="20577"/>
-          <ac:spMkLst>
-            <pc:docMk/>
-            <pc:sldMk cId="1176472101" sldId="272"/>
-            <ac:spMk id="4" creationId="{B3BE077F-5E7A-5C87-CBFD-191C524963A9}"/>
-          </ac:spMkLst>
-        </pc:spChg>
-        <pc:spChg chg="add del mod">
-          <ac:chgData name="Laise Eduarda Paixão de Moraes" userId="ed9e5288-1c22-4d51-b69f-ec30695ef7d2" providerId="ADAL" clId="{550CABA9-33F9-40BE-8201-FAC53EF37AB4}" dt="2024-03-26T12:49:39.294" v="1105" actId="20577"/>
-          <ac:spMkLst>
-            <pc:docMk/>
-            <pc:sldMk cId="1176472101" sldId="272"/>
-            <ac:spMk id="5" creationId="{F1546B47-742A-0ACC-F5DF-E2ED03A31F57}"/>
-          </ac:spMkLst>
-        </pc:spChg>
-        <pc:picChg chg="add del mod">
-          <ac:chgData name="Laise Eduarda Paixão de Moraes" userId="ed9e5288-1c22-4d51-b69f-ec30695ef7d2" providerId="ADAL" clId="{550CABA9-33F9-40BE-8201-FAC53EF37AB4}" dt="2024-03-26T12:27:43.042" v="248" actId="478"/>
-          <ac:picMkLst>
-            <pc:docMk/>
-            <pc:sldMk cId="1176472101" sldId="272"/>
-            <ac:picMk id="7" creationId="{331DE168-D55D-7B7F-8865-7D0538B6CE02}"/>
-          </ac:picMkLst>
-        </pc:picChg>
-        <pc:picChg chg="add mod">
-          <ac:chgData name="Laise Eduarda Paixão de Moraes" userId="ed9e5288-1c22-4d51-b69f-ec30695ef7d2" providerId="ADAL" clId="{550CABA9-33F9-40BE-8201-FAC53EF37AB4}" dt="2024-03-26T13:05:00.289" v="1410" actId="1076"/>
-          <ac:picMkLst>
-            <pc:docMk/>
-            <pc:sldMk cId="1176472101" sldId="272"/>
-            <ac:picMk id="8" creationId="{331DE168-D55D-7B7F-8865-7D0538B6CE02}"/>
-          </ac:picMkLst>
-        </pc:picChg>
       </pc:sldChg>
       <pc:sldChg chg="addSp delSp modSp add mod">
         <pc:chgData name="Laise Eduarda Paixão de Moraes" userId="ed9e5288-1c22-4d51-b69f-ec30695ef7d2" providerId="ADAL" clId="{550CABA9-33F9-40BE-8201-FAC53EF37AB4}" dt="2024-03-26T13:45:08.677" v="3250" actId="1036"/>
@@ -461,110 +611,6 @@
           <pc:docMk/>
           <pc:sldMk cId="2559693012" sldId="273"/>
         </pc:sldMkLst>
-        <pc:spChg chg="mod">
-          <ac:chgData name="Laise Eduarda Paixão de Moraes" userId="ed9e5288-1c22-4d51-b69f-ec30695ef7d2" providerId="ADAL" clId="{550CABA9-33F9-40BE-8201-FAC53EF37AB4}" dt="2024-03-26T12:49:41.622" v="1106" actId="20577"/>
-          <ac:spMkLst>
-            <pc:docMk/>
-            <pc:sldMk cId="2559693012" sldId="273"/>
-            <ac:spMk id="5" creationId="{F1546B47-742A-0ACC-F5DF-E2ED03A31F57}"/>
-          </ac:spMkLst>
-        </pc:spChg>
-        <pc:spChg chg="add del mod">
-          <ac:chgData name="Laise Eduarda Paixão de Moraes" userId="ed9e5288-1c22-4d51-b69f-ec30695ef7d2" providerId="ADAL" clId="{550CABA9-33F9-40BE-8201-FAC53EF37AB4}" dt="2024-03-26T12:34:27.689" v="510" actId="21"/>
-          <ac:spMkLst>
-            <pc:docMk/>
-            <pc:sldMk cId="2559693012" sldId="273"/>
-            <ac:spMk id="9" creationId="{526BA78B-F8A6-0D76-868F-1BB131222D1B}"/>
-          </ac:spMkLst>
-        </pc:spChg>
-        <pc:spChg chg="add mod">
-          <ac:chgData name="Laise Eduarda Paixão de Moraes" userId="ed9e5288-1c22-4d51-b69f-ec30695ef7d2" providerId="ADAL" clId="{550CABA9-33F9-40BE-8201-FAC53EF37AB4}" dt="2024-03-26T13:45:06.155" v="3247" actId="208"/>
-          <ac:spMkLst>
-            <pc:docMk/>
-            <pc:sldMk cId="2559693012" sldId="273"/>
-            <ac:spMk id="10" creationId="{22BA1345-B98D-85C5-6AAB-33BC7055AA00}"/>
-          </ac:spMkLst>
-        </pc:spChg>
-        <pc:spChg chg="add mod">
-          <ac:chgData name="Laise Eduarda Paixão de Moraes" userId="ed9e5288-1c22-4d51-b69f-ec30695ef7d2" providerId="ADAL" clId="{550CABA9-33F9-40BE-8201-FAC53EF37AB4}" dt="2024-03-26T13:45:06.155" v="3247" actId="208"/>
-          <ac:spMkLst>
-            <pc:docMk/>
-            <pc:sldMk cId="2559693012" sldId="273"/>
-            <ac:spMk id="11" creationId="{526BA78B-F8A6-0D76-868F-1BB131222D1B}"/>
-          </ac:spMkLst>
-        </pc:spChg>
-        <pc:spChg chg="add del mod">
-          <ac:chgData name="Laise Eduarda Paixão de Moraes" userId="ed9e5288-1c22-4d51-b69f-ec30695ef7d2" providerId="ADAL" clId="{550CABA9-33F9-40BE-8201-FAC53EF37AB4}" dt="2024-03-26T12:36:38.891" v="545" actId="21"/>
-          <ac:spMkLst>
-            <pc:docMk/>
-            <pc:sldMk cId="2559693012" sldId="273"/>
-            <ac:spMk id="15" creationId="{12BCAE27-EE06-063E-17B1-A00C1118677E}"/>
-          </ac:spMkLst>
-        </pc:spChg>
-        <pc:spChg chg="add mod">
-          <ac:chgData name="Laise Eduarda Paixão de Moraes" userId="ed9e5288-1c22-4d51-b69f-ec30695ef7d2" providerId="ADAL" clId="{550CABA9-33F9-40BE-8201-FAC53EF37AB4}" dt="2024-03-26T13:45:06.155" v="3247" actId="208"/>
-          <ac:spMkLst>
-            <pc:docMk/>
-            <pc:sldMk cId="2559693012" sldId="273"/>
-            <ac:spMk id="16" creationId="{77ED18DD-9AF8-2088-A6DC-B5BDE15AA5C3}"/>
-          </ac:spMkLst>
-        </pc:spChg>
-        <pc:spChg chg="add mod">
-          <ac:chgData name="Laise Eduarda Paixão de Moraes" userId="ed9e5288-1c22-4d51-b69f-ec30695ef7d2" providerId="ADAL" clId="{550CABA9-33F9-40BE-8201-FAC53EF37AB4}" dt="2024-03-26T13:45:06.155" v="3247" actId="208"/>
-          <ac:spMkLst>
-            <pc:docMk/>
-            <pc:sldMk cId="2559693012" sldId="273"/>
-            <ac:spMk id="17" creationId="{12BCAE27-EE06-063E-17B1-A00C1118677E}"/>
-          </ac:spMkLst>
-        </pc:spChg>
-        <pc:grpChg chg="add mod topLvl">
-          <ac:chgData name="Laise Eduarda Paixão de Moraes" userId="ed9e5288-1c22-4d51-b69f-ec30695ef7d2" providerId="ADAL" clId="{550CABA9-33F9-40BE-8201-FAC53EF37AB4}" dt="2024-03-26T13:45:08.677" v="3250" actId="1036"/>
-          <ac:grpSpMkLst>
-            <pc:docMk/>
-            <pc:sldMk cId="2559693012" sldId="273"/>
-            <ac:grpSpMk id="12" creationId="{C4C48475-9E96-02A2-9D36-B88F9A2A04CA}"/>
-          </ac:grpSpMkLst>
-        </pc:grpChg>
-        <pc:grpChg chg="add mod topLvl">
-          <ac:chgData name="Laise Eduarda Paixão de Moraes" userId="ed9e5288-1c22-4d51-b69f-ec30695ef7d2" providerId="ADAL" clId="{550CABA9-33F9-40BE-8201-FAC53EF37AB4}" dt="2024-03-26T13:45:08.677" v="3250" actId="1036"/>
-          <ac:grpSpMkLst>
-            <pc:docMk/>
-            <pc:sldMk cId="2559693012" sldId="273"/>
-            <ac:grpSpMk id="18" creationId="{E7F67437-6AA7-1407-A541-9441DDEE1AE2}"/>
-          </ac:grpSpMkLst>
-        </pc:grpChg>
-        <pc:grpChg chg="add del mod">
-          <ac:chgData name="Laise Eduarda Paixão de Moraes" userId="ed9e5288-1c22-4d51-b69f-ec30695ef7d2" providerId="ADAL" clId="{550CABA9-33F9-40BE-8201-FAC53EF37AB4}" dt="2024-03-26T13:45:02.254" v="3246" actId="165"/>
-          <ac:grpSpMkLst>
-            <pc:docMk/>
-            <pc:sldMk cId="2559693012" sldId="273"/>
-            <ac:grpSpMk id="19" creationId="{B42F74A2-6E25-DFDA-A9D0-4D10627A60EE}"/>
-          </ac:grpSpMkLst>
-        </pc:grpChg>
-        <pc:picChg chg="add mod">
-          <ac:chgData name="Laise Eduarda Paixão de Moraes" userId="ed9e5288-1c22-4d51-b69f-ec30695ef7d2" providerId="ADAL" clId="{550CABA9-33F9-40BE-8201-FAC53EF37AB4}" dt="2024-03-26T13:45:06.155" v="3247" actId="208"/>
-          <ac:picMkLst>
-            <pc:docMk/>
-            <pc:sldMk cId="2559693012" sldId="273"/>
-            <ac:picMk id="6" creationId="{A263135B-50C4-7D24-FB96-923D21B02B92}"/>
-          </ac:picMkLst>
-        </pc:picChg>
-        <pc:picChg chg="del">
-          <ac:chgData name="Laise Eduarda Paixão de Moraes" userId="ed9e5288-1c22-4d51-b69f-ec30695ef7d2" providerId="ADAL" clId="{550CABA9-33F9-40BE-8201-FAC53EF37AB4}" dt="2024-03-26T12:29:18.285" v="389" actId="478"/>
-          <ac:picMkLst>
-            <pc:docMk/>
-            <pc:sldMk cId="2559693012" sldId="273"/>
-            <ac:picMk id="8" creationId="{331DE168-D55D-7B7F-8865-7D0538B6CE02}"/>
-          </ac:picMkLst>
-        </pc:picChg>
-        <pc:picChg chg="add mod modCrop">
-          <ac:chgData name="Laise Eduarda Paixão de Moraes" userId="ed9e5288-1c22-4d51-b69f-ec30695ef7d2" providerId="ADAL" clId="{550CABA9-33F9-40BE-8201-FAC53EF37AB4}" dt="2024-03-26T13:45:06.155" v="3247" actId="208"/>
-          <ac:picMkLst>
-            <pc:docMk/>
-            <pc:sldMk cId="2559693012" sldId="273"/>
-            <ac:picMk id="14" creationId="{0BC31657-9BF6-03DC-CD51-9B16884D0D4C}"/>
-          </ac:picMkLst>
-        </pc:picChg>
       </pc:sldChg>
       <pc:sldChg chg="addSp delSp modSp add mod">
         <pc:chgData name="Laise Eduarda Paixão de Moraes" userId="ed9e5288-1c22-4d51-b69f-ec30695ef7d2" providerId="ADAL" clId="{550CABA9-33F9-40BE-8201-FAC53EF37AB4}" dt="2024-03-26T12:41:11.206" v="704" actId="1038"/>
@@ -572,54 +618,6 @@
           <pc:docMk/>
           <pc:sldMk cId="3258364950" sldId="274"/>
         </pc:sldMkLst>
-        <pc:spChg chg="mod">
-          <ac:chgData name="Laise Eduarda Paixão de Moraes" userId="ed9e5288-1c22-4d51-b69f-ec30695ef7d2" providerId="ADAL" clId="{550CABA9-33F9-40BE-8201-FAC53EF37AB4}" dt="2024-03-26T12:39:36.820" v="667" actId="20577"/>
-          <ac:spMkLst>
-            <pc:docMk/>
-            <pc:sldMk cId="3258364950" sldId="274"/>
-            <ac:spMk id="5" creationId="{F1546B47-742A-0ACC-F5DF-E2ED03A31F57}"/>
-          </ac:spMkLst>
-        </pc:spChg>
-        <pc:spChg chg="add mod">
-          <ac:chgData name="Laise Eduarda Paixão de Moraes" userId="ed9e5288-1c22-4d51-b69f-ec30695ef7d2" providerId="ADAL" clId="{550CABA9-33F9-40BE-8201-FAC53EF37AB4}" dt="2024-03-26T12:41:01.473" v="693" actId="1076"/>
-          <ac:spMkLst>
-            <pc:docMk/>
-            <pc:sldMk cId="3258364950" sldId="274"/>
-            <ac:spMk id="9" creationId="{76C9AEB5-03FC-0266-EFFB-8AE4C078FF73}"/>
-          </ac:spMkLst>
-        </pc:spChg>
-        <pc:spChg chg="add mod">
-          <ac:chgData name="Laise Eduarda Paixão de Moraes" userId="ed9e5288-1c22-4d51-b69f-ec30695ef7d2" providerId="ADAL" clId="{550CABA9-33F9-40BE-8201-FAC53EF37AB4}" dt="2024-03-26T12:41:11.206" v="704" actId="1038"/>
-          <ac:spMkLst>
-            <pc:docMk/>
-            <pc:sldMk cId="3258364950" sldId="274"/>
-            <ac:spMk id="13" creationId="{708E1D42-3397-F97B-56EA-78CEDFC738B1}"/>
-          </ac:spMkLst>
-        </pc:spChg>
-        <pc:grpChg chg="del">
-          <ac:chgData name="Laise Eduarda Paixão de Moraes" userId="ed9e5288-1c22-4d51-b69f-ec30695ef7d2" providerId="ADAL" clId="{550CABA9-33F9-40BE-8201-FAC53EF37AB4}" dt="2024-03-26T12:37:58.701" v="579" actId="478"/>
-          <ac:grpSpMkLst>
-            <pc:docMk/>
-            <pc:sldMk cId="3258364950" sldId="274"/>
-            <ac:grpSpMk id="19" creationId="{B42F74A2-6E25-DFDA-A9D0-4D10627A60EE}"/>
-          </ac:grpSpMkLst>
-        </pc:grpChg>
-        <pc:picChg chg="add mod modCrop">
-          <ac:chgData name="Laise Eduarda Paixão de Moraes" userId="ed9e5288-1c22-4d51-b69f-ec30695ef7d2" providerId="ADAL" clId="{550CABA9-33F9-40BE-8201-FAC53EF37AB4}" dt="2024-03-26T12:40:46.327" v="684" actId="1076"/>
-          <ac:picMkLst>
-            <pc:docMk/>
-            <pc:sldMk cId="3258364950" sldId="274"/>
-            <ac:picMk id="3" creationId="{95932072-7739-8384-ADF0-2B411548B4AE}"/>
-          </ac:picMkLst>
-        </pc:picChg>
-        <pc:picChg chg="add mod">
-          <ac:chgData name="Laise Eduarda Paixão de Moraes" userId="ed9e5288-1c22-4d51-b69f-ec30695ef7d2" providerId="ADAL" clId="{550CABA9-33F9-40BE-8201-FAC53EF37AB4}" dt="2024-03-26T12:39:58.483" v="672" actId="1076"/>
-          <ac:picMkLst>
-            <pc:docMk/>
-            <pc:sldMk cId="3258364950" sldId="274"/>
-            <ac:picMk id="8" creationId="{294CD8BB-81A3-3685-86CB-309105A68F4A}"/>
-          </ac:picMkLst>
-        </pc:picChg>
       </pc:sldChg>
       <pc:sldChg chg="addSp delSp modSp add mod">
         <pc:chgData name="Laise Eduarda Paixão de Moraes" userId="ed9e5288-1c22-4d51-b69f-ec30695ef7d2" providerId="ADAL" clId="{550CABA9-33F9-40BE-8201-FAC53EF37AB4}" dt="2024-03-26T12:43:02.674" v="773" actId="478"/>
@@ -627,70 +625,6 @@
           <pc:docMk/>
           <pc:sldMk cId="3126631575" sldId="275"/>
         </pc:sldMkLst>
-        <pc:spChg chg="mod">
-          <ac:chgData name="Laise Eduarda Paixão de Moraes" userId="ed9e5288-1c22-4d51-b69f-ec30695ef7d2" providerId="ADAL" clId="{550CABA9-33F9-40BE-8201-FAC53EF37AB4}" dt="2024-03-26T12:42:44.918" v="753" actId="20577"/>
-          <ac:spMkLst>
-            <pc:docMk/>
-            <pc:sldMk cId="3126631575" sldId="275"/>
-            <ac:spMk id="5" creationId="{F1546B47-742A-0ACC-F5DF-E2ED03A31F57}"/>
-          </ac:spMkLst>
-        </pc:spChg>
-        <pc:spChg chg="del">
-          <ac:chgData name="Laise Eduarda Paixão de Moraes" userId="ed9e5288-1c22-4d51-b69f-ec30695ef7d2" providerId="ADAL" clId="{550CABA9-33F9-40BE-8201-FAC53EF37AB4}" dt="2024-03-26T12:41:28.396" v="708" actId="478"/>
-          <ac:spMkLst>
-            <pc:docMk/>
-            <pc:sldMk cId="3126631575" sldId="275"/>
-            <ac:spMk id="9" creationId="{76C9AEB5-03FC-0266-EFFB-8AE4C078FF73}"/>
-          </ac:spMkLst>
-        </pc:spChg>
-        <pc:spChg chg="add del mod">
-          <ac:chgData name="Laise Eduarda Paixão de Moraes" userId="ed9e5288-1c22-4d51-b69f-ec30695ef7d2" providerId="ADAL" clId="{550CABA9-33F9-40BE-8201-FAC53EF37AB4}" dt="2024-03-26T12:43:02.674" v="773" actId="478"/>
-          <ac:spMkLst>
-            <pc:docMk/>
-            <pc:sldMk cId="3126631575" sldId="275"/>
-            <ac:spMk id="12" creationId="{F517528E-1562-C16C-5CC2-B19922C57464}"/>
-          </ac:spMkLst>
-        </pc:spChg>
-        <pc:spChg chg="del">
-          <ac:chgData name="Laise Eduarda Paixão de Moraes" userId="ed9e5288-1c22-4d51-b69f-ec30695ef7d2" providerId="ADAL" clId="{550CABA9-33F9-40BE-8201-FAC53EF37AB4}" dt="2024-03-26T12:41:27.766" v="707" actId="478"/>
-          <ac:spMkLst>
-            <pc:docMk/>
-            <pc:sldMk cId="3126631575" sldId="275"/>
-            <ac:spMk id="13" creationId="{708E1D42-3397-F97B-56EA-78CEDFC738B1}"/>
-          </ac:spMkLst>
-        </pc:spChg>
-        <pc:picChg chg="del">
-          <ac:chgData name="Laise Eduarda Paixão de Moraes" userId="ed9e5288-1c22-4d51-b69f-ec30695ef7d2" providerId="ADAL" clId="{550CABA9-33F9-40BE-8201-FAC53EF37AB4}" dt="2024-03-26T12:41:26.823" v="706" actId="478"/>
-          <ac:picMkLst>
-            <pc:docMk/>
-            <pc:sldMk cId="3126631575" sldId="275"/>
-            <ac:picMk id="3" creationId="{95932072-7739-8384-ADF0-2B411548B4AE}"/>
-          </ac:picMkLst>
-        </pc:picChg>
-        <pc:picChg chg="add del mod">
-          <ac:chgData name="Laise Eduarda Paixão de Moraes" userId="ed9e5288-1c22-4d51-b69f-ec30695ef7d2" providerId="ADAL" clId="{550CABA9-33F9-40BE-8201-FAC53EF37AB4}" dt="2024-03-26T12:42:18.636" v="713" actId="478"/>
-          <ac:picMkLst>
-            <pc:docMk/>
-            <pc:sldMk cId="3126631575" sldId="275"/>
-            <ac:picMk id="7" creationId="{61C3F488-C5D9-6308-1F58-F1209E7FCAB9}"/>
-          </ac:picMkLst>
-        </pc:picChg>
-        <pc:picChg chg="del">
-          <ac:chgData name="Laise Eduarda Paixão de Moraes" userId="ed9e5288-1c22-4d51-b69f-ec30695ef7d2" providerId="ADAL" clId="{550CABA9-33F9-40BE-8201-FAC53EF37AB4}" dt="2024-03-26T12:41:26.823" v="706" actId="478"/>
-          <ac:picMkLst>
-            <pc:docMk/>
-            <pc:sldMk cId="3126631575" sldId="275"/>
-            <ac:picMk id="8" creationId="{294CD8BB-81A3-3685-86CB-309105A68F4A}"/>
-          </ac:picMkLst>
-        </pc:picChg>
-        <pc:picChg chg="add mod">
-          <ac:chgData name="Laise Eduarda Paixão de Moraes" userId="ed9e5288-1c22-4d51-b69f-ec30695ef7d2" providerId="ADAL" clId="{550CABA9-33F9-40BE-8201-FAC53EF37AB4}" dt="2024-03-26T12:42:50.833" v="768" actId="1035"/>
-          <ac:picMkLst>
-            <pc:docMk/>
-            <pc:sldMk cId="3126631575" sldId="275"/>
-            <ac:picMk id="11" creationId="{0807B1E7-19C5-B57C-8B5E-59A13958BCB2}"/>
-          </ac:picMkLst>
-        </pc:picChg>
       </pc:sldChg>
       <pc:sldChg chg="addSp delSp modSp add mod">
         <pc:chgData name="Laise Eduarda Paixão de Moraes" userId="ed9e5288-1c22-4d51-b69f-ec30695ef7d2" providerId="ADAL" clId="{550CABA9-33F9-40BE-8201-FAC53EF37AB4}" dt="2024-03-26T12:45:39" v="929" actId="1076"/>
@@ -698,62 +632,6 @@
           <pc:docMk/>
           <pc:sldMk cId="3962830471" sldId="276"/>
         </pc:sldMkLst>
-        <pc:spChg chg="mod">
-          <ac:chgData name="Laise Eduarda Paixão de Moraes" userId="ed9e5288-1c22-4d51-b69f-ec30695ef7d2" providerId="ADAL" clId="{550CABA9-33F9-40BE-8201-FAC53EF37AB4}" dt="2024-03-26T12:45:21.942" v="928" actId="20577"/>
-          <ac:spMkLst>
-            <pc:docMk/>
-            <pc:sldMk cId="3962830471" sldId="276"/>
-            <ac:spMk id="5" creationId="{F1546B47-742A-0ACC-F5DF-E2ED03A31F57}"/>
-          </ac:spMkLst>
-        </pc:spChg>
-        <pc:spChg chg="add del mod">
-          <ac:chgData name="Laise Eduarda Paixão de Moraes" userId="ed9e5288-1c22-4d51-b69f-ec30695ef7d2" providerId="ADAL" clId="{550CABA9-33F9-40BE-8201-FAC53EF37AB4}" dt="2024-03-26T12:44:32.802" v="853" actId="478"/>
-          <ac:spMkLst>
-            <pc:docMk/>
-            <pc:sldMk cId="3962830471" sldId="276"/>
-            <ac:spMk id="7" creationId="{9358AF40-5A83-069F-496E-851FA50C501C}"/>
-          </ac:spMkLst>
-        </pc:spChg>
-        <pc:spChg chg="add mod">
-          <ac:chgData name="Laise Eduarda Paixão de Moraes" userId="ed9e5288-1c22-4d51-b69f-ec30695ef7d2" providerId="ADAL" clId="{550CABA9-33F9-40BE-8201-FAC53EF37AB4}" dt="2024-03-26T12:44:14.812" v="844"/>
-          <ac:spMkLst>
-            <pc:docMk/>
-            <pc:sldMk cId="3962830471" sldId="276"/>
-            <ac:spMk id="8" creationId="{3F373DD8-F122-4791-96A1-482F63C2E33F}"/>
-          </ac:spMkLst>
-        </pc:spChg>
-        <pc:spChg chg="del mod">
-          <ac:chgData name="Laise Eduarda Paixão de Moraes" userId="ed9e5288-1c22-4d51-b69f-ec30695ef7d2" providerId="ADAL" clId="{550CABA9-33F9-40BE-8201-FAC53EF37AB4}" dt="2024-03-26T12:44:31.632" v="851" actId="478"/>
-          <ac:spMkLst>
-            <pc:docMk/>
-            <pc:sldMk cId="3962830471" sldId="276"/>
-            <ac:spMk id="12" creationId="{F517528E-1562-C16C-5CC2-B19922C57464}"/>
-          </ac:spMkLst>
-        </pc:spChg>
-        <pc:picChg chg="add del mod">
-          <ac:chgData name="Laise Eduarda Paixão de Moraes" userId="ed9e5288-1c22-4d51-b69f-ec30695ef7d2" providerId="ADAL" clId="{550CABA9-33F9-40BE-8201-FAC53EF37AB4}" dt="2024-03-26T12:44:32.037" v="852" actId="478"/>
-          <ac:picMkLst>
-            <pc:docMk/>
-            <pc:sldMk cId="3962830471" sldId="276"/>
-            <ac:picMk id="6" creationId="{0F681133-2E35-EFE3-BD57-A477E8DBBBF1}"/>
-          </ac:picMkLst>
-        </pc:picChg>
-        <pc:picChg chg="add mod">
-          <ac:chgData name="Laise Eduarda Paixão de Moraes" userId="ed9e5288-1c22-4d51-b69f-ec30695ef7d2" providerId="ADAL" clId="{550CABA9-33F9-40BE-8201-FAC53EF37AB4}" dt="2024-03-26T12:45:39" v="929" actId="1076"/>
-          <ac:picMkLst>
-            <pc:docMk/>
-            <pc:sldMk cId="3962830471" sldId="276"/>
-            <ac:picMk id="10" creationId="{A45D60F0-26D6-1580-7D72-778D1F53DD27}"/>
-          </ac:picMkLst>
-        </pc:picChg>
-        <pc:picChg chg="del mod">
-          <ac:chgData name="Laise Eduarda Paixão de Moraes" userId="ed9e5288-1c22-4d51-b69f-ec30695ef7d2" providerId="ADAL" clId="{550CABA9-33F9-40BE-8201-FAC53EF37AB4}" dt="2024-03-26T12:44:31.025" v="850" actId="478"/>
-          <ac:picMkLst>
-            <pc:docMk/>
-            <pc:sldMk cId="3962830471" sldId="276"/>
-            <ac:picMk id="11" creationId="{0807B1E7-19C5-B57C-8B5E-59A13958BCB2}"/>
-          </ac:picMkLst>
-        </pc:picChg>
       </pc:sldChg>
       <pc:sldChg chg="add del">
         <pc:chgData name="Laise Eduarda Paixão de Moraes" userId="ed9e5288-1c22-4d51-b69f-ec30695ef7d2" providerId="ADAL" clId="{550CABA9-33F9-40BE-8201-FAC53EF37AB4}" dt="2024-03-26T12:44:29.281" v="849" actId="47"/>
@@ -768,142 +646,6 @@
           <pc:docMk/>
           <pc:sldMk cId="1892556282" sldId="278"/>
         </pc:sldMkLst>
-        <pc:spChg chg="mod">
-          <ac:chgData name="Laise Eduarda Paixão de Moraes" userId="ed9e5288-1c22-4d51-b69f-ec30695ef7d2" providerId="ADAL" clId="{550CABA9-33F9-40BE-8201-FAC53EF37AB4}" dt="2024-03-26T13:01:14.428" v="1275" actId="20577"/>
-          <ac:spMkLst>
-            <pc:docMk/>
-            <pc:sldMk cId="1892556282" sldId="278"/>
-            <ac:spMk id="5" creationId="{F1546B47-742A-0ACC-F5DF-E2ED03A31F57}"/>
-          </ac:spMkLst>
-        </pc:spChg>
-        <pc:spChg chg="del">
-          <ac:chgData name="Laise Eduarda Paixão de Moraes" userId="ed9e5288-1c22-4d51-b69f-ec30695ef7d2" providerId="ADAL" clId="{550CABA9-33F9-40BE-8201-FAC53EF37AB4}" dt="2024-03-26T12:47:23.238" v="934" actId="478"/>
-          <ac:spMkLst>
-            <pc:docMk/>
-            <pc:sldMk cId="1892556282" sldId="278"/>
-            <ac:spMk id="7" creationId="{9358AF40-5A83-069F-496E-851FA50C501C}"/>
-          </ac:spMkLst>
-        </pc:spChg>
-        <pc:spChg chg="del">
-          <ac:chgData name="Laise Eduarda Paixão de Moraes" userId="ed9e5288-1c22-4d51-b69f-ec30695ef7d2" providerId="ADAL" clId="{550CABA9-33F9-40BE-8201-FAC53EF37AB4}" dt="2024-03-26T12:47:22.518" v="933" actId="478"/>
-          <ac:spMkLst>
-            <pc:docMk/>
-            <pc:sldMk cId="1892556282" sldId="278"/>
-            <ac:spMk id="12" creationId="{F517528E-1562-C16C-5CC2-B19922C57464}"/>
-          </ac:spMkLst>
-        </pc:spChg>
-        <pc:spChg chg="add del mod">
-          <ac:chgData name="Laise Eduarda Paixão de Moraes" userId="ed9e5288-1c22-4d51-b69f-ec30695ef7d2" providerId="ADAL" clId="{550CABA9-33F9-40BE-8201-FAC53EF37AB4}" dt="2024-03-26T13:16:25.038" v="2008" actId="21"/>
-          <ac:spMkLst>
-            <pc:docMk/>
-            <pc:sldMk cId="1892556282" sldId="278"/>
-            <ac:spMk id="13" creationId="{3FB7F595-15AE-A335-5A41-D9C6617A0435}"/>
-          </ac:spMkLst>
-        </pc:spChg>
-        <pc:spChg chg="add del mod">
-          <ac:chgData name="Laise Eduarda Paixão de Moraes" userId="ed9e5288-1c22-4d51-b69f-ec30695ef7d2" providerId="ADAL" clId="{550CABA9-33F9-40BE-8201-FAC53EF37AB4}" dt="2024-03-26T13:16:25.038" v="2008" actId="21"/>
-          <ac:spMkLst>
-            <pc:docMk/>
-            <pc:sldMk cId="1892556282" sldId="278"/>
-            <ac:spMk id="14" creationId="{FF865C3A-266F-7A6B-DA39-D21465100A9D}"/>
-          </ac:spMkLst>
-        </pc:spChg>
-        <pc:spChg chg="add del mod">
-          <ac:chgData name="Laise Eduarda Paixão de Moraes" userId="ed9e5288-1c22-4d51-b69f-ec30695ef7d2" providerId="ADAL" clId="{550CABA9-33F9-40BE-8201-FAC53EF37AB4}" dt="2024-03-26T12:52:08.769" v="1156" actId="21"/>
-          <ac:spMkLst>
-            <pc:docMk/>
-            <pc:sldMk cId="1892556282" sldId="278"/>
-            <ac:spMk id="15" creationId="{8B2DDF75-9742-0BAD-6B51-FBBBFE5C03AA}"/>
-          </ac:spMkLst>
-        </pc:spChg>
-        <pc:spChg chg="add mod">
-          <ac:chgData name="Laise Eduarda Paixão de Moraes" userId="ed9e5288-1c22-4d51-b69f-ec30695ef7d2" providerId="ADAL" clId="{550CABA9-33F9-40BE-8201-FAC53EF37AB4}" dt="2024-03-26T12:52:05.321" v="1155" actId="164"/>
-          <ac:spMkLst>
-            <pc:docMk/>
-            <pc:sldMk cId="1892556282" sldId="278"/>
-            <ac:spMk id="16" creationId="{12E8F700-792B-E1F8-C96A-42EDD3595111}"/>
-          </ac:spMkLst>
-        </pc:spChg>
-        <pc:spChg chg="add mod">
-          <ac:chgData name="Laise Eduarda Paixão de Moraes" userId="ed9e5288-1c22-4d51-b69f-ec30695ef7d2" providerId="ADAL" clId="{550CABA9-33F9-40BE-8201-FAC53EF37AB4}" dt="2024-03-26T12:52:05.321" v="1155" actId="164"/>
-          <ac:spMkLst>
-            <pc:docMk/>
-            <pc:sldMk cId="1892556282" sldId="278"/>
-            <ac:spMk id="17" creationId="{6A564AF6-296B-1B79-9A60-1D430D32EE1C}"/>
-          </ac:spMkLst>
-        </pc:spChg>
-        <pc:spChg chg="add mod">
-          <ac:chgData name="Laise Eduarda Paixão de Moraes" userId="ed9e5288-1c22-4d51-b69f-ec30695ef7d2" providerId="ADAL" clId="{550CABA9-33F9-40BE-8201-FAC53EF37AB4}" dt="2024-03-26T12:52:12.714" v="1158" actId="1076"/>
-          <ac:spMkLst>
-            <pc:docMk/>
-            <pc:sldMk cId="1892556282" sldId="278"/>
-            <ac:spMk id="19" creationId="{8B2DDF75-9742-0BAD-6B51-FBBBFE5C03AA}"/>
-          </ac:spMkLst>
-        </pc:spChg>
-        <pc:spChg chg="add mod">
-          <ac:chgData name="Laise Eduarda Paixão de Moraes" userId="ed9e5288-1c22-4d51-b69f-ec30695ef7d2" providerId="ADAL" clId="{550CABA9-33F9-40BE-8201-FAC53EF37AB4}" dt="2024-03-26T13:16:52.868" v="2021" actId="1076"/>
-          <ac:spMkLst>
-            <pc:docMk/>
-            <pc:sldMk cId="1892556282" sldId="278"/>
-            <ac:spMk id="22" creationId="{3FB7F595-15AE-A335-5A41-D9C6617A0435}"/>
-          </ac:spMkLst>
-        </pc:spChg>
-        <pc:spChg chg="add mod">
-          <ac:chgData name="Laise Eduarda Paixão de Moraes" userId="ed9e5288-1c22-4d51-b69f-ec30695ef7d2" providerId="ADAL" clId="{550CABA9-33F9-40BE-8201-FAC53EF37AB4}" dt="2024-03-26T13:16:51.945" v="2020" actId="1076"/>
-          <ac:spMkLst>
-            <pc:docMk/>
-            <pc:sldMk cId="1892556282" sldId="278"/>
-            <ac:spMk id="23" creationId="{FF865C3A-266F-7A6B-DA39-D21465100A9D}"/>
-          </ac:spMkLst>
-        </pc:spChg>
-        <pc:grpChg chg="add mod">
-          <ac:chgData name="Laise Eduarda Paixão de Moraes" userId="ed9e5288-1c22-4d51-b69f-ec30695ef7d2" providerId="ADAL" clId="{550CABA9-33F9-40BE-8201-FAC53EF37AB4}" dt="2024-03-26T12:52:05.321" v="1155" actId="164"/>
-          <ac:grpSpMkLst>
-            <pc:docMk/>
-            <pc:sldMk cId="1892556282" sldId="278"/>
-            <ac:grpSpMk id="18" creationId="{A0A0203E-534E-7120-F247-6A9F3C8A70C4}"/>
-          </ac:grpSpMkLst>
-        </pc:grpChg>
-        <pc:picChg chg="del">
-          <ac:chgData name="Laise Eduarda Paixão de Moraes" userId="ed9e5288-1c22-4d51-b69f-ec30695ef7d2" providerId="ADAL" clId="{550CABA9-33F9-40BE-8201-FAC53EF37AB4}" dt="2024-03-26T12:47:21.458" v="932" actId="478"/>
-          <ac:picMkLst>
-            <pc:docMk/>
-            <pc:sldMk cId="1892556282" sldId="278"/>
-            <ac:picMk id="6" creationId="{0F681133-2E35-EFE3-BD57-A477E8DBBBF1}"/>
-          </ac:picMkLst>
-        </pc:picChg>
-        <pc:picChg chg="add mod">
-          <ac:chgData name="Laise Eduarda Paixão de Moraes" userId="ed9e5288-1c22-4d51-b69f-ec30695ef7d2" providerId="ADAL" clId="{550CABA9-33F9-40BE-8201-FAC53EF37AB4}" dt="2024-03-26T12:52:05.321" v="1155" actId="164"/>
-          <ac:picMkLst>
-            <pc:docMk/>
-            <pc:sldMk cId="1892556282" sldId="278"/>
-            <ac:picMk id="8" creationId="{ED9DD645-B628-B1E3-A8BE-CD0086026C03}"/>
-          </ac:picMkLst>
-        </pc:picChg>
-        <pc:picChg chg="add del mod">
-          <ac:chgData name="Laise Eduarda Paixão de Moraes" userId="ed9e5288-1c22-4d51-b69f-ec30695ef7d2" providerId="ADAL" clId="{550CABA9-33F9-40BE-8201-FAC53EF37AB4}" dt="2024-03-26T12:56:58.373" v="1261" actId="478"/>
-          <ac:picMkLst>
-            <pc:docMk/>
-            <pc:sldMk cId="1892556282" sldId="278"/>
-            <ac:picMk id="10" creationId="{BEE0DEA4-AC97-ADED-EEEF-1E13739543B0}"/>
-          </ac:picMkLst>
-        </pc:picChg>
-        <pc:picChg chg="del">
-          <ac:chgData name="Laise Eduarda Paixão de Moraes" userId="ed9e5288-1c22-4d51-b69f-ec30695ef7d2" providerId="ADAL" clId="{550CABA9-33F9-40BE-8201-FAC53EF37AB4}" dt="2024-03-26T12:47:21.458" v="932" actId="478"/>
-          <ac:picMkLst>
-            <pc:docMk/>
-            <pc:sldMk cId="1892556282" sldId="278"/>
-            <ac:picMk id="11" creationId="{0807B1E7-19C5-B57C-8B5E-59A13958BCB2}"/>
-          </ac:picMkLst>
-        </pc:picChg>
-        <pc:picChg chg="add mod">
-          <ac:chgData name="Laise Eduarda Paixão de Moraes" userId="ed9e5288-1c22-4d51-b69f-ec30695ef7d2" providerId="ADAL" clId="{550CABA9-33F9-40BE-8201-FAC53EF37AB4}" dt="2024-03-26T13:16:49.761" v="2019" actId="1076"/>
-          <ac:picMkLst>
-            <pc:docMk/>
-            <pc:sldMk cId="1892556282" sldId="278"/>
-            <ac:picMk id="21" creationId="{F2EB7667-F4B6-DA20-C12A-4804F15EEA93}"/>
-          </ac:picMkLst>
-        </pc:picChg>
       </pc:sldChg>
       <pc:sldChg chg="addSp delSp modSp add mod ord">
         <pc:chgData name="Laise Eduarda Paixão de Moraes" userId="ed9e5288-1c22-4d51-b69f-ec30695ef7d2" providerId="ADAL" clId="{550CABA9-33F9-40BE-8201-FAC53EF37AB4}" dt="2024-03-26T13:07:34.781" v="1556" actId="14100"/>
@@ -911,94 +653,6 @@
           <pc:docMk/>
           <pc:sldMk cId="2611429961" sldId="279"/>
         </pc:sldMkLst>
-        <pc:spChg chg="mod">
-          <ac:chgData name="Laise Eduarda Paixão de Moraes" userId="ed9e5288-1c22-4d51-b69f-ec30695ef7d2" providerId="ADAL" clId="{550CABA9-33F9-40BE-8201-FAC53EF37AB4}" dt="2024-03-26T13:02:27.858" v="1292" actId="20577"/>
-          <ac:spMkLst>
-            <pc:docMk/>
-            <pc:sldMk cId="2611429961" sldId="279"/>
-            <ac:spMk id="4" creationId="{B3BE077F-5E7A-5C87-CBFD-191C524963A9}"/>
-          </ac:spMkLst>
-        </pc:spChg>
-        <pc:spChg chg="mod">
-          <ac:chgData name="Laise Eduarda Paixão de Moraes" userId="ed9e5288-1c22-4d51-b69f-ec30695ef7d2" providerId="ADAL" clId="{550CABA9-33F9-40BE-8201-FAC53EF37AB4}" dt="2024-03-26T13:07:32.199" v="1548" actId="20577"/>
-          <ac:spMkLst>
-            <pc:docMk/>
-            <pc:sldMk cId="2611429961" sldId="279"/>
-            <ac:spMk id="5" creationId="{F1546B47-742A-0ACC-F5DF-E2ED03A31F57}"/>
-          </ac:spMkLst>
-        </pc:spChg>
-        <pc:spChg chg="del">
-          <ac:chgData name="Laise Eduarda Paixão de Moraes" userId="ed9e5288-1c22-4d51-b69f-ec30695ef7d2" providerId="ADAL" clId="{550CABA9-33F9-40BE-8201-FAC53EF37AB4}" dt="2024-03-26T12:52:26.847" v="1163" actId="478"/>
-          <ac:spMkLst>
-            <pc:docMk/>
-            <pc:sldMk cId="2611429961" sldId="279"/>
-            <ac:spMk id="7" creationId="{9358AF40-5A83-069F-496E-851FA50C501C}"/>
-          </ac:spMkLst>
-        </pc:spChg>
-        <pc:spChg chg="add del">
-          <ac:chgData name="Laise Eduarda Paixão de Moraes" userId="ed9e5288-1c22-4d51-b69f-ec30695ef7d2" providerId="ADAL" clId="{550CABA9-33F9-40BE-8201-FAC53EF37AB4}" dt="2024-03-26T13:02:51.956" v="1303" actId="478"/>
-          <ac:spMkLst>
-            <pc:docMk/>
-            <pc:sldMk cId="2611429961" sldId="279"/>
-            <ac:spMk id="8" creationId="{D9CD8DC1-A059-DF4C-49C9-0ADB465349DA}"/>
-          </ac:spMkLst>
-        </pc:spChg>
-        <pc:spChg chg="del">
-          <ac:chgData name="Laise Eduarda Paixão de Moraes" userId="ed9e5288-1c22-4d51-b69f-ec30695ef7d2" providerId="ADAL" clId="{550CABA9-33F9-40BE-8201-FAC53EF37AB4}" dt="2024-03-26T12:52:25.744" v="1161" actId="478"/>
-          <ac:spMkLst>
-            <pc:docMk/>
-            <pc:sldMk cId="2611429961" sldId="279"/>
-            <ac:spMk id="12" creationId="{F517528E-1562-C16C-5CC2-B19922C57464}"/>
-          </ac:spMkLst>
-        </pc:spChg>
-        <pc:picChg chg="del">
-          <ac:chgData name="Laise Eduarda Paixão de Moraes" userId="ed9e5288-1c22-4d51-b69f-ec30695ef7d2" providerId="ADAL" clId="{550CABA9-33F9-40BE-8201-FAC53EF37AB4}" dt="2024-03-26T12:52:26.225" v="1162" actId="478"/>
-          <ac:picMkLst>
-            <pc:docMk/>
-            <pc:sldMk cId="2611429961" sldId="279"/>
-            <ac:picMk id="6" creationId="{0F681133-2E35-EFE3-BD57-A477E8DBBBF1}"/>
-          </ac:picMkLst>
-        </pc:picChg>
-        <pc:picChg chg="add mod">
-          <ac:chgData name="Laise Eduarda Paixão de Moraes" userId="ed9e5288-1c22-4d51-b69f-ec30695ef7d2" providerId="ADAL" clId="{550CABA9-33F9-40BE-8201-FAC53EF37AB4}" dt="2024-03-26T13:07:34.781" v="1556" actId="14100"/>
-          <ac:picMkLst>
-            <pc:docMk/>
-            <pc:sldMk cId="2611429961" sldId="279"/>
-            <ac:picMk id="10" creationId="{251E3958-618C-93C3-217B-04F4EE1D7C4D}"/>
-          </ac:picMkLst>
-        </pc:picChg>
-        <pc:picChg chg="del">
-          <ac:chgData name="Laise Eduarda Paixão de Moraes" userId="ed9e5288-1c22-4d51-b69f-ec30695ef7d2" providerId="ADAL" clId="{550CABA9-33F9-40BE-8201-FAC53EF37AB4}" dt="2024-03-26T12:52:24.665" v="1160" actId="478"/>
-          <ac:picMkLst>
-            <pc:docMk/>
-            <pc:sldMk cId="2611429961" sldId="279"/>
-            <ac:picMk id="11" creationId="{0807B1E7-19C5-B57C-8B5E-59A13958BCB2}"/>
-          </ac:picMkLst>
-        </pc:picChg>
-        <pc:picChg chg="add del mod">
-          <ac:chgData name="Laise Eduarda Paixão de Moraes" userId="ed9e5288-1c22-4d51-b69f-ec30695ef7d2" providerId="ADAL" clId="{550CABA9-33F9-40BE-8201-FAC53EF37AB4}" dt="2024-03-26T13:05:10.395" v="1422" actId="478"/>
-          <ac:picMkLst>
-            <pc:docMk/>
-            <pc:sldMk cId="2611429961" sldId="279"/>
-            <ac:picMk id="13" creationId="{76BE960B-D442-582E-058C-025573AB267C}"/>
-          </ac:picMkLst>
-        </pc:picChg>
-        <pc:picChg chg="add mod">
-          <ac:chgData name="Laise Eduarda Paixão de Moraes" userId="ed9e5288-1c22-4d51-b69f-ec30695ef7d2" providerId="ADAL" clId="{550CABA9-33F9-40BE-8201-FAC53EF37AB4}" dt="2024-03-26T13:06:48.883" v="1498" actId="1076"/>
-          <ac:picMkLst>
-            <pc:docMk/>
-            <pc:sldMk cId="2611429961" sldId="279"/>
-            <ac:picMk id="14" creationId="{351E9AFD-8068-3CFE-0E29-9E6305C85686}"/>
-          </ac:picMkLst>
-        </pc:picChg>
-        <pc:picChg chg="add mod">
-          <ac:chgData name="Laise Eduarda Paixão de Moraes" userId="ed9e5288-1c22-4d51-b69f-ec30695ef7d2" providerId="ADAL" clId="{550CABA9-33F9-40BE-8201-FAC53EF37AB4}" dt="2024-03-26T13:07:33.603" v="1553" actId="1076"/>
-          <ac:picMkLst>
-            <pc:docMk/>
-            <pc:sldMk cId="2611429961" sldId="279"/>
-            <ac:picMk id="15" creationId="{6A52BC77-F33B-FE09-D126-344008647CBA}"/>
-          </ac:picMkLst>
-        </pc:picChg>
       </pc:sldChg>
       <pc:sldChg chg="addSp modSp add mod">
         <pc:chgData name="Laise Eduarda Paixão de Moraes" userId="ed9e5288-1c22-4d51-b69f-ec30695ef7d2" providerId="ADAL" clId="{550CABA9-33F9-40BE-8201-FAC53EF37AB4}" dt="2024-03-26T13:35:31.095" v="2829"/>
@@ -1006,46 +660,6 @@
           <pc:docMk/>
           <pc:sldMk cId="1895037887" sldId="280"/>
         </pc:sldMkLst>
-        <pc:spChg chg="mod">
-          <ac:chgData name="Laise Eduarda Paixão de Moraes" userId="ed9e5288-1c22-4d51-b69f-ec30695ef7d2" providerId="ADAL" clId="{550CABA9-33F9-40BE-8201-FAC53EF37AB4}" dt="2024-03-26T13:35:31.095" v="2829"/>
-          <ac:spMkLst>
-            <pc:docMk/>
-            <pc:sldMk cId="1895037887" sldId="280"/>
-            <ac:spMk id="5" creationId="{F1546B47-742A-0ACC-F5DF-E2ED03A31F57}"/>
-          </ac:spMkLst>
-        </pc:spChg>
-        <pc:spChg chg="add mod">
-          <ac:chgData name="Laise Eduarda Paixão de Moraes" userId="ed9e5288-1c22-4d51-b69f-ec30695ef7d2" providerId="ADAL" clId="{550CABA9-33F9-40BE-8201-FAC53EF37AB4}" dt="2024-03-26T13:34:34.266" v="2810" actId="1076"/>
-          <ac:spMkLst>
-            <pc:docMk/>
-            <pc:sldMk cId="1895037887" sldId="280"/>
-            <ac:spMk id="7" creationId="{3959ED30-6D69-7D41-7D23-010EC825686E}"/>
-          </ac:spMkLst>
-        </pc:spChg>
-        <pc:spChg chg="add mod">
-          <ac:chgData name="Laise Eduarda Paixão de Moraes" userId="ed9e5288-1c22-4d51-b69f-ec30695ef7d2" providerId="ADAL" clId="{550CABA9-33F9-40BE-8201-FAC53EF37AB4}" dt="2024-03-26T13:35:12.169" v="2827" actId="6549"/>
-          <ac:spMkLst>
-            <pc:docMk/>
-            <pc:sldMk cId="1895037887" sldId="280"/>
-            <ac:spMk id="8" creationId="{FCA314B8-8CB2-4DED-F86C-896D77B0675B}"/>
-          </ac:spMkLst>
-        </pc:spChg>
-        <pc:picChg chg="mod">
-          <ac:chgData name="Laise Eduarda Paixão de Moraes" userId="ed9e5288-1c22-4d51-b69f-ec30695ef7d2" providerId="ADAL" clId="{550CABA9-33F9-40BE-8201-FAC53EF37AB4}" dt="2024-03-26T13:34:34.266" v="2810" actId="1076"/>
-          <ac:picMkLst>
-            <pc:docMk/>
-            <pc:sldMk cId="1895037887" sldId="280"/>
-            <ac:picMk id="6" creationId="{3BC45B57-BC62-8C91-3947-B623846C6E42}"/>
-          </ac:picMkLst>
-        </pc:picChg>
-        <pc:picChg chg="mod">
-          <ac:chgData name="Laise Eduarda Paixão de Moraes" userId="ed9e5288-1c22-4d51-b69f-ec30695ef7d2" providerId="ADAL" clId="{550CABA9-33F9-40BE-8201-FAC53EF37AB4}" dt="2024-03-26T13:34:38.803" v="2813" actId="1076"/>
-          <ac:picMkLst>
-            <pc:docMk/>
-            <pc:sldMk cId="1895037887" sldId="280"/>
-            <ac:picMk id="9" creationId="{6DBF1353-D43D-ED51-556D-D08F6241E32E}"/>
-          </ac:picMkLst>
-        </pc:picChg>
       </pc:sldChg>
       <pc:sldChg chg="addSp delSp modSp add del mod">
         <pc:chgData name="Laise Eduarda Paixão de Moraes" userId="ed9e5288-1c22-4d51-b69f-ec30695ef7d2" providerId="ADAL" clId="{550CABA9-33F9-40BE-8201-FAC53EF37AB4}" dt="2024-03-26T13:33:55.289" v="2801" actId="2696"/>
@@ -1053,46 +667,6 @@
           <pc:docMk/>
           <pc:sldMk cId="1933926033" sldId="280"/>
         </pc:sldMkLst>
-        <pc:spChg chg="mod">
-          <ac:chgData name="Laise Eduarda Paixão de Moraes" userId="ed9e5288-1c22-4d51-b69f-ec30695ef7d2" providerId="ADAL" clId="{550CABA9-33F9-40BE-8201-FAC53EF37AB4}" dt="2024-03-26T13:32:53.144" v="2729" actId="20577"/>
-          <ac:spMkLst>
-            <pc:docMk/>
-            <pc:sldMk cId="1933926033" sldId="280"/>
-            <ac:spMk id="4" creationId="{B3BE077F-5E7A-5C87-CBFD-191C524963A9}"/>
-          </ac:spMkLst>
-        </pc:spChg>
-        <pc:spChg chg="mod">
-          <ac:chgData name="Laise Eduarda Paixão de Moraes" userId="ed9e5288-1c22-4d51-b69f-ec30695ef7d2" providerId="ADAL" clId="{550CABA9-33F9-40BE-8201-FAC53EF37AB4}" dt="2024-03-26T13:33:38.863" v="2793" actId="20577"/>
-          <ac:spMkLst>
-            <pc:docMk/>
-            <pc:sldMk cId="1933926033" sldId="280"/>
-            <ac:spMk id="5" creationId="{F1546B47-742A-0ACC-F5DF-E2ED03A31F57}"/>
-          </ac:spMkLst>
-        </pc:spChg>
-        <pc:spChg chg="del">
-          <ac:chgData name="Laise Eduarda Paixão de Moraes" userId="ed9e5288-1c22-4d51-b69f-ec30695ef7d2" providerId="ADAL" clId="{550CABA9-33F9-40BE-8201-FAC53EF37AB4}" dt="2024-03-26T13:32:38.180" v="2719" actId="478"/>
-          <ac:spMkLst>
-            <pc:docMk/>
-            <pc:sldMk cId="1933926033" sldId="280"/>
-            <ac:spMk id="8" creationId="{D9CD8DC1-A059-DF4C-49C9-0ADB465349DA}"/>
-          </ac:spMkLst>
-        </pc:spChg>
-        <pc:picChg chg="add mod">
-          <ac:chgData name="Laise Eduarda Paixão de Moraes" userId="ed9e5288-1c22-4d51-b69f-ec30695ef7d2" providerId="ADAL" clId="{550CABA9-33F9-40BE-8201-FAC53EF37AB4}" dt="2024-03-26T13:33:52.432" v="2800" actId="208"/>
-          <ac:picMkLst>
-            <pc:docMk/>
-            <pc:sldMk cId="1933926033" sldId="280"/>
-            <ac:picMk id="6" creationId="{3BC45B57-BC62-8C91-3947-B623846C6E42}"/>
-          </ac:picMkLst>
-        </pc:picChg>
-        <pc:picChg chg="add mod">
-          <ac:chgData name="Laise Eduarda Paixão de Moraes" userId="ed9e5288-1c22-4d51-b69f-ec30695ef7d2" providerId="ADAL" clId="{550CABA9-33F9-40BE-8201-FAC53EF37AB4}" dt="2024-03-26T13:33:52.432" v="2800" actId="208"/>
-          <ac:picMkLst>
-            <pc:docMk/>
-            <pc:sldMk cId="1933926033" sldId="280"/>
-            <ac:picMk id="9" creationId="{6DBF1353-D43D-ED51-556D-D08F6241E32E}"/>
-          </ac:picMkLst>
-        </pc:picChg>
       </pc:sldChg>
       <pc:sldChg chg="addSp delSp modSp add mod">
         <pc:chgData name="Laise Eduarda Paixão de Moraes" userId="ed9e5288-1c22-4d51-b69f-ec30695ef7d2" providerId="ADAL" clId="{550CABA9-33F9-40BE-8201-FAC53EF37AB4}" dt="2024-03-26T13:08:59.872" v="1586" actId="1076"/>
@@ -1100,62 +674,6 @@
           <pc:docMk/>
           <pc:sldMk cId="763938762" sldId="281"/>
         </pc:sldMkLst>
-        <pc:spChg chg="add del mod">
-          <ac:chgData name="Laise Eduarda Paixão de Moraes" userId="ed9e5288-1c22-4d51-b69f-ec30695ef7d2" providerId="ADAL" clId="{550CABA9-33F9-40BE-8201-FAC53EF37AB4}" dt="2024-03-26T13:08:04.431" v="1564" actId="20577"/>
-          <ac:spMkLst>
-            <pc:docMk/>
-            <pc:sldMk cId="763938762" sldId="281"/>
-            <ac:spMk id="5" creationId="{F1546B47-742A-0ACC-F5DF-E2ED03A31F57}"/>
-          </ac:spMkLst>
-        </pc:spChg>
-        <pc:spChg chg="add mod">
-          <ac:chgData name="Laise Eduarda Paixão de Moraes" userId="ed9e5288-1c22-4d51-b69f-ec30695ef7d2" providerId="ADAL" clId="{550CABA9-33F9-40BE-8201-FAC53EF37AB4}" dt="2024-03-26T13:08:47.257" v="1579" actId="1076"/>
-          <ac:spMkLst>
-            <pc:docMk/>
-            <pc:sldMk cId="763938762" sldId="281"/>
-            <ac:spMk id="12" creationId="{AD7CCC8D-9336-4875-2374-C2F9A6A72C87}"/>
-          </ac:spMkLst>
-        </pc:spChg>
-        <pc:spChg chg="add mod">
-          <ac:chgData name="Laise Eduarda Paixão de Moraes" userId="ed9e5288-1c22-4d51-b69f-ec30695ef7d2" providerId="ADAL" clId="{550CABA9-33F9-40BE-8201-FAC53EF37AB4}" dt="2024-03-26T13:08:59.872" v="1586" actId="1076"/>
-          <ac:spMkLst>
-            <pc:docMk/>
-            <pc:sldMk cId="763938762" sldId="281"/>
-            <ac:spMk id="13" creationId="{6C665496-D4B6-A17C-AF7F-3A6FC314C997}"/>
-          </ac:spMkLst>
-        </pc:spChg>
-        <pc:picChg chg="add del mod">
-          <ac:chgData name="Laise Eduarda Paixão de Moraes" userId="ed9e5288-1c22-4d51-b69f-ec30695ef7d2" providerId="ADAL" clId="{550CABA9-33F9-40BE-8201-FAC53EF37AB4}" dt="2024-03-26T13:08:29.517" v="1566" actId="478"/>
-          <ac:picMkLst>
-            <pc:docMk/>
-            <pc:sldMk cId="763938762" sldId="281"/>
-            <ac:picMk id="6" creationId="{351E9AFD-8068-3CFE-0E29-9E6305C85686}"/>
-          </ac:picMkLst>
-        </pc:picChg>
-        <pc:picChg chg="add del">
-          <ac:chgData name="Laise Eduarda Paixão de Moraes" userId="ed9e5288-1c22-4d51-b69f-ec30695ef7d2" providerId="ADAL" clId="{550CABA9-33F9-40BE-8201-FAC53EF37AB4}" dt="2024-03-26T13:06:36.801" v="1492" actId="21"/>
-          <ac:picMkLst>
-            <pc:docMk/>
-            <pc:sldMk cId="763938762" sldId="281"/>
-            <ac:picMk id="8" creationId="{E1504514-9DBC-8178-3360-0BAAAC8D2595}"/>
-          </ac:picMkLst>
-        </pc:picChg>
-        <pc:picChg chg="del">
-          <ac:chgData name="Laise Eduarda Paixão de Moraes" userId="ed9e5288-1c22-4d51-b69f-ec30695ef7d2" providerId="ADAL" clId="{550CABA9-33F9-40BE-8201-FAC53EF37AB4}" dt="2024-03-26T13:06:02.571" v="1487" actId="478"/>
-          <ac:picMkLst>
-            <pc:docMk/>
-            <pc:sldMk cId="763938762" sldId="281"/>
-            <ac:picMk id="10" creationId="{251E3958-618C-93C3-217B-04F4EE1D7C4D}"/>
-          </ac:picMkLst>
-        </pc:picChg>
-        <pc:picChg chg="add mod">
-          <ac:chgData name="Laise Eduarda Paixão de Moraes" userId="ed9e5288-1c22-4d51-b69f-ec30695ef7d2" providerId="ADAL" clId="{550CABA9-33F9-40BE-8201-FAC53EF37AB4}" dt="2024-03-26T13:08:46.017" v="1578" actId="1076"/>
-          <ac:picMkLst>
-            <pc:docMk/>
-            <pc:sldMk cId="763938762" sldId="281"/>
-            <ac:picMk id="11" creationId="{98790F27-C5CB-4664-B2E3-B7780E7B0259}"/>
-          </ac:picMkLst>
-        </pc:picChg>
       </pc:sldChg>
       <pc:sldChg chg="addSp delSp modSp add mod">
         <pc:chgData name="Laise Eduarda Paixão de Moraes" userId="ed9e5288-1c22-4d51-b69f-ec30695ef7d2" providerId="ADAL" clId="{550CABA9-33F9-40BE-8201-FAC53EF37AB4}" dt="2024-03-26T13:11:39.182" v="1722"/>
@@ -1163,70 +681,6 @@
           <pc:docMk/>
           <pc:sldMk cId="451727327" sldId="282"/>
         </pc:sldMkLst>
-        <pc:spChg chg="mod">
-          <ac:chgData name="Laise Eduarda Paixão de Moraes" userId="ed9e5288-1c22-4d51-b69f-ec30695ef7d2" providerId="ADAL" clId="{550CABA9-33F9-40BE-8201-FAC53EF37AB4}" dt="2024-03-26T13:11:04.248" v="1709" actId="20577"/>
-          <ac:spMkLst>
-            <pc:docMk/>
-            <pc:sldMk cId="451727327" sldId="282"/>
-            <ac:spMk id="5" creationId="{F1546B47-742A-0ACC-F5DF-E2ED03A31F57}"/>
-          </ac:spMkLst>
-        </pc:spChg>
-        <pc:spChg chg="add mod">
-          <ac:chgData name="Laise Eduarda Paixão de Moraes" userId="ed9e5288-1c22-4d51-b69f-ec30695ef7d2" providerId="ADAL" clId="{550CABA9-33F9-40BE-8201-FAC53EF37AB4}" dt="2024-03-26T13:11:21.532" v="1721" actId="1076"/>
-          <ac:spMkLst>
-            <pc:docMk/>
-            <pc:sldMk cId="451727327" sldId="282"/>
-            <ac:spMk id="6" creationId="{922931E9-4FED-40B0-E2F6-61C164B2FDBC}"/>
-          </ac:spMkLst>
-        </pc:spChg>
-        <pc:spChg chg="add mod">
-          <ac:chgData name="Laise Eduarda Paixão de Moraes" userId="ed9e5288-1c22-4d51-b69f-ec30695ef7d2" providerId="ADAL" clId="{550CABA9-33F9-40BE-8201-FAC53EF37AB4}" dt="2024-03-26T13:11:39.182" v="1722"/>
-          <ac:spMkLst>
-            <pc:docMk/>
-            <pc:sldMk cId="451727327" sldId="282"/>
-            <ac:spMk id="7" creationId="{26B68813-0C66-FACA-536A-1DEC40C3A339}"/>
-          </ac:spMkLst>
-        </pc:spChg>
-        <pc:spChg chg="del">
-          <ac:chgData name="Laise Eduarda Paixão de Moraes" userId="ed9e5288-1c22-4d51-b69f-ec30695ef7d2" providerId="ADAL" clId="{550CABA9-33F9-40BE-8201-FAC53EF37AB4}" dt="2024-03-26T13:09:07.902" v="1589" actId="478"/>
-          <ac:spMkLst>
-            <pc:docMk/>
-            <pc:sldMk cId="451727327" sldId="282"/>
-            <ac:spMk id="12" creationId="{AD7CCC8D-9336-4875-2374-C2F9A6A72C87}"/>
-          </ac:spMkLst>
-        </pc:spChg>
-        <pc:spChg chg="del">
-          <ac:chgData name="Laise Eduarda Paixão de Moraes" userId="ed9e5288-1c22-4d51-b69f-ec30695ef7d2" providerId="ADAL" clId="{550CABA9-33F9-40BE-8201-FAC53EF37AB4}" dt="2024-03-26T13:09:08.982" v="1590" actId="478"/>
-          <ac:spMkLst>
-            <pc:docMk/>
-            <pc:sldMk cId="451727327" sldId="282"/>
-            <ac:spMk id="13" creationId="{6C665496-D4B6-A17C-AF7F-3A6FC314C997}"/>
-          </ac:spMkLst>
-        </pc:spChg>
-        <pc:picChg chg="add mod">
-          <ac:chgData name="Laise Eduarda Paixão de Moraes" userId="ed9e5288-1c22-4d51-b69f-ec30695ef7d2" providerId="ADAL" clId="{550CABA9-33F9-40BE-8201-FAC53EF37AB4}" dt="2024-03-26T13:11:15.028" v="1719" actId="1076"/>
-          <ac:picMkLst>
-            <pc:docMk/>
-            <pc:sldMk cId="451727327" sldId="282"/>
-            <ac:picMk id="3" creationId="{E1504514-9DBC-8178-3360-0BAAAC8D2595}"/>
-          </ac:picMkLst>
-        </pc:picChg>
-        <pc:picChg chg="add mod">
-          <ac:chgData name="Laise Eduarda Paixão de Moraes" userId="ed9e5288-1c22-4d51-b69f-ec30695ef7d2" providerId="ADAL" clId="{550CABA9-33F9-40BE-8201-FAC53EF37AB4}" dt="2024-03-26T13:09:58.720" v="1593"/>
-          <ac:picMkLst>
-            <pc:docMk/>
-            <pc:sldMk cId="451727327" sldId="282"/>
-            <ac:picMk id="8" creationId="{E1504514-9DBC-8178-3360-0BAAAC8D2595}"/>
-          </ac:picMkLst>
-        </pc:picChg>
-        <pc:picChg chg="del">
-          <ac:chgData name="Laise Eduarda Paixão de Moraes" userId="ed9e5288-1c22-4d51-b69f-ec30695ef7d2" providerId="ADAL" clId="{550CABA9-33F9-40BE-8201-FAC53EF37AB4}" dt="2024-03-26T13:09:06.868" v="1588" actId="478"/>
-          <ac:picMkLst>
-            <pc:docMk/>
-            <pc:sldMk cId="451727327" sldId="282"/>
-            <ac:picMk id="11" creationId="{98790F27-C5CB-4664-B2E3-B7780E7B0259}"/>
-          </ac:picMkLst>
-        </pc:picChg>
       </pc:sldChg>
       <pc:sldChg chg="addSp delSp modSp add del mod">
         <pc:chgData name="Laise Eduarda Paixão de Moraes" userId="ed9e5288-1c22-4d51-b69f-ec30695ef7d2" providerId="ADAL" clId="{550CABA9-33F9-40BE-8201-FAC53EF37AB4}" dt="2024-03-26T13:13:55.225" v="1900" actId="1076"/>
@@ -1234,54 +688,6 @@
           <pc:docMk/>
           <pc:sldMk cId="2487042716" sldId="283"/>
         </pc:sldMkLst>
-        <pc:spChg chg="mod">
-          <ac:chgData name="Laise Eduarda Paixão de Moraes" userId="ed9e5288-1c22-4d51-b69f-ec30695ef7d2" providerId="ADAL" clId="{550CABA9-33F9-40BE-8201-FAC53EF37AB4}" dt="2024-03-26T13:13:31.986" v="1892" actId="113"/>
-          <ac:spMkLst>
-            <pc:docMk/>
-            <pc:sldMk cId="2487042716" sldId="283"/>
-            <ac:spMk id="5" creationId="{F1546B47-742A-0ACC-F5DF-E2ED03A31F57}"/>
-          </ac:spMkLst>
-        </pc:spChg>
-        <pc:spChg chg="del">
-          <ac:chgData name="Laise Eduarda Paixão de Moraes" userId="ed9e5288-1c22-4d51-b69f-ec30695ef7d2" providerId="ADAL" clId="{550CABA9-33F9-40BE-8201-FAC53EF37AB4}" dt="2024-03-26T13:11:58.719" v="1726" actId="478"/>
-          <ac:spMkLst>
-            <pc:docMk/>
-            <pc:sldMk cId="2487042716" sldId="283"/>
-            <ac:spMk id="6" creationId="{922931E9-4FED-40B0-E2F6-61C164B2FDBC}"/>
-          </ac:spMkLst>
-        </pc:spChg>
-        <pc:spChg chg="add mod">
-          <ac:chgData name="Laise Eduarda Paixão de Moraes" userId="ed9e5288-1c22-4d51-b69f-ec30695ef7d2" providerId="ADAL" clId="{550CABA9-33F9-40BE-8201-FAC53EF37AB4}" dt="2024-03-26T13:13:55.225" v="1900" actId="1076"/>
-          <ac:spMkLst>
-            <pc:docMk/>
-            <pc:sldMk cId="2487042716" sldId="283"/>
-            <ac:spMk id="11" creationId="{A0D24587-0CDA-5157-1CC6-A0A5F75468F7}"/>
-          </ac:spMkLst>
-        </pc:spChg>
-        <pc:picChg chg="del">
-          <ac:chgData name="Laise Eduarda Paixão de Moraes" userId="ed9e5288-1c22-4d51-b69f-ec30695ef7d2" providerId="ADAL" clId="{550CABA9-33F9-40BE-8201-FAC53EF37AB4}" dt="2024-03-26T13:11:59.169" v="1727" actId="478"/>
-          <ac:picMkLst>
-            <pc:docMk/>
-            <pc:sldMk cId="2487042716" sldId="283"/>
-            <ac:picMk id="3" creationId="{E1504514-9DBC-8178-3360-0BAAAC8D2595}"/>
-          </ac:picMkLst>
-        </pc:picChg>
-        <pc:picChg chg="add mod">
-          <ac:chgData name="Laise Eduarda Paixão de Moraes" userId="ed9e5288-1c22-4d51-b69f-ec30695ef7d2" providerId="ADAL" clId="{550CABA9-33F9-40BE-8201-FAC53EF37AB4}" dt="2024-03-26T13:13:38.298" v="1894" actId="1076"/>
-          <ac:picMkLst>
-            <pc:docMk/>
-            <pc:sldMk cId="2487042716" sldId="283"/>
-            <ac:picMk id="8" creationId="{D8F3380A-156E-6FA4-6C35-36E4F2DB8A38}"/>
-          </ac:picMkLst>
-        </pc:picChg>
-        <pc:picChg chg="add mod">
-          <ac:chgData name="Laise Eduarda Paixão de Moraes" userId="ed9e5288-1c22-4d51-b69f-ec30695ef7d2" providerId="ADAL" clId="{550CABA9-33F9-40BE-8201-FAC53EF37AB4}" dt="2024-03-26T13:13:39.701" v="1895" actId="1076"/>
-          <ac:picMkLst>
-            <pc:docMk/>
-            <pc:sldMk cId="2487042716" sldId="283"/>
-            <ac:picMk id="10" creationId="{BEDDDBC7-A15A-3E48-B149-D591D53B7642}"/>
-          </ac:picMkLst>
-        </pc:picChg>
       </pc:sldChg>
       <pc:sldChg chg="addSp delSp modSp add mod">
         <pc:chgData name="Laise Eduarda Paixão de Moraes" userId="ed9e5288-1c22-4d51-b69f-ec30695ef7d2" providerId="ADAL" clId="{550CABA9-33F9-40BE-8201-FAC53EF37AB4}" dt="2024-03-26T13:15:05.397" v="2001" actId="1076"/>
@@ -1289,54 +695,6 @@
           <pc:docMk/>
           <pc:sldMk cId="1281555342" sldId="284"/>
         </pc:sldMkLst>
-        <pc:spChg chg="mod">
-          <ac:chgData name="Laise Eduarda Paixão de Moraes" userId="ed9e5288-1c22-4d51-b69f-ec30695ef7d2" providerId="ADAL" clId="{550CABA9-33F9-40BE-8201-FAC53EF37AB4}" dt="2024-03-26T13:14:51.726" v="1992" actId="113"/>
-          <ac:spMkLst>
-            <pc:docMk/>
-            <pc:sldMk cId="1281555342" sldId="284"/>
-            <ac:spMk id="5" creationId="{F1546B47-742A-0ACC-F5DF-E2ED03A31F57}"/>
-          </ac:spMkLst>
-        </pc:spChg>
-        <pc:spChg chg="add mod">
-          <ac:chgData name="Laise Eduarda Paixão de Moraes" userId="ed9e5288-1c22-4d51-b69f-ec30695ef7d2" providerId="ADAL" clId="{550CABA9-33F9-40BE-8201-FAC53EF37AB4}" dt="2024-03-26T13:15:05.397" v="2001" actId="1076"/>
-          <ac:spMkLst>
-            <pc:docMk/>
-            <pc:sldMk cId="1281555342" sldId="284"/>
-            <ac:spMk id="7" creationId="{EC237F7E-8B4F-DB83-3831-72246E26E138}"/>
-          </ac:spMkLst>
-        </pc:spChg>
-        <pc:spChg chg="del">
-          <ac:chgData name="Laise Eduarda Paixão de Moraes" userId="ed9e5288-1c22-4d51-b69f-ec30695ef7d2" providerId="ADAL" clId="{550CABA9-33F9-40BE-8201-FAC53EF37AB4}" dt="2024-03-26T13:14:03.477" v="1904" actId="478"/>
-          <ac:spMkLst>
-            <pc:docMk/>
-            <pc:sldMk cId="1281555342" sldId="284"/>
-            <ac:spMk id="11" creationId="{A0D24587-0CDA-5157-1CC6-A0A5F75468F7}"/>
-          </ac:spMkLst>
-        </pc:spChg>
-        <pc:picChg chg="add mod">
-          <ac:chgData name="Laise Eduarda Paixão de Moraes" userId="ed9e5288-1c22-4d51-b69f-ec30695ef7d2" providerId="ADAL" clId="{550CABA9-33F9-40BE-8201-FAC53EF37AB4}" dt="2024-03-26T13:14:59.321" v="1999" actId="208"/>
-          <ac:picMkLst>
-            <pc:docMk/>
-            <pc:sldMk cId="1281555342" sldId="284"/>
-            <ac:picMk id="6" creationId="{E6D2A6AE-DAAB-BD4D-5A77-494EC3B979B5}"/>
-          </ac:picMkLst>
-        </pc:picChg>
-        <pc:picChg chg="del">
-          <ac:chgData name="Laise Eduarda Paixão de Moraes" userId="ed9e5288-1c22-4d51-b69f-ec30695ef7d2" providerId="ADAL" clId="{550CABA9-33F9-40BE-8201-FAC53EF37AB4}" dt="2024-03-26T13:14:02.514" v="1902" actId="478"/>
-          <ac:picMkLst>
-            <pc:docMk/>
-            <pc:sldMk cId="1281555342" sldId="284"/>
-            <ac:picMk id="8" creationId="{D8F3380A-156E-6FA4-6C35-36E4F2DB8A38}"/>
-          </ac:picMkLst>
-        </pc:picChg>
-        <pc:picChg chg="del">
-          <ac:chgData name="Laise Eduarda Paixão de Moraes" userId="ed9e5288-1c22-4d51-b69f-ec30695ef7d2" providerId="ADAL" clId="{550CABA9-33F9-40BE-8201-FAC53EF37AB4}" dt="2024-03-26T13:14:02.872" v="1903" actId="478"/>
-          <ac:picMkLst>
-            <pc:docMk/>
-            <pc:sldMk cId="1281555342" sldId="284"/>
-            <ac:picMk id="10" creationId="{BEDDDBC7-A15A-3E48-B149-D591D53B7642}"/>
-          </ac:picMkLst>
-        </pc:picChg>
       </pc:sldChg>
       <pc:sldChg chg="delSp add del mod">
         <pc:chgData name="Laise Eduarda Paixão de Moraes" userId="ed9e5288-1c22-4d51-b69f-ec30695ef7d2" providerId="ADAL" clId="{550CABA9-33F9-40BE-8201-FAC53EF37AB4}" dt="2024-03-26T13:21:37.086" v="2040" actId="47"/>
@@ -1344,22 +702,6 @@
           <pc:docMk/>
           <pc:sldMk cId="2823552216" sldId="285"/>
         </pc:sldMkLst>
-        <pc:spChg chg="del">
-          <ac:chgData name="Laise Eduarda Paixão de Moraes" userId="ed9e5288-1c22-4d51-b69f-ec30695ef7d2" providerId="ADAL" clId="{550CABA9-33F9-40BE-8201-FAC53EF37AB4}" dt="2024-03-26T13:15:39.578" v="2004" actId="478"/>
-          <ac:spMkLst>
-            <pc:docMk/>
-            <pc:sldMk cId="2823552216" sldId="285"/>
-            <ac:spMk id="7" creationId="{EC237F7E-8B4F-DB83-3831-72246E26E138}"/>
-          </ac:spMkLst>
-        </pc:spChg>
-        <pc:picChg chg="del">
-          <ac:chgData name="Laise Eduarda Paixão de Moraes" userId="ed9e5288-1c22-4d51-b69f-ec30695ef7d2" providerId="ADAL" clId="{550CABA9-33F9-40BE-8201-FAC53EF37AB4}" dt="2024-03-26T13:15:30.577" v="2003" actId="478"/>
-          <ac:picMkLst>
-            <pc:docMk/>
-            <pc:sldMk cId="2823552216" sldId="285"/>
-            <ac:picMk id="6" creationId="{E6D2A6AE-DAAB-BD4D-5A77-494EC3B979B5}"/>
-          </ac:picMkLst>
-        </pc:picChg>
       </pc:sldChg>
       <pc:sldChg chg="addSp delSp modSp add mod">
         <pc:chgData name="Laise Eduarda Paixão de Moraes" userId="ed9e5288-1c22-4d51-b69f-ec30695ef7d2" providerId="ADAL" clId="{550CABA9-33F9-40BE-8201-FAC53EF37AB4}" dt="2024-03-26T13:21:21.277" v="2039" actId="1036"/>
@@ -1367,62 +709,6 @@
           <pc:docMk/>
           <pc:sldMk cId="2184620094" sldId="286"/>
         </pc:sldMkLst>
-        <pc:spChg chg="del">
-          <ac:chgData name="Laise Eduarda Paixão de Moraes" userId="ed9e5288-1c22-4d51-b69f-ec30695ef7d2" providerId="ADAL" clId="{550CABA9-33F9-40BE-8201-FAC53EF37AB4}" dt="2024-03-26T13:21:02.379" v="2023" actId="478"/>
-          <ac:spMkLst>
-            <pc:docMk/>
-            <pc:sldMk cId="2184620094" sldId="286"/>
-            <ac:spMk id="5" creationId="{F1546B47-742A-0ACC-F5DF-E2ED03A31F57}"/>
-          </ac:spMkLst>
-        </pc:spChg>
-        <pc:spChg chg="del">
-          <ac:chgData name="Laise Eduarda Paixão de Moraes" userId="ed9e5288-1c22-4d51-b69f-ec30695ef7d2" providerId="ADAL" clId="{550CABA9-33F9-40BE-8201-FAC53EF37AB4}" dt="2024-03-26T13:21:04.494" v="2025" actId="478"/>
-          <ac:spMkLst>
-            <pc:docMk/>
-            <pc:sldMk cId="2184620094" sldId="286"/>
-            <ac:spMk id="19" creationId="{8B2DDF75-9742-0BAD-6B51-FBBBFE5C03AA}"/>
-          </ac:spMkLst>
-        </pc:spChg>
-        <pc:spChg chg="del">
-          <ac:chgData name="Laise Eduarda Paixão de Moraes" userId="ed9e5288-1c22-4d51-b69f-ec30695ef7d2" providerId="ADAL" clId="{550CABA9-33F9-40BE-8201-FAC53EF37AB4}" dt="2024-03-26T13:21:02.379" v="2023" actId="478"/>
-          <ac:spMkLst>
-            <pc:docMk/>
-            <pc:sldMk cId="2184620094" sldId="286"/>
-            <ac:spMk id="22" creationId="{3FB7F595-15AE-A335-5A41-D9C6617A0435}"/>
-          </ac:spMkLst>
-        </pc:spChg>
-        <pc:spChg chg="del">
-          <ac:chgData name="Laise Eduarda Paixão de Moraes" userId="ed9e5288-1c22-4d51-b69f-ec30695ef7d2" providerId="ADAL" clId="{550CABA9-33F9-40BE-8201-FAC53EF37AB4}" dt="2024-03-26T13:21:03.571" v="2024" actId="478"/>
-          <ac:spMkLst>
-            <pc:docMk/>
-            <pc:sldMk cId="2184620094" sldId="286"/>
-            <ac:spMk id="23" creationId="{FF865C3A-266F-7A6B-DA39-D21465100A9D}"/>
-          </ac:spMkLst>
-        </pc:spChg>
-        <pc:grpChg chg="del">
-          <ac:chgData name="Laise Eduarda Paixão de Moraes" userId="ed9e5288-1c22-4d51-b69f-ec30695ef7d2" providerId="ADAL" clId="{550CABA9-33F9-40BE-8201-FAC53EF37AB4}" dt="2024-03-26T13:21:02.379" v="2023" actId="478"/>
-          <ac:grpSpMkLst>
-            <pc:docMk/>
-            <pc:sldMk cId="2184620094" sldId="286"/>
-            <ac:grpSpMk id="18" creationId="{A0A0203E-534E-7120-F247-6A9F3C8A70C4}"/>
-          </ac:grpSpMkLst>
-        </pc:grpChg>
-        <pc:picChg chg="add mod">
-          <ac:chgData name="Laise Eduarda Paixão de Moraes" userId="ed9e5288-1c22-4d51-b69f-ec30695ef7d2" providerId="ADAL" clId="{550CABA9-33F9-40BE-8201-FAC53EF37AB4}" dt="2024-03-26T13:21:21.277" v="2039" actId="1036"/>
-          <ac:picMkLst>
-            <pc:docMk/>
-            <pc:sldMk cId="2184620094" sldId="286"/>
-            <ac:picMk id="6" creationId="{3E7C9A57-E74A-EF02-0CE8-2D9FD739E7BD}"/>
-          </ac:picMkLst>
-        </pc:picChg>
-        <pc:picChg chg="del">
-          <ac:chgData name="Laise Eduarda Paixão de Moraes" userId="ed9e5288-1c22-4d51-b69f-ec30695ef7d2" providerId="ADAL" clId="{550CABA9-33F9-40BE-8201-FAC53EF37AB4}" dt="2024-03-26T13:21:02.379" v="2023" actId="478"/>
-          <ac:picMkLst>
-            <pc:docMk/>
-            <pc:sldMk cId="2184620094" sldId="286"/>
-            <ac:picMk id="21" creationId="{F2EB7667-F4B6-DA20-C12A-4804F15EEA93}"/>
-          </ac:picMkLst>
-        </pc:picChg>
       </pc:sldChg>
       <pc:sldChg chg="addSp delSp modSp add mod">
         <pc:chgData name="Laise Eduarda Paixão de Moraes" userId="ed9e5288-1c22-4d51-b69f-ec30695ef7d2" providerId="ADAL" clId="{550CABA9-33F9-40BE-8201-FAC53EF37AB4}" dt="2024-03-26T13:24:32.228" v="2242" actId="14100"/>
@@ -1430,46 +716,6 @@
           <pc:docMk/>
           <pc:sldMk cId="955363286" sldId="287"/>
         </pc:sldMkLst>
-        <pc:spChg chg="mod">
-          <ac:chgData name="Laise Eduarda Paixão de Moraes" userId="ed9e5288-1c22-4d51-b69f-ec30695ef7d2" providerId="ADAL" clId="{550CABA9-33F9-40BE-8201-FAC53EF37AB4}" dt="2024-03-26T13:21:57.840" v="2059" actId="20577"/>
-          <ac:spMkLst>
-            <pc:docMk/>
-            <pc:sldMk cId="955363286" sldId="287"/>
-            <ac:spMk id="4" creationId="{B3BE077F-5E7A-5C87-CBFD-191C524963A9}"/>
-          </ac:spMkLst>
-        </pc:spChg>
-        <pc:spChg chg="mod">
-          <ac:chgData name="Laise Eduarda Paixão de Moraes" userId="ed9e5288-1c22-4d51-b69f-ec30695ef7d2" providerId="ADAL" clId="{550CABA9-33F9-40BE-8201-FAC53EF37AB4}" dt="2024-03-26T13:24:20.086" v="2238" actId="20577"/>
-          <ac:spMkLst>
-            <pc:docMk/>
-            <pc:sldMk cId="955363286" sldId="287"/>
-            <ac:spMk id="5" creationId="{F1546B47-742A-0ACC-F5DF-E2ED03A31F57}"/>
-          </ac:spMkLst>
-        </pc:spChg>
-        <pc:spChg chg="del">
-          <ac:chgData name="Laise Eduarda Paixão de Moraes" userId="ed9e5288-1c22-4d51-b69f-ec30695ef7d2" providerId="ADAL" clId="{550CABA9-33F9-40BE-8201-FAC53EF37AB4}" dt="2024-03-26T13:22:01.845" v="2061" actId="478"/>
-          <ac:spMkLst>
-            <pc:docMk/>
-            <pc:sldMk cId="955363286" sldId="287"/>
-            <ac:spMk id="7" creationId="{EC237F7E-8B4F-DB83-3831-72246E26E138}"/>
-          </ac:spMkLst>
-        </pc:spChg>
-        <pc:picChg chg="del">
-          <ac:chgData name="Laise Eduarda Paixão de Moraes" userId="ed9e5288-1c22-4d51-b69f-ec30695ef7d2" providerId="ADAL" clId="{550CABA9-33F9-40BE-8201-FAC53EF37AB4}" dt="2024-03-26T13:21:59.798" v="2060" actId="478"/>
-          <ac:picMkLst>
-            <pc:docMk/>
-            <pc:sldMk cId="955363286" sldId="287"/>
-            <ac:picMk id="6" creationId="{E6D2A6AE-DAAB-BD4D-5A77-494EC3B979B5}"/>
-          </ac:picMkLst>
-        </pc:picChg>
-        <pc:picChg chg="add mod modCrop">
-          <ac:chgData name="Laise Eduarda Paixão de Moraes" userId="ed9e5288-1c22-4d51-b69f-ec30695ef7d2" providerId="ADAL" clId="{550CABA9-33F9-40BE-8201-FAC53EF37AB4}" dt="2024-03-26T13:24:32.228" v="2242" actId="14100"/>
-          <ac:picMkLst>
-            <pc:docMk/>
-            <pc:sldMk cId="955363286" sldId="287"/>
-            <ac:picMk id="8" creationId="{7CBF53AD-E657-2B98-9C6B-671D91FBD9EC}"/>
-          </ac:picMkLst>
-        </pc:picChg>
       </pc:sldChg>
       <pc:sldChg chg="addSp delSp modSp add mod">
         <pc:chgData name="Laise Eduarda Paixão de Moraes" userId="ed9e5288-1c22-4d51-b69f-ec30695ef7d2" providerId="ADAL" clId="{550CABA9-33F9-40BE-8201-FAC53EF37AB4}" dt="2024-03-26T13:27:30.479" v="2299" actId="1076"/>
@@ -1477,94 +723,6 @@
           <pc:docMk/>
           <pc:sldMk cId="754747714" sldId="288"/>
         </pc:sldMkLst>
-        <pc:spChg chg="add mod">
-          <ac:chgData name="Laise Eduarda Paixão de Moraes" userId="ed9e5288-1c22-4d51-b69f-ec30695ef7d2" providerId="ADAL" clId="{550CABA9-33F9-40BE-8201-FAC53EF37AB4}" dt="2024-03-26T13:25:13.431" v="2254" actId="20577"/>
-          <ac:spMkLst>
-            <pc:docMk/>
-            <pc:sldMk cId="754747714" sldId="288"/>
-            <ac:spMk id="3" creationId="{2AFB4586-4CA2-8BE8-3506-7C584A2DABA4}"/>
-          </ac:spMkLst>
-        </pc:spChg>
-        <pc:spChg chg="del">
-          <ac:chgData name="Laise Eduarda Paixão de Moraes" userId="ed9e5288-1c22-4d51-b69f-ec30695ef7d2" providerId="ADAL" clId="{550CABA9-33F9-40BE-8201-FAC53EF37AB4}" dt="2024-03-26T13:24:58.738" v="2244" actId="478"/>
-          <ac:spMkLst>
-            <pc:docMk/>
-            <pc:sldMk cId="754747714" sldId="288"/>
-            <ac:spMk id="5" creationId="{F1546B47-742A-0ACC-F5DF-E2ED03A31F57}"/>
-          </ac:spMkLst>
-        </pc:spChg>
-        <pc:spChg chg="add del mod">
-          <ac:chgData name="Laise Eduarda Paixão de Moraes" userId="ed9e5288-1c22-4d51-b69f-ec30695ef7d2" providerId="ADAL" clId="{550CABA9-33F9-40BE-8201-FAC53EF37AB4}" dt="2024-03-26T13:26:02.603" v="2269" actId="21"/>
-          <ac:spMkLst>
-            <pc:docMk/>
-            <pc:sldMk cId="754747714" sldId="288"/>
-            <ac:spMk id="9" creationId="{C58AF979-4D79-FA28-9245-5B9D9A2160A5}"/>
-          </ac:spMkLst>
-        </pc:spChg>
-        <pc:spChg chg="add del mod">
-          <ac:chgData name="Laise Eduarda Paixão de Moraes" userId="ed9e5288-1c22-4d51-b69f-ec30695ef7d2" providerId="ADAL" clId="{550CABA9-33F9-40BE-8201-FAC53EF37AB4}" dt="2024-03-26T13:27:28.505" v="2297" actId="21"/>
-          <ac:spMkLst>
-            <pc:docMk/>
-            <pc:sldMk cId="754747714" sldId="288"/>
-            <ac:spMk id="13" creationId="{C58AF979-4D79-FA28-9245-5B9D9A2160A5}"/>
-          </ac:spMkLst>
-        </pc:spChg>
-        <pc:spChg chg="add mod">
-          <ac:chgData name="Laise Eduarda Paixão de Moraes" userId="ed9e5288-1c22-4d51-b69f-ec30695ef7d2" providerId="ADAL" clId="{550CABA9-33F9-40BE-8201-FAC53EF37AB4}" dt="2024-03-26T13:27:30.479" v="2299" actId="1076"/>
-          <ac:spMkLst>
-            <pc:docMk/>
-            <pc:sldMk cId="754747714" sldId="288"/>
-            <ac:spMk id="17" creationId="{C58AF979-4D79-FA28-9245-5B9D9A2160A5}"/>
-          </ac:spMkLst>
-        </pc:spChg>
-        <pc:picChg chg="add del mod">
-          <ac:chgData name="Laise Eduarda Paixão de Moraes" userId="ed9e5288-1c22-4d51-b69f-ec30695ef7d2" providerId="ADAL" clId="{550CABA9-33F9-40BE-8201-FAC53EF37AB4}" dt="2024-03-26T13:25:52.895" v="2262" actId="478"/>
-          <ac:picMkLst>
-            <pc:docMk/>
-            <pc:sldMk cId="754747714" sldId="288"/>
-            <ac:picMk id="7" creationId="{F586617C-C5C6-6C31-BF36-C3E8E8D70D47}"/>
-          </ac:picMkLst>
-        </pc:picChg>
-        <pc:picChg chg="del">
-          <ac:chgData name="Laise Eduarda Paixão de Moraes" userId="ed9e5288-1c22-4d51-b69f-ec30695ef7d2" providerId="ADAL" clId="{550CABA9-33F9-40BE-8201-FAC53EF37AB4}" dt="2024-03-26T13:25:23.082" v="2255" actId="478"/>
-          <ac:picMkLst>
-            <pc:docMk/>
-            <pc:sldMk cId="754747714" sldId="288"/>
-            <ac:picMk id="8" creationId="{7CBF53AD-E657-2B98-9C6B-671D91FBD9EC}"/>
-          </ac:picMkLst>
-        </pc:picChg>
-        <pc:picChg chg="add del mod">
-          <ac:chgData name="Laise Eduarda Paixão de Moraes" userId="ed9e5288-1c22-4d51-b69f-ec30695ef7d2" providerId="ADAL" clId="{550CABA9-33F9-40BE-8201-FAC53EF37AB4}" dt="2024-03-26T13:26:00.077" v="2266" actId="21"/>
-          <ac:picMkLst>
-            <pc:docMk/>
-            <pc:sldMk cId="754747714" sldId="288"/>
-            <ac:picMk id="11" creationId="{C1941C9C-32C5-8018-6EA3-AB3E15192C61}"/>
-          </ac:picMkLst>
-        </pc:picChg>
-        <pc:picChg chg="add del mod">
-          <ac:chgData name="Laise Eduarda Paixão de Moraes" userId="ed9e5288-1c22-4d51-b69f-ec30695ef7d2" providerId="ADAL" clId="{550CABA9-33F9-40BE-8201-FAC53EF37AB4}" dt="2024-03-26T13:27:14.590" v="2285" actId="478"/>
-          <ac:picMkLst>
-            <pc:docMk/>
-            <pc:sldMk cId="754747714" sldId="288"/>
-            <ac:picMk id="12" creationId="{C1941C9C-32C5-8018-6EA3-AB3E15192C61}"/>
-          </ac:picMkLst>
-        </pc:picChg>
-        <pc:picChg chg="add del mod">
-          <ac:chgData name="Laise Eduarda Paixão de Moraes" userId="ed9e5288-1c22-4d51-b69f-ec30695ef7d2" providerId="ADAL" clId="{550CABA9-33F9-40BE-8201-FAC53EF37AB4}" dt="2024-03-26T13:27:21.032" v="2290" actId="21"/>
-          <ac:picMkLst>
-            <pc:docMk/>
-            <pc:sldMk cId="754747714" sldId="288"/>
-            <ac:picMk id="15" creationId="{B53C0BA9-0EE3-F1B3-63A1-639A98420240}"/>
-          </ac:picMkLst>
-        </pc:picChg>
-        <pc:picChg chg="add mod">
-          <ac:chgData name="Laise Eduarda Paixão de Moraes" userId="ed9e5288-1c22-4d51-b69f-ec30695ef7d2" providerId="ADAL" clId="{550CABA9-33F9-40BE-8201-FAC53EF37AB4}" dt="2024-03-26T13:27:26.466" v="2295" actId="1076"/>
-          <ac:picMkLst>
-            <pc:docMk/>
-            <pc:sldMk cId="754747714" sldId="288"/>
-            <ac:picMk id="16" creationId="{B53C0BA9-0EE3-F1B3-63A1-639A98420240}"/>
-          </ac:picMkLst>
-        </pc:picChg>
       </pc:sldChg>
       <pc:sldChg chg="addSp delSp modSp add mod">
         <pc:chgData name="Laise Eduarda Paixão de Moraes" userId="ed9e5288-1c22-4d51-b69f-ec30695ef7d2" providerId="ADAL" clId="{550CABA9-33F9-40BE-8201-FAC53EF37AB4}" dt="2024-03-26T13:30:45.917" v="2603" actId="1076"/>
@@ -1572,70 +730,6 @@
           <pc:docMk/>
           <pc:sldMk cId="2743757577" sldId="289"/>
         </pc:sldMkLst>
-        <pc:spChg chg="mod">
-          <ac:chgData name="Laise Eduarda Paixão de Moraes" userId="ed9e5288-1c22-4d51-b69f-ec30695ef7d2" providerId="ADAL" clId="{550CABA9-33F9-40BE-8201-FAC53EF37AB4}" dt="2024-03-26T13:30:35.604" v="2597" actId="20577"/>
-          <ac:spMkLst>
-            <pc:docMk/>
-            <pc:sldMk cId="2743757577" sldId="289"/>
-            <ac:spMk id="3" creationId="{2AFB4586-4CA2-8BE8-3506-7C584A2DABA4}"/>
-          </ac:spMkLst>
-        </pc:spChg>
-        <pc:spChg chg="add mod">
-          <ac:chgData name="Laise Eduarda Paixão de Moraes" userId="ed9e5288-1c22-4d51-b69f-ec30695ef7d2" providerId="ADAL" clId="{550CABA9-33F9-40BE-8201-FAC53EF37AB4}" dt="2024-03-26T13:30:45.917" v="2603" actId="1076"/>
-          <ac:spMkLst>
-            <pc:docMk/>
-            <pc:sldMk cId="2743757577" sldId="289"/>
-            <ac:spMk id="9" creationId="{D63FA433-E24C-5B03-0519-BFBF3144EC36}"/>
-          </ac:spMkLst>
-        </pc:spChg>
-        <pc:spChg chg="add del mod">
-          <ac:chgData name="Laise Eduarda Paixão de Moraes" userId="ed9e5288-1c22-4d51-b69f-ec30695ef7d2" providerId="ADAL" clId="{550CABA9-33F9-40BE-8201-FAC53EF37AB4}" dt="2024-03-26T13:30:31.852" v="2593" actId="478"/>
-          <ac:spMkLst>
-            <pc:docMk/>
-            <pc:sldMk cId="2743757577" sldId="289"/>
-            <ac:spMk id="10" creationId="{27B870FC-A6CB-9EB1-C6BC-4A1DA8E7F96B}"/>
-          </ac:spMkLst>
-        </pc:spChg>
-        <pc:spChg chg="del">
-          <ac:chgData name="Laise Eduarda Paixão de Moraes" userId="ed9e5288-1c22-4d51-b69f-ec30695ef7d2" providerId="ADAL" clId="{550CABA9-33F9-40BE-8201-FAC53EF37AB4}" dt="2024-03-26T13:27:37.765" v="2302" actId="478"/>
-          <ac:spMkLst>
-            <pc:docMk/>
-            <pc:sldMk cId="2743757577" sldId="289"/>
-            <ac:spMk id="17" creationId="{C58AF979-4D79-FA28-9245-5B9D9A2160A5}"/>
-          </ac:spMkLst>
-        </pc:spChg>
-        <pc:picChg chg="add mod">
-          <ac:chgData name="Laise Eduarda Paixão de Moraes" userId="ed9e5288-1c22-4d51-b69f-ec30695ef7d2" providerId="ADAL" clId="{550CABA9-33F9-40BE-8201-FAC53EF37AB4}" dt="2024-03-26T13:30:41.859" v="2600" actId="1076"/>
-          <ac:picMkLst>
-            <pc:docMk/>
-            <pc:sldMk cId="2743757577" sldId="289"/>
-            <ac:picMk id="6" creationId="{36F93E6D-DCAE-DD49-EE78-90EB7F5A3F9C}"/>
-          </ac:picMkLst>
-        </pc:picChg>
-        <pc:picChg chg="add del mod">
-          <ac:chgData name="Laise Eduarda Paixão de Moraes" userId="ed9e5288-1c22-4d51-b69f-ec30695ef7d2" providerId="ADAL" clId="{550CABA9-33F9-40BE-8201-FAC53EF37AB4}" dt="2024-03-26T13:30:31.325" v="2592" actId="478"/>
-          <ac:picMkLst>
-            <pc:docMk/>
-            <pc:sldMk cId="2743757577" sldId="289"/>
-            <ac:picMk id="8" creationId="{A5B76BA4-112A-45AD-F728-79F674E8265E}"/>
-          </ac:picMkLst>
-        </pc:picChg>
-        <pc:picChg chg="add del">
-          <ac:chgData name="Laise Eduarda Paixão de Moraes" userId="ed9e5288-1c22-4d51-b69f-ec30695ef7d2" providerId="ADAL" clId="{550CABA9-33F9-40BE-8201-FAC53EF37AB4}" dt="2024-03-26T13:30:30.674" v="2591" actId="478"/>
-          <ac:picMkLst>
-            <pc:docMk/>
-            <pc:sldMk cId="2743757577" sldId="289"/>
-            <ac:picMk id="12" creationId="{664644BA-9009-2014-4E55-7965A14F598C}"/>
-          </ac:picMkLst>
-        </pc:picChg>
-        <pc:picChg chg="del">
-          <ac:chgData name="Laise Eduarda Paixão de Moraes" userId="ed9e5288-1c22-4d51-b69f-ec30695ef7d2" providerId="ADAL" clId="{550CABA9-33F9-40BE-8201-FAC53EF37AB4}" dt="2024-03-26T13:27:37.115" v="2301" actId="478"/>
-          <ac:picMkLst>
-            <pc:docMk/>
-            <pc:sldMk cId="2743757577" sldId="289"/>
-            <ac:picMk id="16" creationId="{B53C0BA9-0EE3-F1B3-63A1-639A98420240}"/>
-          </ac:picMkLst>
-        </pc:picChg>
       </pc:sldChg>
       <pc:sldChg chg="addSp delSp modSp add mod">
         <pc:chgData name="Laise Eduarda Paixão de Moraes" userId="ed9e5288-1c22-4d51-b69f-ec30695ef7d2" providerId="ADAL" clId="{550CABA9-33F9-40BE-8201-FAC53EF37AB4}" dt="2024-03-26T13:31:58.110" v="2718" actId="1076"/>
@@ -1643,62 +737,6 @@
           <pc:docMk/>
           <pc:sldMk cId="4219754153" sldId="290"/>
         </pc:sldMkLst>
-        <pc:spChg chg="mod">
-          <ac:chgData name="Laise Eduarda Paixão de Moraes" userId="ed9e5288-1c22-4d51-b69f-ec30695ef7d2" providerId="ADAL" clId="{550CABA9-33F9-40BE-8201-FAC53EF37AB4}" dt="2024-03-26T13:31:52.649" v="2716" actId="113"/>
-          <ac:spMkLst>
-            <pc:docMk/>
-            <pc:sldMk cId="4219754153" sldId="290"/>
-            <ac:spMk id="3" creationId="{2AFB4586-4CA2-8BE8-3506-7C584A2DABA4}"/>
-          </ac:spMkLst>
-        </pc:spChg>
-        <pc:spChg chg="add mod">
-          <ac:chgData name="Laise Eduarda Paixão de Moraes" userId="ed9e5288-1c22-4d51-b69f-ec30695ef7d2" providerId="ADAL" clId="{550CABA9-33F9-40BE-8201-FAC53EF37AB4}" dt="2024-03-26T13:31:23.603" v="2626" actId="1076"/>
-          <ac:spMkLst>
-            <pc:docMk/>
-            <pc:sldMk cId="4219754153" sldId="290"/>
-            <ac:spMk id="5" creationId="{27B870FC-A6CB-9EB1-C6BC-4A1DA8E7F96B}"/>
-          </ac:spMkLst>
-        </pc:spChg>
-        <pc:spChg chg="mod">
-          <ac:chgData name="Laise Eduarda Paixão de Moraes" userId="ed9e5288-1c22-4d51-b69f-ec30695ef7d2" providerId="ADAL" clId="{550CABA9-33F9-40BE-8201-FAC53EF37AB4}" dt="2024-03-26T13:31:58.110" v="2718" actId="1076"/>
-          <ac:spMkLst>
-            <pc:docMk/>
-            <pc:sldMk cId="4219754153" sldId="290"/>
-            <ac:spMk id="9" creationId="{D63FA433-E24C-5B03-0519-BFBF3144EC36}"/>
-          </ac:spMkLst>
-        </pc:spChg>
-        <pc:spChg chg="del mod">
-          <ac:chgData name="Laise Eduarda Paixão de Moraes" userId="ed9e5288-1c22-4d51-b69f-ec30695ef7d2" providerId="ADAL" clId="{550CABA9-33F9-40BE-8201-FAC53EF37AB4}" dt="2024-03-26T13:31:11.052" v="2618" actId="21"/>
-          <ac:spMkLst>
-            <pc:docMk/>
-            <pc:sldMk cId="4219754153" sldId="290"/>
-            <ac:spMk id="10" creationId="{27B870FC-A6CB-9EB1-C6BC-4A1DA8E7F96B}"/>
-          </ac:spMkLst>
-        </pc:spChg>
-        <pc:picChg chg="del">
-          <ac:chgData name="Laise Eduarda Paixão de Moraes" userId="ed9e5288-1c22-4d51-b69f-ec30695ef7d2" providerId="ADAL" clId="{550CABA9-33F9-40BE-8201-FAC53EF37AB4}" dt="2024-03-26T13:30:53.376" v="2605" actId="478"/>
-          <ac:picMkLst>
-            <pc:docMk/>
-            <pc:sldMk cId="4219754153" sldId="290"/>
-            <ac:picMk id="6" creationId="{36F93E6D-DCAE-DD49-EE78-90EB7F5A3F9C}"/>
-          </ac:picMkLst>
-        </pc:picChg>
-        <pc:picChg chg="mod">
-          <ac:chgData name="Laise Eduarda Paixão de Moraes" userId="ed9e5288-1c22-4d51-b69f-ec30695ef7d2" providerId="ADAL" clId="{550CABA9-33F9-40BE-8201-FAC53EF37AB4}" dt="2024-03-26T13:31:26.319" v="2627" actId="1076"/>
-          <ac:picMkLst>
-            <pc:docMk/>
-            <pc:sldMk cId="4219754153" sldId="290"/>
-            <ac:picMk id="8" creationId="{A5B76BA4-112A-45AD-F728-79F674E8265E}"/>
-          </ac:picMkLst>
-        </pc:picChg>
-        <pc:picChg chg="mod">
-          <ac:chgData name="Laise Eduarda Paixão de Moraes" userId="ed9e5288-1c22-4d51-b69f-ec30695ef7d2" providerId="ADAL" clId="{550CABA9-33F9-40BE-8201-FAC53EF37AB4}" dt="2024-03-26T13:31:29.409" v="2628" actId="208"/>
-          <ac:picMkLst>
-            <pc:docMk/>
-            <pc:sldMk cId="4219754153" sldId="290"/>
-            <ac:picMk id="12" creationId="{664644BA-9009-2014-4E55-7965A14F598C}"/>
-          </ac:picMkLst>
-        </pc:picChg>
       </pc:sldChg>
       <pc:sldChg chg="addSp delSp modSp add mod">
         <pc:chgData name="Laise Eduarda Paixão de Moraes" userId="ed9e5288-1c22-4d51-b69f-ec30695ef7d2" providerId="ADAL" clId="{550CABA9-33F9-40BE-8201-FAC53EF37AB4}" dt="2024-03-26T13:37:15.135" v="2901"/>
@@ -1706,78 +744,6 @@
           <pc:docMk/>
           <pc:sldMk cId="342243496" sldId="291"/>
         </pc:sldMkLst>
-        <pc:spChg chg="mod">
-          <ac:chgData name="Laise Eduarda Paixão de Moraes" userId="ed9e5288-1c22-4d51-b69f-ec30695ef7d2" providerId="ADAL" clId="{550CABA9-33F9-40BE-8201-FAC53EF37AB4}" dt="2024-03-26T13:35:44.863" v="2875" actId="20577"/>
-          <ac:spMkLst>
-            <pc:docMk/>
-            <pc:sldMk cId="342243496" sldId="291"/>
-            <ac:spMk id="5" creationId="{F1546B47-742A-0ACC-F5DF-E2ED03A31F57}"/>
-          </ac:spMkLst>
-        </pc:spChg>
-        <pc:spChg chg="del">
-          <ac:chgData name="Laise Eduarda Paixão de Moraes" userId="ed9e5288-1c22-4d51-b69f-ec30695ef7d2" providerId="ADAL" clId="{550CABA9-33F9-40BE-8201-FAC53EF37AB4}" dt="2024-03-26T13:36:22.817" v="2882" actId="478"/>
-          <ac:spMkLst>
-            <pc:docMk/>
-            <pc:sldMk cId="342243496" sldId="291"/>
-            <ac:spMk id="7" creationId="{3959ED30-6D69-7D41-7D23-010EC825686E}"/>
-          </ac:spMkLst>
-        </pc:spChg>
-        <pc:spChg chg="del">
-          <ac:chgData name="Laise Eduarda Paixão de Moraes" userId="ed9e5288-1c22-4d51-b69f-ec30695ef7d2" providerId="ADAL" clId="{550CABA9-33F9-40BE-8201-FAC53EF37AB4}" dt="2024-03-26T13:35:56.268" v="2877" actId="478"/>
-          <ac:spMkLst>
-            <pc:docMk/>
-            <pc:sldMk cId="342243496" sldId="291"/>
-            <ac:spMk id="8" creationId="{FCA314B8-8CB2-4DED-F86C-896D77B0675B}"/>
-          </ac:spMkLst>
-        </pc:spChg>
-        <pc:picChg chg="del">
-          <ac:chgData name="Laise Eduarda Paixão de Moraes" userId="ed9e5288-1c22-4d51-b69f-ec30695ef7d2" providerId="ADAL" clId="{550CABA9-33F9-40BE-8201-FAC53EF37AB4}" dt="2024-03-26T13:36:20.904" v="2881" actId="478"/>
-          <ac:picMkLst>
-            <pc:docMk/>
-            <pc:sldMk cId="342243496" sldId="291"/>
-            <ac:picMk id="6" creationId="{3BC45B57-BC62-8C91-3947-B623846C6E42}"/>
-          </ac:picMkLst>
-        </pc:picChg>
-        <pc:picChg chg="del">
-          <ac:chgData name="Laise Eduarda Paixão de Moraes" userId="ed9e5288-1c22-4d51-b69f-ec30695ef7d2" providerId="ADAL" clId="{550CABA9-33F9-40BE-8201-FAC53EF37AB4}" dt="2024-03-26T13:35:55.254" v="2876" actId="478"/>
-          <ac:picMkLst>
-            <pc:docMk/>
-            <pc:sldMk cId="342243496" sldId="291"/>
-            <ac:picMk id="9" creationId="{6DBF1353-D43D-ED51-556D-D08F6241E32E}"/>
-          </ac:picMkLst>
-        </pc:picChg>
-        <pc:picChg chg="add del mod">
-          <ac:chgData name="Laise Eduarda Paixão de Moraes" userId="ed9e5288-1c22-4d51-b69f-ec30695ef7d2" providerId="ADAL" clId="{550CABA9-33F9-40BE-8201-FAC53EF37AB4}" dt="2024-03-26T13:36:25.480" v="2885" actId="21"/>
-          <ac:picMkLst>
-            <pc:docMk/>
-            <pc:sldMk cId="342243496" sldId="291"/>
-            <ac:picMk id="10" creationId="{1CA85E11-9D85-85CF-4309-220B265A6A4D}"/>
-          </ac:picMkLst>
-        </pc:picChg>
-        <pc:picChg chg="add del mod modCrop">
-          <ac:chgData name="Laise Eduarda Paixão de Moraes" userId="ed9e5288-1c22-4d51-b69f-ec30695ef7d2" providerId="ADAL" clId="{550CABA9-33F9-40BE-8201-FAC53EF37AB4}" dt="2024-03-26T13:37:13.788" v="2900" actId="21"/>
-          <ac:picMkLst>
-            <pc:docMk/>
-            <pc:sldMk cId="342243496" sldId="291"/>
-            <ac:picMk id="12" creationId="{02EAA368-6EE5-D909-891F-C6B6F1436D3E}"/>
-          </ac:picMkLst>
-        </pc:picChg>
-        <pc:picChg chg="add mod modCrop">
-          <ac:chgData name="Laise Eduarda Paixão de Moraes" userId="ed9e5288-1c22-4d51-b69f-ec30695ef7d2" providerId="ADAL" clId="{550CABA9-33F9-40BE-8201-FAC53EF37AB4}" dt="2024-03-26T13:36:59.141" v="2896" actId="1076"/>
-          <ac:picMkLst>
-            <pc:docMk/>
-            <pc:sldMk cId="342243496" sldId="291"/>
-            <ac:picMk id="13" creationId="{1CA85E11-9D85-85CF-4309-220B265A6A4D}"/>
-          </ac:picMkLst>
-        </pc:picChg>
-        <pc:picChg chg="add mod">
-          <ac:chgData name="Laise Eduarda Paixão de Moraes" userId="ed9e5288-1c22-4d51-b69f-ec30695ef7d2" providerId="ADAL" clId="{550CABA9-33F9-40BE-8201-FAC53EF37AB4}" dt="2024-03-26T13:37:15.135" v="2901"/>
-          <ac:picMkLst>
-            <pc:docMk/>
-            <pc:sldMk cId="342243496" sldId="291"/>
-            <ac:picMk id="14" creationId="{02EAA368-6EE5-D909-891F-C6B6F1436D3E}"/>
-          </ac:picMkLst>
-        </pc:picChg>
       </pc:sldChg>
       <pc:sldChg chg="addSp delSp modSp add mod">
         <pc:chgData name="Laise Eduarda Paixão de Moraes" userId="ed9e5288-1c22-4d51-b69f-ec30695ef7d2" providerId="ADAL" clId="{550CABA9-33F9-40BE-8201-FAC53EF37AB4}" dt="2024-03-26T13:41:35.497" v="3217" actId="208"/>
@@ -1785,102 +751,6 @@
           <pc:docMk/>
           <pc:sldMk cId="2636049592" sldId="292"/>
         </pc:sldMkLst>
-        <pc:spChg chg="mod">
-          <ac:chgData name="Laise Eduarda Paixão de Moraes" userId="ed9e5288-1c22-4d51-b69f-ec30695ef7d2" providerId="ADAL" clId="{550CABA9-33F9-40BE-8201-FAC53EF37AB4}" dt="2024-03-26T13:41:03.500" v="3198" actId="20577"/>
-          <ac:spMkLst>
-            <pc:docMk/>
-            <pc:sldMk cId="2636049592" sldId="292"/>
-            <ac:spMk id="3" creationId="{2AFB4586-4CA2-8BE8-3506-7C584A2DABA4}"/>
-          </ac:spMkLst>
-        </pc:spChg>
-        <pc:spChg chg="add del mod">
-          <ac:chgData name="Laise Eduarda Paixão de Moraes" userId="ed9e5288-1c22-4d51-b69f-ec30695ef7d2" providerId="ADAL" clId="{550CABA9-33F9-40BE-8201-FAC53EF37AB4}" dt="2024-03-26T13:38:08.948" v="2949" actId="20577"/>
-          <ac:spMkLst>
-            <pc:docMk/>
-            <pc:sldMk cId="2636049592" sldId="292"/>
-            <ac:spMk id="4" creationId="{B3BE077F-5E7A-5C87-CBFD-191C524963A9}"/>
-          </ac:spMkLst>
-        </pc:spChg>
-        <pc:spChg chg="del">
-          <ac:chgData name="Laise Eduarda Paixão de Moraes" userId="ed9e5288-1c22-4d51-b69f-ec30695ef7d2" providerId="ADAL" clId="{550CABA9-33F9-40BE-8201-FAC53EF37AB4}" dt="2024-03-26T13:37:56.753" v="2948" actId="478"/>
-          <ac:spMkLst>
-            <pc:docMk/>
-            <pc:sldMk cId="2636049592" sldId="292"/>
-            <ac:spMk id="5" creationId="{27B870FC-A6CB-9EB1-C6BC-4A1DA8E7F96B}"/>
-          </ac:spMkLst>
-        </pc:spChg>
-        <pc:spChg chg="del">
-          <ac:chgData name="Laise Eduarda Paixão de Moraes" userId="ed9e5288-1c22-4d51-b69f-ec30695ef7d2" providerId="ADAL" clId="{550CABA9-33F9-40BE-8201-FAC53EF37AB4}" dt="2024-03-26T13:37:56.122" v="2947" actId="478"/>
-          <ac:spMkLst>
-            <pc:docMk/>
-            <pc:sldMk cId="2636049592" sldId="292"/>
-            <ac:spMk id="9" creationId="{D63FA433-E24C-5B03-0519-BFBF3144EC36}"/>
-          </ac:spMkLst>
-        </pc:spChg>
-        <pc:spChg chg="add del mod">
-          <ac:chgData name="Laise Eduarda Paixão de Moraes" userId="ed9e5288-1c22-4d51-b69f-ec30695ef7d2" providerId="ADAL" clId="{550CABA9-33F9-40BE-8201-FAC53EF37AB4}" dt="2024-03-26T13:41:26.325" v="3213" actId="21"/>
-          <ac:spMkLst>
-            <pc:docMk/>
-            <pc:sldMk cId="2636049592" sldId="292"/>
-            <ac:spMk id="10" creationId="{0AFF6A3B-2B89-C85F-7989-F178EBE310F2}"/>
-          </ac:spMkLst>
-        </pc:spChg>
-        <pc:spChg chg="add mod">
-          <ac:chgData name="Laise Eduarda Paixão de Moraes" userId="ed9e5288-1c22-4d51-b69f-ec30695ef7d2" providerId="ADAL" clId="{550CABA9-33F9-40BE-8201-FAC53EF37AB4}" dt="2024-03-26T13:41:24.224" v="3211" actId="1076"/>
-          <ac:spMkLst>
-            <pc:docMk/>
-            <pc:sldMk cId="2636049592" sldId="292"/>
-            <ac:spMk id="15" creationId="{1B83D81B-528C-937F-E9D8-427A522ADA64}"/>
-          </ac:spMkLst>
-        </pc:spChg>
-        <pc:spChg chg="add mod">
-          <ac:chgData name="Laise Eduarda Paixão de Moraes" userId="ed9e5288-1c22-4d51-b69f-ec30695ef7d2" providerId="ADAL" clId="{550CABA9-33F9-40BE-8201-FAC53EF37AB4}" dt="2024-03-26T13:41:32.009" v="3216" actId="1076"/>
-          <ac:spMkLst>
-            <pc:docMk/>
-            <pc:sldMk cId="2636049592" sldId="292"/>
-            <ac:spMk id="16" creationId="{0AFF6A3B-2B89-C85F-7989-F178EBE310F2}"/>
-          </ac:spMkLst>
-        </pc:spChg>
-        <pc:picChg chg="add mod">
-          <ac:chgData name="Laise Eduarda Paixão de Moraes" userId="ed9e5288-1c22-4d51-b69f-ec30695ef7d2" providerId="ADAL" clId="{550CABA9-33F9-40BE-8201-FAC53EF37AB4}" dt="2024-03-26T13:41:35.497" v="3217" actId="208"/>
-          <ac:picMkLst>
-            <pc:docMk/>
-            <pc:sldMk cId="2636049592" sldId="292"/>
-            <ac:picMk id="7" creationId="{827334D9-AB3C-9259-E879-414AB5EB8E07}"/>
-          </ac:picMkLst>
-        </pc:picChg>
-        <pc:picChg chg="del">
-          <ac:chgData name="Laise Eduarda Paixão de Moraes" userId="ed9e5288-1c22-4d51-b69f-ec30695ef7d2" providerId="ADAL" clId="{550CABA9-33F9-40BE-8201-FAC53EF37AB4}" dt="2024-03-26T13:37:56.122" v="2947" actId="478"/>
-          <ac:picMkLst>
-            <pc:docMk/>
-            <pc:sldMk cId="2636049592" sldId="292"/>
-            <ac:picMk id="8" creationId="{A5B76BA4-112A-45AD-F728-79F674E8265E}"/>
-          </ac:picMkLst>
-        </pc:picChg>
-        <pc:picChg chg="del">
-          <ac:chgData name="Laise Eduarda Paixão de Moraes" userId="ed9e5288-1c22-4d51-b69f-ec30695ef7d2" providerId="ADAL" clId="{550CABA9-33F9-40BE-8201-FAC53EF37AB4}" dt="2024-03-26T13:37:56.122" v="2947" actId="478"/>
-          <ac:picMkLst>
-            <pc:docMk/>
-            <pc:sldMk cId="2636049592" sldId="292"/>
-            <ac:picMk id="12" creationId="{664644BA-9009-2014-4E55-7965A14F598C}"/>
-          </ac:picMkLst>
-        </pc:picChg>
-        <pc:picChg chg="add del mod">
-          <ac:chgData name="Laise Eduarda Paixão de Moraes" userId="ed9e5288-1c22-4d51-b69f-ec30695ef7d2" providerId="ADAL" clId="{550CABA9-33F9-40BE-8201-FAC53EF37AB4}" dt="2024-03-26T13:41:14.488" v="3205" actId="21"/>
-          <ac:picMkLst>
-            <pc:docMk/>
-            <pc:sldMk cId="2636049592" sldId="292"/>
-            <ac:picMk id="13" creationId="{75CE3A28-97E2-69CC-153E-2853B9AB92A7}"/>
-          </ac:picMkLst>
-        </pc:picChg>
-        <pc:picChg chg="add mod">
-          <ac:chgData name="Laise Eduarda Paixão de Moraes" userId="ed9e5288-1c22-4d51-b69f-ec30695ef7d2" providerId="ADAL" clId="{550CABA9-33F9-40BE-8201-FAC53EF37AB4}" dt="2024-03-26T13:41:35.497" v="3217" actId="208"/>
-          <ac:picMkLst>
-            <pc:docMk/>
-            <pc:sldMk cId="2636049592" sldId="292"/>
-            <ac:picMk id="14" creationId="{75CE3A28-97E2-69CC-153E-2853B9AB92A7}"/>
-          </ac:picMkLst>
-        </pc:picChg>
       </pc:sldChg>
       <pc:sldChg chg="add">
         <pc:chgData name="Laise Eduarda Paixão de Moraes" userId="ed9e5288-1c22-4d51-b69f-ec30695ef7d2" providerId="ADAL" clId="{550CABA9-33F9-40BE-8201-FAC53EF37AB4}" dt="2024-03-26T13:45:24.640" v="3251"/>
@@ -1895,46 +765,6 @@
           <pc:docMk/>
           <pc:sldMasterMk cId="2945624064" sldId="2147483648"/>
         </pc:sldMasterMkLst>
-        <pc:spChg chg="mod">
-          <ac:chgData name="Laise Eduarda Paixão de Moraes" userId="ed9e5288-1c22-4d51-b69f-ec30695ef7d2" providerId="ADAL" clId="{550CABA9-33F9-40BE-8201-FAC53EF37AB4}" dt="2024-03-26T12:18:35.287" v="0"/>
-          <ac:spMkLst>
-            <pc:docMk/>
-            <pc:sldMasterMk cId="2945624064" sldId="2147483648"/>
-            <ac:spMk id="2" creationId="{2D679E43-A6DD-F19A-7538-7BA92E663F8D}"/>
-          </ac:spMkLst>
-        </pc:spChg>
-        <pc:spChg chg="mod">
-          <ac:chgData name="Laise Eduarda Paixão de Moraes" userId="ed9e5288-1c22-4d51-b69f-ec30695ef7d2" providerId="ADAL" clId="{550CABA9-33F9-40BE-8201-FAC53EF37AB4}" dt="2024-03-26T12:18:35.287" v="0"/>
-          <ac:spMkLst>
-            <pc:docMk/>
-            <pc:sldMasterMk cId="2945624064" sldId="2147483648"/>
-            <ac:spMk id="3" creationId="{48502D49-164D-8664-1D01-35823A685D20}"/>
-          </ac:spMkLst>
-        </pc:spChg>
-        <pc:spChg chg="mod">
-          <ac:chgData name="Laise Eduarda Paixão de Moraes" userId="ed9e5288-1c22-4d51-b69f-ec30695ef7d2" providerId="ADAL" clId="{550CABA9-33F9-40BE-8201-FAC53EF37AB4}" dt="2024-03-26T12:18:35.287" v="0"/>
-          <ac:spMkLst>
-            <pc:docMk/>
-            <pc:sldMasterMk cId="2945624064" sldId="2147483648"/>
-            <ac:spMk id="4" creationId="{E04DA445-E45A-F4FF-B473-767BA065576B}"/>
-          </ac:spMkLst>
-        </pc:spChg>
-        <pc:spChg chg="mod">
-          <ac:chgData name="Laise Eduarda Paixão de Moraes" userId="ed9e5288-1c22-4d51-b69f-ec30695ef7d2" providerId="ADAL" clId="{550CABA9-33F9-40BE-8201-FAC53EF37AB4}" dt="2024-03-26T12:18:35.287" v="0"/>
-          <ac:spMkLst>
-            <pc:docMk/>
-            <pc:sldMasterMk cId="2945624064" sldId="2147483648"/>
-            <ac:spMk id="5" creationId="{95F6836E-25ED-2F50-FEE3-1169E113733B}"/>
-          </ac:spMkLst>
-        </pc:spChg>
-        <pc:spChg chg="mod">
-          <ac:chgData name="Laise Eduarda Paixão de Moraes" userId="ed9e5288-1c22-4d51-b69f-ec30695ef7d2" providerId="ADAL" clId="{550CABA9-33F9-40BE-8201-FAC53EF37AB4}" dt="2024-03-26T12:18:35.287" v="0"/>
-          <ac:spMkLst>
-            <pc:docMk/>
-            <pc:sldMasterMk cId="2945624064" sldId="2147483648"/>
-            <ac:spMk id="6" creationId="{B232348C-00DF-D0E7-4743-4E39E8E494E7}"/>
-          </ac:spMkLst>
-        </pc:spChg>
         <pc:sldLayoutChg chg="modSp">
           <pc:chgData name="Laise Eduarda Paixão de Moraes" userId="ed9e5288-1c22-4d51-b69f-ec30695ef7d2" providerId="ADAL" clId="{550CABA9-33F9-40BE-8201-FAC53EF37AB4}" dt="2024-03-26T12:18:35.287" v="0"/>
           <pc:sldLayoutMkLst>
@@ -1942,24 +772,6 @@
             <pc:sldMasterMk cId="2945624064" sldId="2147483648"/>
             <pc:sldLayoutMk cId="3563121748" sldId="2147483649"/>
           </pc:sldLayoutMkLst>
-          <pc:spChg chg="mod">
-            <ac:chgData name="Laise Eduarda Paixão de Moraes" userId="ed9e5288-1c22-4d51-b69f-ec30695ef7d2" providerId="ADAL" clId="{550CABA9-33F9-40BE-8201-FAC53EF37AB4}" dt="2024-03-26T12:18:35.287" v="0"/>
-            <ac:spMkLst>
-              <pc:docMk/>
-              <pc:sldMasterMk cId="2945624064" sldId="2147483648"/>
-              <pc:sldLayoutMk cId="3563121748" sldId="2147483649"/>
-              <ac:spMk id="2" creationId="{C002E468-4738-1855-6E3D-EE513DD9031E}"/>
-            </ac:spMkLst>
-          </pc:spChg>
-          <pc:spChg chg="mod">
-            <ac:chgData name="Laise Eduarda Paixão de Moraes" userId="ed9e5288-1c22-4d51-b69f-ec30695ef7d2" providerId="ADAL" clId="{550CABA9-33F9-40BE-8201-FAC53EF37AB4}" dt="2024-03-26T12:18:35.287" v="0"/>
-            <ac:spMkLst>
-              <pc:docMk/>
-              <pc:sldMasterMk cId="2945624064" sldId="2147483648"/>
-              <pc:sldLayoutMk cId="3563121748" sldId="2147483649"/>
-              <ac:spMk id="3" creationId="{69DA5F92-7D3F-2029-C1AE-CC6C93876C26}"/>
-            </ac:spMkLst>
-          </pc:spChg>
         </pc:sldLayoutChg>
         <pc:sldLayoutChg chg="modSp">
           <pc:chgData name="Laise Eduarda Paixão de Moraes" userId="ed9e5288-1c22-4d51-b69f-ec30695ef7d2" providerId="ADAL" clId="{550CABA9-33F9-40BE-8201-FAC53EF37AB4}" dt="2024-03-26T12:18:35.287" v="0"/>
@@ -1968,24 +780,6 @@
             <pc:sldMasterMk cId="2945624064" sldId="2147483648"/>
             <pc:sldLayoutMk cId="2671189044" sldId="2147483651"/>
           </pc:sldLayoutMkLst>
-          <pc:spChg chg="mod">
-            <ac:chgData name="Laise Eduarda Paixão de Moraes" userId="ed9e5288-1c22-4d51-b69f-ec30695ef7d2" providerId="ADAL" clId="{550CABA9-33F9-40BE-8201-FAC53EF37AB4}" dt="2024-03-26T12:18:35.287" v="0"/>
-            <ac:spMkLst>
-              <pc:docMk/>
-              <pc:sldMasterMk cId="2945624064" sldId="2147483648"/>
-              <pc:sldLayoutMk cId="2671189044" sldId="2147483651"/>
-              <ac:spMk id="2" creationId="{7D5CCB67-D7F8-AE36-D2E2-1D3A553D604F}"/>
-            </ac:spMkLst>
-          </pc:spChg>
-          <pc:spChg chg="mod">
-            <ac:chgData name="Laise Eduarda Paixão de Moraes" userId="ed9e5288-1c22-4d51-b69f-ec30695ef7d2" providerId="ADAL" clId="{550CABA9-33F9-40BE-8201-FAC53EF37AB4}" dt="2024-03-26T12:18:35.287" v="0"/>
-            <ac:spMkLst>
-              <pc:docMk/>
-              <pc:sldMasterMk cId="2945624064" sldId="2147483648"/>
-              <pc:sldLayoutMk cId="2671189044" sldId="2147483651"/>
-              <ac:spMk id="3" creationId="{A2A13CF7-292E-D9B2-E5AD-345FBDE9793E}"/>
-            </ac:spMkLst>
-          </pc:spChg>
         </pc:sldLayoutChg>
         <pc:sldLayoutChg chg="modSp">
           <pc:chgData name="Laise Eduarda Paixão de Moraes" userId="ed9e5288-1c22-4d51-b69f-ec30695ef7d2" providerId="ADAL" clId="{550CABA9-33F9-40BE-8201-FAC53EF37AB4}" dt="2024-03-26T12:18:35.287" v="0"/>
@@ -1994,24 +788,6 @@
             <pc:sldMasterMk cId="2945624064" sldId="2147483648"/>
             <pc:sldLayoutMk cId="1422337165" sldId="2147483652"/>
           </pc:sldLayoutMkLst>
-          <pc:spChg chg="mod">
-            <ac:chgData name="Laise Eduarda Paixão de Moraes" userId="ed9e5288-1c22-4d51-b69f-ec30695ef7d2" providerId="ADAL" clId="{550CABA9-33F9-40BE-8201-FAC53EF37AB4}" dt="2024-03-26T12:18:35.287" v="0"/>
-            <ac:spMkLst>
-              <pc:docMk/>
-              <pc:sldMasterMk cId="2945624064" sldId="2147483648"/>
-              <pc:sldLayoutMk cId="1422337165" sldId="2147483652"/>
-              <ac:spMk id="3" creationId="{BC6C51D7-0136-0AD1-44A5-A5003C2CBAD9}"/>
-            </ac:spMkLst>
-          </pc:spChg>
-          <pc:spChg chg="mod">
-            <ac:chgData name="Laise Eduarda Paixão de Moraes" userId="ed9e5288-1c22-4d51-b69f-ec30695ef7d2" providerId="ADAL" clId="{550CABA9-33F9-40BE-8201-FAC53EF37AB4}" dt="2024-03-26T12:18:35.287" v="0"/>
-            <ac:spMkLst>
-              <pc:docMk/>
-              <pc:sldMasterMk cId="2945624064" sldId="2147483648"/>
-              <pc:sldLayoutMk cId="1422337165" sldId="2147483652"/>
-              <ac:spMk id="4" creationId="{D36F2650-0FB3-2912-D947-EAAF2B278075}"/>
-            </ac:spMkLst>
-          </pc:spChg>
         </pc:sldLayoutChg>
         <pc:sldLayoutChg chg="modSp">
           <pc:chgData name="Laise Eduarda Paixão de Moraes" userId="ed9e5288-1c22-4d51-b69f-ec30695ef7d2" providerId="ADAL" clId="{550CABA9-33F9-40BE-8201-FAC53EF37AB4}" dt="2024-03-26T12:18:35.287" v="0"/>
@@ -2020,51 +796,6 @@
             <pc:sldMasterMk cId="2945624064" sldId="2147483648"/>
             <pc:sldLayoutMk cId="1242798567" sldId="2147483653"/>
           </pc:sldLayoutMkLst>
-          <pc:spChg chg="mod">
-            <ac:chgData name="Laise Eduarda Paixão de Moraes" userId="ed9e5288-1c22-4d51-b69f-ec30695ef7d2" providerId="ADAL" clId="{550CABA9-33F9-40BE-8201-FAC53EF37AB4}" dt="2024-03-26T12:18:35.287" v="0"/>
-            <ac:spMkLst>
-              <pc:docMk/>
-              <pc:sldMasterMk cId="2945624064" sldId="2147483648"/>
-              <pc:sldLayoutMk cId="1242798567" sldId="2147483653"/>
-              <ac:spMk id="2" creationId="{43459609-F424-807E-EA04-1F0AF7B9E8F1}"/>
-            </ac:spMkLst>
-          </pc:spChg>
-          <pc:spChg chg="mod">
-            <ac:chgData name="Laise Eduarda Paixão de Moraes" userId="ed9e5288-1c22-4d51-b69f-ec30695ef7d2" providerId="ADAL" clId="{550CABA9-33F9-40BE-8201-FAC53EF37AB4}" dt="2024-03-26T12:18:35.287" v="0"/>
-            <ac:spMkLst>
-              <pc:docMk/>
-              <pc:sldMasterMk cId="2945624064" sldId="2147483648"/>
-              <pc:sldLayoutMk cId="1242798567" sldId="2147483653"/>
-              <ac:spMk id="3" creationId="{62F5F637-BC59-A98D-CADA-17E1DC880C38}"/>
-            </ac:spMkLst>
-          </pc:spChg>
-          <pc:spChg chg="mod">
-            <ac:chgData name="Laise Eduarda Paixão de Moraes" userId="ed9e5288-1c22-4d51-b69f-ec30695ef7d2" providerId="ADAL" clId="{550CABA9-33F9-40BE-8201-FAC53EF37AB4}" dt="2024-03-26T12:18:35.287" v="0"/>
-            <ac:spMkLst>
-              <pc:docMk/>
-              <pc:sldMasterMk cId="2945624064" sldId="2147483648"/>
-              <pc:sldLayoutMk cId="1242798567" sldId="2147483653"/>
-              <ac:spMk id="4" creationId="{471D350B-15B7-91BD-ADF4-45CE62B724FC}"/>
-            </ac:spMkLst>
-          </pc:spChg>
-          <pc:spChg chg="mod">
-            <ac:chgData name="Laise Eduarda Paixão de Moraes" userId="ed9e5288-1c22-4d51-b69f-ec30695ef7d2" providerId="ADAL" clId="{550CABA9-33F9-40BE-8201-FAC53EF37AB4}" dt="2024-03-26T12:18:35.287" v="0"/>
-            <ac:spMkLst>
-              <pc:docMk/>
-              <pc:sldMasterMk cId="2945624064" sldId="2147483648"/>
-              <pc:sldLayoutMk cId="1242798567" sldId="2147483653"/>
-              <ac:spMk id="5" creationId="{ED2BF205-1E8C-02C5-9EE4-D51E12B1DE18}"/>
-            </ac:spMkLst>
-          </pc:spChg>
-          <pc:spChg chg="mod">
-            <ac:chgData name="Laise Eduarda Paixão de Moraes" userId="ed9e5288-1c22-4d51-b69f-ec30695ef7d2" providerId="ADAL" clId="{550CABA9-33F9-40BE-8201-FAC53EF37AB4}" dt="2024-03-26T12:18:35.287" v="0"/>
-            <ac:spMkLst>
-              <pc:docMk/>
-              <pc:sldMasterMk cId="2945624064" sldId="2147483648"/>
-              <pc:sldLayoutMk cId="1242798567" sldId="2147483653"/>
-              <ac:spMk id="6" creationId="{74D57E2A-DB11-77A9-86BC-391F67194629}"/>
-            </ac:spMkLst>
-          </pc:spChg>
         </pc:sldLayoutChg>
         <pc:sldLayoutChg chg="modSp">
           <pc:chgData name="Laise Eduarda Paixão de Moraes" userId="ed9e5288-1c22-4d51-b69f-ec30695ef7d2" providerId="ADAL" clId="{550CABA9-33F9-40BE-8201-FAC53EF37AB4}" dt="2024-03-26T12:18:35.287" v="0"/>
@@ -2073,33 +804,6 @@
             <pc:sldMasterMk cId="2945624064" sldId="2147483648"/>
             <pc:sldLayoutMk cId="2850160836" sldId="2147483656"/>
           </pc:sldLayoutMkLst>
-          <pc:spChg chg="mod">
-            <ac:chgData name="Laise Eduarda Paixão de Moraes" userId="ed9e5288-1c22-4d51-b69f-ec30695ef7d2" providerId="ADAL" clId="{550CABA9-33F9-40BE-8201-FAC53EF37AB4}" dt="2024-03-26T12:18:35.287" v="0"/>
-            <ac:spMkLst>
-              <pc:docMk/>
-              <pc:sldMasterMk cId="2945624064" sldId="2147483648"/>
-              <pc:sldLayoutMk cId="2850160836" sldId="2147483656"/>
-              <ac:spMk id="2" creationId="{9B9489F5-C96D-62FC-F960-5D2C0B3C250D}"/>
-            </ac:spMkLst>
-          </pc:spChg>
-          <pc:spChg chg="mod">
-            <ac:chgData name="Laise Eduarda Paixão de Moraes" userId="ed9e5288-1c22-4d51-b69f-ec30695ef7d2" providerId="ADAL" clId="{550CABA9-33F9-40BE-8201-FAC53EF37AB4}" dt="2024-03-26T12:18:35.287" v="0"/>
-            <ac:spMkLst>
-              <pc:docMk/>
-              <pc:sldMasterMk cId="2945624064" sldId="2147483648"/>
-              <pc:sldLayoutMk cId="2850160836" sldId="2147483656"/>
-              <ac:spMk id="3" creationId="{C5FA4BE6-2B80-4A3B-071B-569E7A44DD64}"/>
-            </ac:spMkLst>
-          </pc:spChg>
-          <pc:spChg chg="mod">
-            <ac:chgData name="Laise Eduarda Paixão de Moraes" userId="ed9e5288-1c22-4d51-b69f-ec30695ef7d2" providerId="ADAL" clId="{550CABA9-33F9-40BE-8201-FAC53EF37AB4}" dt="2024-03-26T12:18:35.287" v="0"/>
-            <ac:spMkLst>
-              <pc:docMk/>
-              <pc:sldMasterMk cId="2945624064" sldId="2147483648"/>
-              <pc:sldLayoutMk cId="2850160836" sldId="2147483656"/>
-              <ac:spMk id="4" creationId="{7739E64D-D76F-542E-C67F-C18BFC54363B}"/>
-            </ac:spMkLst>
-          </pc:spChg>
         </pc:sldLayoutChg>
         <pc:sldLayoutChg chg="modSp">
           <pc:chgData name="Laise Eduarda Paixão de Moraes" userId="ed9e5288-1c22-4d51-b69f-ec30695ef7d2" providerId="ADAL" clId="{550CABA9-33F9-40BE-8201-FAC53EF37AB4}" dt="2024-03-26T12:18:35.287" v="0"/>
@@ -2108,33 +812,6 @@
             <pc:sldMasterMk cId="2945624064" sldId="2147483648"/>
             <pc:sldLayoutMk cId="3564057293" sldId="2147483657"/>
           </pc:sldLayoutMkLst>
-          <pc:spChg chg="mod">
-            <ac:chgData name="Laise Eduarda Paixão de Moraes" userId="ed9e5288-1c22-4d51-b69f-ec30695ef7d2" providerId="ADAL" clId="{550CABA9-33F9-40BE-8201-FAC53EF37AB4}" dt="2024-03-26T12:18:35.287" v="0"/>
-            <ac:spMkLst>
-              <pc:docMk/>
-              <pc:sldMasterMk cId="2945624064" sldId="2147483648"/>
-              <pc:sldLayoutMk cId="3564057293" sldId="2147483657"/>
-              <ac:spMk id="2" creationId="{5534220F-0663-1AE2-EADD-B8790AA6C629}"/>
-            </ac:spMkLst>
-          </pc:spChg>
-          <pc:spChg chg="mod">
-            <ac:chgData name="Laise Eduarda Paixão de Moraes" userId="ed9e5288-1c22-4d51-b69f-ec30695ef7d2" providerId="ADAL" clId="{550CABA9-33F9-40BE-8201-FAC53EF37AB4}" dt="2024-03-26T12:18:35.287" v="0"/>
-            <ac:spMkLst>
-              <pc:docMk/>
-              <pc:sldMasterMk cId="2945624064" sldId="2147483648"/>
-              <pc:sldLayoutMk cId="3564057293" sldId="2147483657"/>
-              <ac:spMk id="3" creationId="{27BBC5DF-CA08-8F24-B74A-93BC67705100}"/>
-            </ac:spMkLst>
-          </pc:spChg>
-          <pc:spChg chg="mod">
-            <ac:chgData name="Laise Eduarda Paixão de Moraes" userId="ed9e5288-1c22-4d51-b69f-ec30695ef7d2" providerId="ADAL" clId="{550CABA9-33F9-40BE-8201-FAC53EF37AB4}" dt="2024-03-26T12:18:35.287" v="0"/>
-            <ac:spMkLst>
-              <pc:docMk/>
-              <pc:sldMasterMk cId="2945624064" sldId="2147483648"/>
-              <pc:sldLayoutMk cId="3564057293" sldId="2147483657"/>
-              <ac:spMk id="4" creationId="{B07E51B9-176D-B79E-21FC-9BCD1DCCC86F}"/>
-            </ac:spMkLst>
-          </pc:spChg>
         </pc:sldLayoutChg>
         <pc:sldLayoutChg chg="modSp">
           <pc:chgData name="Laise Eduarda Paixão de Moraes" userId="ed9e5288-1c22-4d51-b69f-ec30695ef7d2" providerId="ADAL" clId="{550CABA9-33F9-40BE-8201-FAC53EF37AB4}" dt="2024-03-26T12:18:35.287" v="0"/>
@@ -2143,24 +820,6 @@
             <pc:sldMasterMk cId="2945624064" sldId="2147483648"/>
             <pc:sldLayoutMk cId="3013981883" sldId="2147483659"/>
           </pc:sldLayoutMkLst>
-          <pc:spChg chg="mod">
-            <ac:chgData name="Laise Eduarda Paixão de Moraes" userId="ed9e5288-1c22-4d51-b69f-ec30695ef7d2" providerId="ADAL" clId="{550CABA9-33F9-40BE-8201-FAC53EF37AB4}" dt="2024-03-26T12:18:35.287" v="0"/>
-            <ac:spMkLst>
-              <pc:docMk/>
-              <pc:sldMasterMk cId="2945624064" sldId="2147483648"/>
-              <pc:sldLayoutMk cId="3013981883" sldId="2147483659"/>
-              <ac:spMk id="2" creationId="{DDB044FD-C6DB-1ED8-DABE-FFF8E9D70969}"/>
-            </ac:spMkLst>
-          </pc:spChg>
-          <pc:spChg chg="mod">
-            <ac:chgData name="Laise Eduarda Paixão de Moraes" userId="ed9e5288-1c22-4d51-b69f-ec30695ef7d2" providerId="ADAL" clId="{550CABA9-33F9-40BE-8201-FAC53EF37AB4}" dt="2024-03-26T12:18:35.287" v="0"/>
-            <ac:spMkLst>
-              <pc:docMk/>
-              <pc:sldMasterMk cId="2945624064" sldId="2147483648"/>
-              <pc:sldLayoutMk cId="3013981883" sldId="2147483659"/>
-              <ac:spMk id="3" creationId="{9FC26552-CB4B-E6A7-488F-D19F037D0E3E}"/>
-            </ac:spMkLst>
-          </pc:spChg>
         </pc:sldLayoutChg>
       </pc:sldMasterChg>
     </pc:docChg>
@@ -2299,7 +958,7 @@
           <a:p>
             <a:fld id="{C6D3316B-42F1-44EF-8D8A-8C034483755F}" type="datetimeFigureOut">
               <a:rPr lang="en-GB" smtClean="0"/>
-              <a:t>26/03/2024</a:t>
+              <a:t>07/04/2025</a:t>
             </a:fld>
             <a:endParaRPr lang="en-GB"/>
           </a:p>
@@ -2469,7 +1128,7 @@
           <a:p>
             <a:fld id="{C6D3316B-42F1-44EF-8D8A-8C034483755F}" type="datetimeFigureOut">
               <a:rPr lang="en-GB" smtClean="0"/>
-              <a:t>26/03/2024</a:t>
+              <a:t>07/04/2025</a:t>
             </a:fld>
             <a:endParaRPr lang="en-GB"/>
           </a:p>
@@ -2649,7 +1308,7 @@
           <a:p>
             <a:fld id="{C6D3316B-42F1-44EF-8D8A-8C034483755F}" type="datetimeFigureOut">
               <a:rPr lang="en-GB" smtClean="0"/>
-              <a:t>26/03/2024</a:t>
+              <a:t>07/04/2025</a:t>
             </a:fld>
             <a:endParaRPr lang="en-GB"/>
           </a:p>
@@ -2819,7 +1478,7 @@
           <a:p>
             <a:fld id="{C6D3316B-42F1-44EF-8D8A-8C034483755F}" type="datetimeFigureOut">
               <a:rPr lang="en-GB" smtClean="0"/>
-              <a:t>26/03/2024</a:t>
+              <a:t>07/04/2025</a:t>
             </a:fld>
             <a:endParaRPr lang="en-GB"/>
           </a:p>
@@ -3065,7 +1724,7 @@
           <a:p>
             <a:fld id="{C6D3316B-42F1-44EF-8D8A-8C034483755F}" type="datetimeFigureOut">
               <a:rPr lang="en-GB" smtClean="0"/>
-              <a:t>26/03/2024</a:t>
+              <a:t>07/04/2025</a:t>
             </a:fld>
             <a:endParaRPr lang="en-GB"/>
           </a:p>
@@ -3297,7 +1956,7 @@
           <a:p>
             <a:fld id="{C6D3316B-42F1-44EF-8D8A-8C034483755F}" type="datetimeFigureOut">
               <a:rPr lang="en-GB" smtClean="0"/>
-              <a:t>26/03/2024</a:t>
+              <a:t>07/04/2025</a:t>
             </a:fld>
             <a:endParaRPr lang="en-GB"/>
           </a:p>
@@ -3664,7 +2323,7 @@
           <a:p>
             <a:fld id="{C6D3316B-42F1-44EF-8D8A-8C034483755F}" type="datetimeFigureOut">
               <a:rPr lang="en-GB" smtClean="0"/>
-              <a:t>26/03/2024</a:t>
+              <a:t>07/04/2025</a:t>
             </a:fld>
             <a:endParaRPr lang="en-GB"/>
           </a:p>
@@ -3782,7 +2441,7 @@
           <a:p>
             <a:fld id="{C6D3316B-42F1-44EF-8D8A-8C034483755F}" type="datetimeFigureOut">
               <a:rPr lang="en-GB" smtClean="0"/>
-              <a:t>26/03/2024</a:t>
+              <a:t>07/04/2025</a:t>
             </a:fld>
             <a:endParaRPr lang="en-GB"/>
           </a:p>
@@ -3877,7 +2536,7 @@
           <a:p>
             <a:fld id="{C6D3316B-42F1-44EF-8D8A-8C034483755F}" type="datetimeFigureOut">
               <a:rPr lang="en-GB" smtClean="0"/>
-              <a:t>26/03/2024</a:t>
+              <a:t>07/04/2025</a:t>
             </a:fld>
             <a:endParaRPr lang="en-GB"/>
           </a:p>
@@ -4154,7 +2813,7 @@
           <a:p>
             <a:fld id="{C6D3316B-42F1-44EF-8D8A-8C034483755F}" type="datetimeFigureOut">
               <a:rPr lang="en-GB" smtClean="0"/>
-              <a:t>26/03/2024</a:t>
+              <a:t>07/04/2025</a:t>
             </a:fld>
             <a:endParaRPr lang="en-GB"/>
           </a:p>
@@ -4411,7 +3070,7 @@
           <a:p>
             <a:fld id="{C6D3316B-42F1-44EF-8D8A-8C034483755F}" type="datetimeFigureOut">
               <a:rPr lang="en-GB" smtClean="0"/>
-              <a:t>26/03/2024</a:t>
+              <a:t>07/04/2025</a:t>
             </a:fld>
             <a:endParaRPr lang="en-GB"/>
           </a:p>
@@ -4624,7 +3283,7 @@
           <a:p>
             <a:fld id="{C6D3316B-42F1-44EF-8D8A-8C034483755F}" type="datetimeFigureOut">
               <a:rPr lang="en-GB" smtClean="0"/>
-              <a:t>26/03/2024</a:t>
+              <a:t>07/04/2025</a:t>
             </a:fld>
             <a:endParaRPr lang="en-GB"/>
           </a:p>
@@ -5114,7 +3773,13 @@
           <a:p>
             <a:r>
               <a:rPr lang="en-GB" sz="4800" b="1" dirty="0"/>
-              <a:t>COMO PROCURAR ARTIGOS CIENTÍFICOS</a:t>
+              <a:t>COMO</a:t>
+            </a:r>
+          </a:p>
+          <a:p>
+            <a:r>
+              <a:rPr lang="en-GB" sz="4800" b="1" dirty="0"/>
+              <a:t>BUSCAR ARTIGOS CIENTÍFICOS</a:t>
             </a:r>
           </a:p>
         </p:txBody>
@@ -5170,7 +3835,7 @@
           <a:p>
             <a:r>
               <a:rPr lang="en-GB" dirty="0"/>
-              <a:t>2024</a:t>
+              <a:t>Atualizado: 2025-04-07</a:t>
             </a:r>
           </a:p>
         </p:txBody>
@@ -5371,18 +4036,38 @@
             </a:pPr>
             <a:r>
               <a:rPr lang="pt-BR" sz="2400" dirty="0"/>
-              <a:t>Base de dados de acesso público da Biblioteca Nacional de Medicina dos EUA.</a:t>
-            </a:r>
-            <a:endParaRPr lang="pt-BR" sz="2400" b="1" dirty="0"/>
+              <a:t>Acessar: </a:t>
+            </a:r>
+            <a:r>
+              <a:rPr lang="pt-BR" sz="2400" dirty="0">
+                <a:hlinkClick r:id="rId2"/>
+              </a:rPr>
+              <a:t>https://pubmed.ncbi.nlm.nih.gov/</a:t>
+            </a:r>
+            <a:endParaRPr lang="pt-BR" sz="2400" dirty="0"/>
+          </a:p>
+          <a:p>
+            <a:pPr marL="342900" indent="-342900">
+              <a:buFont typeface="Arial" panose="020B0604020202020204" pitchFamily="34" charset="0"/>
+              <a:buChar char="•"/>
+            </a:pPr>
+            <a:r>
+              <a:rPr lang="pt-BR" sz="2400" dirty="0"/>
+              <a:t>Escrever os termos que deseja buscar e clicar em </a:t>
+            </a:r>
+            <a:r>
+              <a:rPr lang="pt-BR" sz="2400" b="1" dirty="0"/>
+              <a:t>Search</a:t>
+            </a:r>
           </a:p>
         </p:txBody>
       </p:sp>
       <p:pic>
         <p:nvPicPr>
-          <p:cNvPr id="10" name="Picture 9">
-            <a:extLst>
-              <a:ext uri="{FF2B5EF4-FFF2-40B4-BE49-F238E27FC236}">
-                <a16:creationId xmlns:a16="http://schemas.microsoft.com/office/drawing/2014/main" id="{251E3958-618C-93C3-217B-04F4EE1D7C4D}"/>
+          <p:cNvPr id="11" name="Picture 10">
+            <a:extLst>
+              <a:ext uri="{FF2B5EF4-FFF2-40B4-BE49-F238E27FC236}">
+                <a16:creationId xmlns:a16="http://schemas.microsoft.com/office/drawing/2014/main" id="{98790F27-C5CB-4664-B2E3-B7780E7B0259}"/>
               </a:ext>
             </a:extLst>
           </p:cNvPr>
@@ -5392,32 +4077,129 @@
           <p:nvPr/>
         </p:nvPicPr>
         <p:blipFill>
-          <a:blip r:embed="rId2"/>
+          <a:blip r:embed="rId3"/>
           <a:stretch>
             <a:fillRect/>
           </a:stretch>
         </p:blipFill>
         <p:spPr>
           <a:xfrm>
-            <a:off x="0" y="2679205"/>
-            <a:ext cx="9144000" cy="3823689"/>
+            <a:off x="571500" y="2902764"/>
+            <a:ext cx="8000999" cy="3061812"/>
           </a:xfrm>
           <a:prstGeom prst="rect">
             <a:avLst/>
           </a:prstGeom>
+        </p:spPr>
+      </p:pic>
+      <p:sp>
+        <p:nvSpPr>
+          <p:cNvPr id="12" name="Arrow: Right 11">
+            <a:extLst>
+              <a:ext uri="{FF2B5EF4-FFF2-40B4-BE49-F238E27FC236}">
+                <a16:creationId xmlns:a16="http://schemas.microsoft.com/office/drawing/2014/main" id="{AD7CCC8D-9336-4875-2374-C2F9A6A72C87}"/>
+              </a:ext>
+            </a:extLst>
+          </p:cNvPr>
+          <p:cNvSpPr/>
+          <p:nvPr/>
+        </p:nvSpPr>
+        <p:spPr>
+          <a:xfrm rot="11814143">
+            <a:off x="1585716" y="3944655"/>
+            <a:ext cx="1175309" cy="605061"/>
+          </a:xfrm>
+          <a:prstGeom prst="rightArrow">
+            <a:avLst/>
+          </a:prstGeom>
+          <a:solidFill>
+            <a:srgbClr val="FF0000"/>
+          </a:solidFill>
           <a:ln>
-            <a:solidFill>
-              <a:schemeClr val="accent1">
-                <a:lumMod val="75000"/>
-              </a:schemeClr>
-            </a:solidFill>
+            <a:noFill/>
           </a:ln>
         </p:spPr>
-      </p:pic>
+        <p:style>
+          <a:lnRef idx="2">
+            <a:schemeClr val="accent1">
+              <a:shade val="15000"/>
+            </a:schemeClr>
+          </a:lnRef>
+          <a:fillRef idx="1">
+            <a:schemeClr val="accent1"/>
+          </a:fillRef>
+          <a:effectRef idx="0">
+            <a:schemeClr val="accent1"/>
+          </a:effectRef>
+          <a:fontRef idx="minor">
+            <a:schemeClr val="lt1"/>
+          </a:fontRef>
+        </p:style>
+        <p:txBody>
+          <a:bodyPr rtlCol="0" anchor="ctr"/>
+          <a:lstStyle/>
+          <a:p>
+            <a:pPr algn="ctr"/>
+            <a:endParaRPr lang="en-GB"/>
+          </a:p>
+        </p:txBody>
+      </p:sp>
+      <p:sp>
+        <p:nvSpPr>
+          <p:cNvPr id="13" name="Arrow: Right 12">
+            <a:extLst>
+              <a:ext uri="{FF2B5EF4-FFF2-40B4-BE49-F238E27FC236}">
+                <a16:creationId xmlns:a16="http://schemas.microsoft.com/office/drawing/2014/main" id="{6C665496-D4B6-A17C-AF7F-3A6FC314C997}"/>
+              </a:ext>
+            </a:extLst>
+          </p:cNvPr>
+          <p:cNvSpPr/>
+          <p:nvPr/>
+        </p:nvSpPr>
+        <p:spPr>
+          <a:xfrm rot="20875553">
+            <a:off x="6583857" y="4053710"/>
+            <a:ext cx="1151300" cy="386951"/>
+          </a:xfrm>
+          <a:prstGeom prst="rightArrow">
+            <a:avLst/>
+          </a:prstGeom>
+          <a:solidFill>
+            <a:srgbClr val="FF0000"/>
+          </a:solidFill>
+          <a:ln>
+            <a:noFill/>
+          </a:ln>
+        </p:spPr>
+        <p:style>
+          <a:lnRef idx="2">
+            <a:schemeClr val="accent1">
+              <a:shade val="15000"/>
+            </a:schemeClr>
+          </a:lnRef>
+          <a:fillRef idx="1">
+            <a:schemeClr val="accent1"/>
+          </a:fillRef>
+          <a:effectRef idx="0">
+            <a:schemeClr val="accent1"/>
+          </a:effectRef>
+          <a:fontRef idx="minor">
+            <a:schemeClr val="lt1"/>
+          </a:fontRef>
+        </p:style>
+        <p:txBody>
+          <a:bodyPr rtlCol="0" anchor="ctr"/>
+          <a:lstStyle/>
+          <a:p>
+            <a:pPr algn="ctr"/>
+            <a:endParaRPr lang="en-GB"/>
+          </a:p>
+        </p:txBody>
+      </p:sp>
     </p:spTree>
     <p:extLst>
       <p:ext uri="{BB962C8B-B14F-4D97-AF65-F5344CB8AC3E}">
-        <p14:creationId xmlns:p14="http://schemas.microsoft.com/office/powerpoint/2010/main" val="2611429961"/>
+        <p14:creationId xmlns:p14="http://schemas.microsoft.com/office/powerpoint/2010/main" val="763938762"/>
       </p:ext>
     </p:extLst>
   </p:cSld>
@@ -5568,15 +4350,8 @@
             </a:pPr>
             <a:r>
               <a:rPr lang="pt-BR" sz="2400" dirty="0"/>
-              <a:t>Acessar: </a:t>
-            </a:r>
-            <a:r>
-              <a:rPr lang="pt-BR" sz="2400" dirty="0">
-                <a:hlinkClick r:id="rId2"/>
-              </a:rPr>
-              <a:t>https://pubmed.ncbi.nlm.nih.gov/</a:t>
-            </a:r>
-            <a:endParaRPr lang="pt-BR" sz="2400" dirty="0"/>
+              <a:t>Explorar os filtros e ferramentas, caso pertinente</a:t>
+            </a:r>
           </a:p>
           <a:p>
             <a:pPr marL="342900" indent="-342900">
@@ -5585,21 +4360,17 @@
             </a:pPr>
             <a:r>
               <a:rPr lang="pt-BR" sz="2400" dirty="0"/>
-              <a:t>Escrever os termos que deseja buscar e clicar em </a:t>
-            </a:r>
-            <a:r>
-              <a:rPr lang="pt-BR" sz="2400" b="1" dirty="0"/>
-              <a:t>Search</a:t>
+              <a:t>Clicar no título do artigo desejado</a:t>
             </a:r>
           </a:p>
         </p:txBody>
       </p:sp>
       <p:pic>
         <p:nvPicPr>
-          <p:cNvPr id="11" name="Picture 10">
-            <a:extLst>
-              <a:ext uri="{FF2B5EF4-FFF2-40B4-BE49-F238E27FC236}">
-                <a16:creationId xmlns:a16="http://schemas.microsoft.com/office/drawing/2014/main" id="{98790F27-C5CB-4664-B2E3-B7780E7B0259}"/>
+          <p:cNvPr id="3" name="Picture 2">
+            <a:extLst>
+              <a:ext uri="{FF2B5EF4-FFF2-40B4-BE49-F238E27FC236}">
+                <a16:creationId xmlns:a16="http://schemas.microsoft.com/office/drawing/2014/main" id="{E1504514-9DBC-8178-3360-0BAAAC8D2595}"/>
               </a:ext>
             </a:extLst>
           </p:cNvPr>
@@ -5608,16 +4379,15 @@
           </p:cNvPicPr>
           <p:nvPr/>
         </p:nvPicPr>
-        <p:blipFill>
-          <a:blip r:embed="rId3"/>
-          <a:stretch>
-            <a:fillRect/>
-          </a:stretch>
+        <p:blipFill rotWithShape="1">
+          <a:blip r:embed="rId2"/>
+          <a:srcRect b="18750"/>
+          <a:stretch/>
         </p:blipFill>
         <p:spPr>
           <a:xfrm>
-            <a:off x="571500" y="2902764"/>
-            <a:ext cx="8000999" cy="3061812"/>
+            <a:off x="1161142" y="2529106"/>
+            <a:ext cx="6821716" cy="4231068"/>
           </a:xfrm>
           <a:prstGeom prst="rect">
             <a:avLst/>
@@ -5626,10 +4396,10 @@
       </p:pic>
       <p:sp>
         <p:nvSpPr>
-          <p:cNvPr id="12" name="Arrow: Right 11">
-            <a:extLst>
-              <a:ext uri="{FF2B5EF4-FFF2-40B4-BE49-F238E27FC236}">
-                <a16:creationId xmlns:a16="http://schemas.microsoft.com/office/drawing/2014/main" id="{AD7CCC8D-9336-4875-2374-C2F9A6A72C87}"/>
+          <p:cNvPr id="6" name="Arrow: Right 5">
+            <a:extLst>
+              <a:ext uri="{FF2B5EF4-FFF2-40B4-BE49-F238E27FC236}">
+                <a16:creationId xmlns:a16="http://schemas.microsoft.com/office/drawing/2014/main" id="{922931E9-4FED-40B0-E2F6-61C164B2FDBC}"/>
               </a:ext>
             </a:extLst>
           </p:cNvPr>
@@ -5638,7 +4408,7 @@
         </p:nvSpPr>
         <p:spPr>
           <a:xfrm rot="11814143">
-            <a:off x="1585716" y="3944655"/>
+            <a:off x="4634571" y="4239931"/>
             <a:ext cx="1175309" cy="605061"/>
           </a:xfrm>
           <a:prstGeom prst="rightArrow">
@@ -5676,62 +4446,10 @@
           </a:p>
         </p:txBody>
       </p:sp>
-      <p:sp>
-        <p:nvSpPr>
-          <p:cNvPr id="13" name="Arrow: Right 12">
-            <a:extLst>
-              <a:ext uri="{FF2B5EF4-FFF2-40B4-BE49-F238E27FC236}">
-                <a16:creationId xmlns:a16="http://schemas.microsoft.com/office/drawing/2014/main" id="{6C665496-D4B6-A17C-AF7F-3A6FC314C997}"/>
-              </a:ext>
-            </a:extLst>
-          </p:cNvPr>
-          <p:cNvSpPr/>
-          <p:nvPr/>
-        </p:nvSpPr>
-        <p:spPr>
-          <a:xfrm rot="20875553">
-            <a:off x="6583857" y="4053710"/>
-            <a:ext cx="1151300" cy="386951"/>
-          </a:xfrm>
-          <a:prstGeom prst="rightArrow">
-            <a:avLst/>
-          </a:prstGeom>
-          <a:solidFill>
-            <a:srgbClr val="FF0000"/>
-          </a:solidFill>
-          <a:ln>
-            <a:noFill/>
-          </a:ln>
-        </p:spPr>
-        <p:style>
-          <a:lnRef idx="2">
-            <a:schemeClr val="accent1">
-              <a:shade val="15000"/>
-            </a:schemeClr>
-          </a:lnRef>
-          <a:fillRef idx="1">
-            <a:schemeClr val="accent1"/>
-          </a:fillRef>
-          <a:effectRef idx="0">
-            <a:schemeClr val="accent1"/>
-          </a:effectRef>
-          <a:fontRef idx="minor">
-            <a:schemeClr val="lt1"/>
-          </a:fontRef>
-        </p:style>
-        <p:txBody>
-          <a:bodyPr rtlCol="0" anchor="ctr"/>
-          <a:lstStyle/>
-          <a:p>
-            <a:pPr algn="ctr"/>
-            <a:endParaRPr lang="en-GB"/>
-          </a:p>
-        </p:txBody>
-      </p:sp>
     </p:spTree>
     <p:extLst>
       <p:ext uri="{BB962C8B-B14F-4D97-AF65-F5344CB8AC3E}">
-        <p14:creationId xmlns:p14="http://schemas.microsoft.com/office/powerpoint/2010/main" val="763938762"/>
+        <p14:creationId xmlns:p14="http://schemas.microsoft.com/office/powerpoint/2010/main" val="451727327"/>
       </p:ext>
     </p:extLst>
   </p:cSld>
@@ -5863,7 +4581,7 @@
         <p:spPr>
           <a:xfrm>
             <a:off x="429705" y="1593334"/>
-            <a:ext cx="8284589" cy="830997"/>
+            <a:ext cx="8284589" cy="1200329"/>
           </a:xfrm>
           <a:prstGeom prst="rect">
             <a:avLst/>
@@ -5882,27 +4600,21 @@
             </a:pPr>
             <a:r>
               <a:rPr lang="pt-BR" sz="2400" dirty="0"/>
-              <a:t>Explorar os filtros e ferramentas, caso pertinente</a:t>
-            </a:r>
-          </a:p>
-          <a:p>
-            <a:pPr marL="342900" indent="-342900">
-              <a:buFont typeface="Arial" panose="020B0604020202020204" pitchFamily="34" charset="0"/>
-              <a:buChar char="•"/>
-            </a:pPr>
-            <a:r>
-              <a:rPr lang="pt-BR" sz="2400" dirty="0"/>
-              <a:t>Clicar no título do artigo desejado</a:t>
+              <a:t>Alguns artigos redirecionam apenas para a página da revista de publicação, e outros, podem ter disponível no próprio PubMed como </a:t>
+            </a:r>
+            <a:r>
+              <a:rPr lang="pt-BR" sz="2400" b="1" dirty="0"/>
+              <a:t>PMC</a:t>
             </a:r>
           </a:p>
         </p:txBody>
       </p:sp>
       <p:pic>
         <p:nvPicPr>
-          <p:cNvPr id="3" name="Picture 2">
-            <a:extLst>
-              <a:ext uri="{FF2B5EF4-FFF2-40B4-BE49-F238E27FC236}">
-                <a16:creationId xmlns:a16="http://schemas.microsoft.com/office/drawing/2014/main" id="{E1504514-9DBC-8178-3360-0BAAAC8D2595}"/>
+          <p:cNvPr id="8" name="Picture 7">
+            <a:extLst>
+              <a:ext uri="{FF2B5EF4-FFF2-40B4-BE49-F238E27FC236}">
+                <a16:creationId xmlns:a16="http://schemas.microsoft.com/office/drawing/2014/main" id="{D8F3380A-156E-6FA4-6C35-36E4F2DB8A38}"/>
               </a:ext>
             </a:extLst>
           </p:cNvPr>
@@ -5911,27 +4623,72 @@
           </p:cNvPicPr>
           <p:nvPr/>
         </p:nvPicPr>
-        <p:blipFill rotWithShape="1">
+        <p:blipFill>
           <a:blip r:embed="rId2"/>
-          <a:srcRect b="18750"/>
-          <a:stretch/>
+          <a:stretch>
+            <a:fillRect/>
+          </a:stretch>
         </p:blipFill>
         <p:spPr>
           <a:xfrm>
-            <a:off x="1161142" y="2529106"/>
-            <a:ext cx="6821716" cy="4231068"/>
+            <a:off x="429705" y="2929769"/>
+            <a:ext cx="6225070" cy="1572719"/>
           </a:xfrm>
           <a:prstGeom prst="rect">
             <a:avLst/>
           </a:prstGeom>
+          <a:ln>
+            <a:solidFill>
+              <a:schemeClr val="accent1">
+                <a:lumMod val="75000"/>
+              </a:schemeClr>
+            </a:solidFill>
+          </a:ln>
         </p:spPr>
       </p:pic>
-      <p:sp>
-        <p:nvSpPr>
-          <p:cNvPr id="6" name="Arrow: Right 5">
-            <a:extLst>
-              <a:ext uri="{FF2B5EF4-FFF2-40B4-BE49-F238E27FC236}">
-                <a16:creationId xmlns:a16="http://schemas.microsoft.com/office/drawing/2014/main" id="{922931E9-4FED-40B0-E2F6-61C164B2FDBC}"/>
+      <p:pic>
+        <p:nvPicPr>
+          <p:cNvPr id="10" name="Picture 9">
+            <a:extLst>
+              <a:ext uri="{FF2B5EF4-FFF2-40B4-BE49-F238E27FC236}">
+                <a16:creationId xmlns:a16="http://schemas.microsoft.com/office/drawing/2014/main" id="{BEDDDBC7-A15A-3E48-B149-D591D53B7642}"/>
+              </a:ext>
+            </a:extLst>
+          </p:cNvPr>
+          <p:cNvPicPr>
+            <a:picLocks noChangeAspect="1"/>
+          </p:cNvPicPr>
+          <p:nvPr/>
+        </p:nvPicPr>
+        <p:blipFill>
+          <a:blip r:embed="rId3"/>
+          <a:stretch>
+            <a:fillRect/>
+          </a:stretch>
+        </p:blipFill>
+        <p:spPr>
+          <a:xfrm>
+            <a:off x="2385276" y="4705256"/>
+            <a:ext cx="6231650" cy="1816194"/>
+          </a:xfrm>
+          <a:prstGeom prst="rect">
+            <a:avLst/>
+          </a:prstGeom>
+          <a:ln>
+            <a:solidFill>
+              <a:schemeClr val="accent1">
+                <a:lumMod val="75000"/>
+              </a:schemeClr>
+            </a:solidFill>
+          </a:ln>
+        </p:spPr>
+      </p:pic>
+      <p:sp>
+        <p:nvSpPr>
+          <p:cNvPr id="11" name="Arrow: Right 10">
+            <a:extLst>
+              <a:ext uri="{FF2B5EF4-FFF2-40B4-BE49-F238E27FC236}">
+                <a16:creationId xmlns:a16="http://schemas.microsoft.com/office/drawing/2014/main" id="{A0D24587-0CDA-5157-1CC6-A0A5F75468F7}"/>
               </a:ext>
             </a:extLst>
           </p:cNvPr>
@@ -5939,8 +4696,8 @@
           <p:nvPr/>
         </p:nvSpPr>
         <p:spPr>
-          <a:xfrm rot="11814143">
-            <a:off x="4634571" y="4239931"/>
+          <a:xfrm rot="20913719">
+            <a:off x="6415745" y="5375194"/>
             <a:ext cx="1175309" cy="605061"/>
           </a:xfrm>
           <a:prstGeom prst="rightArrow">
@@ -5981,7 +4738,7 @@
     </p:spTree>
     <p:extLst>
       <p:ext uri="{BB962C8B-B14F-4D97-AF65-F5344CB8AC3E}">
-        <p14:creationId xmlns:p14="http://schemas.microsoft.com/office/powerpoint/2010/main" val="451727327"/>
+        <p14:creationId xmlns:p14="http://schemas.microsoft.com/office/powerpoint/2010/main" val="2487042716"/>
       </p:ext>
     </p:extLst>
   </p:cSld>
@@ -6113,7 +4870,7 @@
         <p:spPr>
           <a:xfrm>
             <a:off x="429705" y="1593334"/>
-            <a:ext cx="8284589" cy="1200329"/>
+            <a:ext cx="8284589" cy="830997"/>
           </a:xfrm>
           <a:prstGeom prst="rect">
             <a:avLst/>
@@ -6132,21 +4889,21 @@
             </a:pPr>
             <a:r>
               <a:rPr lang="pt-BR" sz="2400" dirty="0"/>
-              <a:t>Alguns artigos redirecionam apenas para a página da revista de publicação, e outros, podem ter disponível no próprio PubMed como </a:t>
+              <a:t>Quando disponível via PMC, o texto completo também pode ser baixado em </a:t>
             </a:r>
             <a:r>
               <a:rPr lang="pt-BR" sz="2400" b="1" dirty="0"/>
-              <a:t>PMC</a:t>
+              <a:t>PDF</a:t>
             </a:r>
           </a:p>
         </p:txBody>
       </p:sp>
       <p:pic>
         <p:nvPicPr>
-          <p:cNvPr id="8" name="Picture 7">
-            <a:extLst>
-              <a:ext uri="{FF2B5EF4-FFF2-40B4-BE49-F238E27FC236}">
-                <a16:creationId xmlns:a16="http://schemas.microsoft.com/office/drawing/2014/main" id="{D8F3380A-156E-6FA4-6C35-36E4F2DB8A38}"/>
+          <p:cNvPr id="6" name="Picture 5">
+            <a:extLst>
+              <a:ext uri="{FF2B5EF4-FFF2-40B4-BE49-F238E27FC236}">
+                <a16:creationId xmlns:a16="http://schemas.microsoft.com/office/drawing/2014/main" id="{E6D2A6AE-DAAB-BD4D-5A77-494EC3B979B5}"/>
               </a:ext>
             </a:extLst>
           </p:cNvPr>
@@ -6163,8 +4920,8 @@
         </p:blipFill>
         <p:spPr>
           <a:xfrm>
-            <a:off x="429705" y="2929769"/>
-            <a:ext cx="6225070" cy="1572719"/>
+            <a:off x="857250" y="2462431"/>
+            <a:ext cx="7429500" cy="4138497"/>
           </a:xfrm>
           <a:prstGeom prst="rect">
             <a:avLst/>
@@ -6178,49 +4935,12 @@
           </a:ln>
         </p:spPr>
       </p:pic>
-      <p:pic>
-        <p:nvPicPr>
-          <p:cNvPr id="10" name="Picture 9">
-            <a:extLst>
-              <a:ext uri="{FF2B5EF4-FFF2-40B4-BE49-F238E27FC236}">
-                <a16:creationId xmlns:a16="http://schemas.microsoft.com/office/drawing/2014/main" id="{BEDDDBC7-A15A-3E48-B149-D591D53B7642}"/>
-              </a:ext>
-            </a:extLst>
-          </p:cNvPr>
-          <p:cNvPicPr>
-            <a:picLocks noChangeAspect="1"/>
-          </p:cNvPicPr>
-          <p:nvPr/>
-        </p:nvPicPr>
-        <p:blipFill>
-          <a:blip r:embed="rId3"/>
-          <a:stretch>
-            <a:fillRect/>
-          </a:stretch>
-        </p:blipFill>
-        <p:spPr>
-          <a:xfrm>
-            <a:off x="2385276" y="4705256"/>
-            <a:ext cx="6231650" cy="1816194"/>
-          </a:xfrm>
-          <a:prstGeom prst="rect">
-            <a:avLst/>
-          </a:prstGeom>
-          <a:ln>
-            <a:solidFill>
-              <a:schemeClr val="accent1">
-                <a:lumMod val="75000"/>
-              </a:schemeClr>
-            </a:solidFill>
-          </a:ln>
-        </p:spPr>
-      </p:pic>
-      <p:sp>
-        <p:nvSpPr>
-          <p:cNvPr id="11" name="Arrow: Right 10">
-            <a:extLst>
-              <a:ext uri="{FF2B5EF4-FFF2-40B4-BE49-F238E27FC236}">
-                <a16:creationId xmlns:a16="http://schemas.microsoft.com/office/drawing/2014/main" id="{A0D24587-0CDA-5157-1CC6-A0A5F75468F7}"/>
+      <p:sp>
+        <p:nvSpPr>
+          <p:cNvPr id="7" name="Arrow: Right 6">
+            <a:extLst>
+              <a:ext uri="{FF2B5EF4-FFF2-40B4-BE49-F238E27FC236}">
+                <a16:creationId xmlns:a16="http://schemas.microsoft.com/office/drawing/2014/main" id="{EC237F7E-8B4F-DB83-3831-72246E26E138}"/>
               </a:ext>
             </a:extLst>
           </p:cNvPr>
@@ -6229,7 +4949,7 @@
         </p:nvSpPr>
         <p:spPr>
           <a:xfrm rot="20913719">
-            <a:off x="6415745" y="5375194"/>
+            <a:off x="5177496" y="3126469"/>
             <a:ext cx="1175309" cy="605061"/>
           </a:xfrm>
           <a:prstGeom prst="rightArrow">
@@ -6270,7 +4990,7 @@
     </p:spTree>
     <p:extLst>
       <p:ext uri="{BB962C8B-B14F-4D97-AF65-F5344CB8AC3E}">
-        <p14:creationId xmlns:p14="http://schemas.microsoft.com/office/powerpoint/2010/main" val="2487042716"/>
+        <p14:creationId xmlns:p14="http://schemas.microsoft.com/office/powerpoint/2010/main" val="1281555342"/>
       </p:ext>
     </p:extLst>
   </p:cSld>
@@ -6382,7 +5102,7 @@
           <a:p>
             <a:r>
               <a:rPr lang="pt-BR" sz="4800" b="1" dirty="0"/>
-              <a:t>NCBI PubMed</a:t>
+              <a:t>SciELO e LILACS</a:t>
             </a:r>
           </a:p>
         </p:txBody>
@@ -6402,7 +5122,7 @@
         <p:spPr>
           <a:xfrm>
             <a:off x="429705" y="1593334"/>
-            <a:ext cx="8284589" cy="830997"/>
+            <a:ext cx="8284589" cy="461665"/>
           </a:xfrm>
           <a:prstGeom prst="rect">
             <a:avLst/>
@@ -6421,12 +5141,9 @@
             </a:pPr>
             <a:r>
               <a:rPr lang="pt-BR" sz="2400" dirty="0"/>
-              <a:t>Quando disponível via PMC, o texto completo também pode ser baixado em </a:t>
-            </a:r>
-            <a:r>
-              <a:rPr lang="pt-BR" sz="2400" b="1" dirty="0"/>
-              <a:t>PDF</a:t>
-            </a:r>
+              <a:t>Bibliotecas digitais brasileiras e da América Latina</a:t>
+            </a:r>
+            <a:endParaRPr lang="pt-BR" sz="2400" b="1" dirty="0"/>
           </a:p>
         </p:txBody>
       </p:sp>
@@ -6435,7 +5152,7 @@
           <p:cNvPr id="6" name="Picture 5">
             <a:extLst>
               <a:ext uri="{FF2B5EF4-FFF2-40B4-BE49-F238E27FC236}">
-                <a16:creationId xmlns:a16="http://schemas.microsoft.com/office/drawing/2014/main" id="{E6D2A6AE-DAAB-BD4D-5A77-494EC3B979B5}"/>
+                <a16:creationId xmlns:a16="http://schemas.microsoft.com/office/drawing/2014/main" id="{3BC45B57-BC62-8C91-3947-B623846C6E42}"/>
               </a:ext>
             </a:extLst>
           </p:cNvPr>
@@ -6452,8 +5169,8 @@
         </p:blipFill>
         <p:spPr>
           <a:xfrm>
-            <a:off x="857250" y="2462431"/>
-            <a:ext cx="7429500" cy="4138497"/>
+            <a:off x="338711" y="2480786"/>
+            <a:ext cx="6735694" cy="1457327"/>
           </a:xfrm>
           <a:prstGeom prst="rect">
             <a:avLst/>
@@ -6467,62 +5184,123 @@
           </a:ln>
         </p:spPr>
       </p:pic>
-      <p:sp>
-        <p:nvSpPr>
-          <p:cNvPr id="7" name="Arrow: Right 6">
-            <a:extLst>
-              <a:ext uri="{FF2B5EF4-FFF2-40B4-BE49-F238E27FC236}">
-                <a16:creationId xmlns:a16="http://schemas.microsoft.com/office/drawing/2014/main" id="{EC237F7E-8B4F-DB83-3831-72246E26E138}"/>
-              </a:ext>
-            </a:extLst>
-          </p:cNvPr>
-          <p:cNvSpPr/>
-          <p:nvPr/>
-        </p:nvSpPr>
-        <p:spPr>
-          <a:xfrm rot="20913719">
-            <a:off x="5177496" y="3126469"/>
-            <a:ext cx="1175309" cy="605061"/>
-          </a:xfrm>
-          <a:prstGeom prst="rightArrow">
-            <a:avLst/>
-          </a:prstGeom>
-          <a:solidFill>
-            <a:srgbClr val="FF0000"/>
-          </a:solidFill>
+      <p:pic>
+        <p:nvPicPr>
+          <p:cNvPr id="9" name="Picture 8">
+            <a:extLst>
+              <a:ext uri="{FF2B5EF4-FFF2-40B4-BE49-F238E27FC236}">
+                <a16:creationId xmlns:a16="http://schemas.microsoft.com/office/drawing/2014/main" id="{6DBF1353-D43D-ED51-556D-D08F6241E32E}"/>
+              </a:ext>
+            </a:extLst>
+          </p:cNvPr>
+          <p:cNvPicPr>
+            <a:picLocks noChangeAspect="1"/>
+          </p:cNvPicPr>
+          <p:nvPr/>
+        </p:nvPicPr>
+        <p:blipFill>
+          <a:blip r:embed="rId3"/>
+          <a:stretch>
+            <a:fillRect/>
+          </a:stretch>
+        </p:blipFill>
+        <p:spPr>
+          <a:xfrm>
+            <a:off x="3933825" y="4526823"/>
+            <a:ext cx="5019674" cy="2226402"/>
+          </a:xfrm>
+          <a:prstGeom prst="rect">
+            <a:avLst/>
+          </a:prstGeom>
           <a:ln>
-            <a:noFill/>
+            <a:solidFill>
+              <a:schemeClr val="accent1">
+                <a:lumMod val="75000"/>
+              </a:schemeClr>
+            </a:solidFill>
           </a:ln>
         </p:spPr>
-        <p:style>
-          <a:lnRef idx="2">
-            <a:schemeClr val="accent1">
-              <a:shade val="15000"/>
-            </a:schemeClr>
-          </a:lnRef>
-          <a:fillRef idx="1">
-            <a:schemeClr val="accent1"/>
-          </a:fillRef>
-          <a:effectRef idx="0">
-            <a:schemeClr val="accent1"/>
-          </a:effectRef>
-          <a:fontRef idx="minor">
-            <a:schemeClr val="lt1"/>
-          </a:fontRef>
-        </p:style>
-        <p:txBody>
-          <a:bodyPr rtlCol="0" anchor="ctr"/>
-          <a:lstStyle/>
-          <a:p>
-            <a:pPr algn="ctr"/>
-            <a:endParaRPr lang="en-GB"/>
+      </p:pic>
+      <p:sp>
+        <p:nvSpPr>
+          <p:cNvPr id="7" name="TextBox 6">
+            <a:extLst>
+              <a:ext uri="{FF2B5EF4-FFF2-40B4-BE49-F238E27FC236}">
+                <a16:creationId xmlns:a16="http://schemas.microsoft.com/office/drawing/2014/main" id="{3959ED30-6D69-7D41-7D23-010EC825686E}"/>
+              </a:ext>
+            </a:extLst>
+          </p:cNvPr>
+          <p:cNvSpPr txBox="1"/>
+          <p:nvPr/>
+        </p:nvSpPr>
+        <p:spPr>
+          <a:xfrm>
+            <a:off x="412057" y="2123982"/>
+            <a:ext cx="4572000" cy="369332"/>
+          </a:xfrm>
+          <a:prstGeom prst="rect">
+            <a:avLst/>
+          </a:prstGeom>
+          <a:noFill/>
+        </p:spPr>
+        <p:txBody>
+          <a:bodyPr wrap="square">
+            <a:spAutoFit/>
+          </a:bodyPr>
+          <a:lstStyle/>
+          <a:p>
+            <a:r>
+              <a:rPr lang="en-GB" dirty="0">
+                <a:hlinkClick r:id="rId4"/>
+              </a:rPr>
+              <a:t>https://www.scielo.br/</a:t>
+            </a:r>
+            <a:endParaRPr lang="en-GB" dirty="0"/>
+          </a:p>
+        </p:txBody>
+      </p:sp>
+      <p:sp>
+        <p:nvSpPr>
+          <p:cNvPr id="8" name="TextBox 7">
+            <a:extLst>
+              <a:ext uri="{FF2B5EF4-FFF2-40B4-BE49-F238E27FC236}">
+                <a16:creationId xmlns:a16="http://schemas.microsoft.com/office/drawing/2014/main" id="{FCA314B8-8CB2-4DED-F86C-896D77B0675B}"/>
+              </a:ext>
+            </a:extLst>
+          </p:cNvPr>
+          <p:cNvSpPr txBox="1"/>
+          <p:nvPr/>
+        </p:nvSpPr>
+        <p:spPr>
+          <a:xfrm>
+            <a:off x="3933825" y="4176541"/>
+            <a:ext cx="4572000" cy="369332"/>
+          </a:xfrm>
+          <a:prstGeom prst="rect">
+            <a:avLst/>
+          </a:prstGeom>
+          <a:noFill/>
+        </p:spPr>
+        <p:txBody>
+          <a:bodyPr wrap="square">
+            <a:spAutoFit/>
+          </a:bodyPr>
+          <a:lstStyle/>
+          <a:p>
+            <a:r>
+              <a:rPr lang="en-GB" dirty="0">
+                <a:hlinkClick r:id="rId5"/>
+              </a:rPr>
+              <a:t>https://lilacs.bvsalud.org/</a:t>
+            </a:r>
+            <a:endParaRPr lang="en-GB" dirty="0"/>
           </a:p>
         </p:txBody>
       </p:sp>
     </p:spTree>
     <p:extLst>
       <p:ext uri="{BB962C8B-B14F-4D97-AF65-F5344CB8AC3E}">
-        <p14:creationId xmlns:p14="http://schemas.microsoft.com/office/powerpoint/2010/main" val="1281555342"/>
+        <p14:creationId xmlns:p14="http://schemas.microsoft.com/office/powerpoint/2010/main" val="1895037887"/>
       </p:ext>
     </p:extLst>
   </p:cSld>
@@ -6673,7 +5451,7 @@
             </a:pPr>
             <a:r>
               <a:rPr lang="pt-BR" sz="2400" dirty="0"/>
-              <a:t>Bibliotecas digitais brasileiras e da América Latina</a:t>
+              <a:t>Busca similar à logica aplicada ao PubMed</a:t>
             </a:r>
             <a:endParaRPr lang="pt-BR" sz="2400" b="1" dirty="0"/>
           </a:p>
@@ -6681,10 +5459,10 @@
       </p:sp>
       <p:pic>
         <p:nvPicPr>
-          <p:cNvPr id="6" name="Picture 5">
-            <a:extLst>
-              <a:ext uri="{FF2B5EF4-FFF2-40B4-BE49-F238E27FC236}">
-                <a16:creationId xmlns:a16="http://schemas.microsoft.com/office/drawing/2014/main" id="{3BC45B57-BC62-8C91-3947-B623846C6E42}"/>
+          <p:cNvPr id="13" name="Picture 12">
+            <a:extLst>
+              <a:ext uri="{FF2B5EF4-FFF2-40B4-BE49-F238E27FC236}">
+                <a16:creationId xmlns:a16="http://schemas.microsoft.com/office/drawing/2014/main" id="{1CA85E11-9D85-85CF-4309-220B265A6A4D}"/>
               </a:ext>
             </a:extLst>
           </p:cNvPr>
@@ -6693,16 +5471,15 @@
           </p:cNvPicPr>
           <p:nvPr/>
         </p:nvPicPr>
-        <p:blipFill>
+        <p:blipFill rotWithShape="1">
           <a:blip r:embed="rId2"/>
-          <a:stretch>
-            <a:fillRect/>
-          </a:stretch>
+          <a:srcRect r="17618"/>
+          <a:stretch/>
         </p:blipFill>
         <p:spPr>
           <a:xfrm>
-            <a:off x="338711" y="2480786"/>
-            <a:ext cx="6735694" cy="1457327"/>
+            <a:off x="4456363" y="2997760"/>
+            <a:ext cx="4510850" cy="3610484"/>
           </a:xfrm>
           <a:prstGeom prst="rect">
             <a:avLst/>
@@ -6718,10 +5495,10 @@
       </p:pic>
       <p:pic>
         <p:nvPicPr>
-          <p:cNvPr id="9" name="Picture 8">
-            <a:extLst>
-              <a:ext uri="{FF2B5EF4-FFF2-40B4-BE49-F238E27FC236}">
-                <a16:creationId xmlns:a16="http://schemas.microsoft.com/office/drawing/2014/main" id="{6DBF1353-D43D-ED51-556D-D08F6241E32E}"/>
+          <p:cNvPr id="14" name="Picture 13">
+            <a:extLst>
+              <a:ext uri="{FF2B5EF4-FFF2-40B4-BE49-F238E27FC236}">
+                <a16:creationId xmlns:a16="http://schemas.microsoft.com/office/drawing/2014/main" id="{02EAA368-6EE5-D909-891F-C6B6F1436D3E}"/>
               </a:ext>
             </a:extLst>
           </p:cNvPr>
@@ -6730,16 +5507,15 @@
           </p:cNvPicPr>
           <p:nvPr/>
         </p:nvPicPr>
-        <p:blipFill>
+        <p:blipFill rotWithShape="1">
           <a:blip r:embed="rId3"/>
-          <a:stretch>
-            <a:fillRect/>
-          </a:stretch>
+          <a:srcRect r="15599"/>
+          <a:stretch/>
         </p:blipFill>
         <p:spPr>
           <a:xfrm>
-            <a:off x="3933825" y="4526823"/>
-            <a:ext cx="5019674" cy="2226402"/>
+            <a:off x="176787" y="2215498"/>
+            <a:ext cx="4621338" cy="3339428"/>
           </a:xfrm>
           <a:prstGeom prst="rect">
             <a:avLst/>
@@ -6753,86 +5529,10 @@
           </a:ln>
         </p:spPr>
       </p:pic>
-      <p:sp>
-        <p:nvSpPr>
-          <p:cNvPr id="7" name="TextBox 6">
-            <a:extLst>
-              <a:ext uri="{FF2B5EF4-FFF2-40B4-BE49-F238E27FC236}">
-                <a16:creationId xmlns:a16="http://schemas.microsoft.com/office/drawing/2014/main" id="{3959ED30-6D69-7D41-7D23-010EC825686E}"/>
-              </a:ext>
-            </a:extLst>
-          </p:cNvPr>
-          <p:cNvSpPr txBox="1"/>
-          <p:nvPr/>
-        </p:nvSpPr>
-        <p:spPr>
-          <a:xfrm>
-            <a:off x="412057" y="2123982"/>
-            <a:ext cx="4572000" cy="369332"/>
-          </a:xfrm>
-          <a:prstGeom prst="rect">
-            <a:avLst/>
-          </a:prstGeom>
-          <a:noFill/>
-        </p:spPr>
-        <p:txBody>
-          <a:bodyPr wrap="square">
-            <a:spAutoFit/>
-          </a:bodyPr>
-          <a:lstStyle/>
-          <a:p>
-            <a:r>
-              <a:rPr lang="en-GB" dirty="0">
-                <a:hlinkClick r:id="rId4"/>
-              </a:rPr>
-              <a:t>https://www.scielo.br/</a:t>
-            </a:r>
-            <a:endParaRPr lang="en-GB" dirty="0"/>
-          </a:p>
-        </p:txBody>
-      </p:sp>
-      <p:sp>
-        <p:nvSpPr>
-          <p:cNvPr id="8" name="TextBox 7">
-            <a:extLst>
-              <a:ext uri="{FF2B5EF4-FFF2-40B4-BE49-F238E27FC236}">
-                <a16:creationId xmlns:a16="http://schemas.microsoft.com/office/drawing/2014/main" id="{FCA314B8-8CB2-4DED-F86C-896D77B0675B}"/>
-              </a:ext>
-            </a:extLst>
-          </p:cNvPr>
-          <p:cNvSpPr txBox="1"/>
-          <p:nvPr/>
-        </p:nvSpPr>
-        <p:spPr>
-          <a:xfrm>
-            <a:off x="3933825" y="4176541"/>
-            <a:ext cx="4572000" cy="369332"/>
-          </a:xfrm>
-          <a:prstGeom prst="rect">
-            <a:avLst/>
-          </a:prstGeom>
-          <a:noFill/>
-        </p:spPr>
-        <p:txBody>
-          <a:bodyPr wrap="square">
-            <a:spAutoFit/>
-          </a:bodyPr>
-          <a:lstStyle/>
-          <a:p>
-            <a:r>
-              <a:rPr lang="en-GB" dirty="0">
-                <a:hlinkClick r:id="rId5"/>
-              </a:rPr>
-              <a:t>https://lilacs.bvsalud.org/</a:t>
-            </a:r>
-            <a:endParaRPr lang="en-GB" dirty="0"/>
-          </a:p>
-        </p:txBody>
-      </p:sp>
     </p:spTree>
     <p:extLst>
       <p:ext uri="{BB962C8B-B14F-4D97-AF65-F5344CB8AC3E}">
-        <p14:creationId xmlns:p14="http://schemas.microsoft.com/office/powerpoint/2010/main" val="1895037887"/>
+        <p14:creationId xmlns:p14="http://schemas.microsoft.com/office/powerpoint/2010/main" val="342243496"/>
       </p:ext>
     </p:extLst>
   </p:cSld>
@@ -6944,7 +5644,7 @@
           <a:p>
             <a:r>
               <a:rPr lang="pt-BR" sz="4800" b="1" dirty="0"/>
-              <a:t>SciELO e LILACS</a:t>
+              <a:t>ResearchGate</a:t>
             </a:r>
           </a:p>
         </p:txBody>
@@ -6964,7 +5664,7 @@
         <p:spPr>
           <a:xfrm>
             <a:off x="429705" y="1593334"/>
-            <a:ext cx="8284589" cy="461665"/>
+            <a:ext cx="8284589" cy="830997"/>
           </a:xfrm>
           <a:prstGeom prst="rect">
             <a:avLst/>
@@ -6983,7 +5683,7 @@
             </a:pPr>
             <a:r>
               <a:rPr lang="pt-BR" sz="2400" dirty="0"/>
-              <a:t>Busca similar à logica aplicada ao PubMed</a:t>
+              <a:t>Uma “Rede Social” para pesquisadores, com recursos de compartilhamento de publicações, fóruns, emprego, etc.</a:t>
             </a:r>
             <a:endParaRPr lang="pt-BR" sz="2400" b="1" dirty="0"/>
           </a:p>
@@ -6991,10 +5691,10 @@
       </p:sp>
       <p:pic>
         <p:nvPicPr>
-          <p:cNvPr id="13" name="Picture 12">
-            <a:extLst>
-              <a:ext uri="{FF2B5EF4-FFF2-40B4-BE49-F238E27FC236}">
-                <a16:creationId xmlns:a16="http://schemas.microsoft.com/office/drawing/2014/main" id="{1CA85E11-9D85-85CF-4309-220B265A6A4D}"/>
+          <p:cNvPr id="8" name="Picture 7">
+            <a:extLst>
+              <a:ext uri="{FF2B5EF4-FFF2-40B4-BE49-F238E27FC236}">
+                <a16:creationId xmlns:a16="http://schemas.microsoft.com/office/drawing/2014/main" id="{7CBF53AD-E657-2B98-9C6B-671D91FBD9EC}"/>
               </a:ext>
             </a:extLst>
           </p:cNvPr>
@@ -7005,13 +5705,13 @@
         </p:nvPicPr>
         <p:blipFill rotWithShape="1">
           <a:blip r:embed="rId2"/>
-          <a:srcRect r="17618"/>
+          <a:srcRect b="11524"/>
           <a:stretch/>
         </p:blipFill>
         <p:spPr>
           <a:xfrm>
-            <a:off x="4456363" y="2997760"/>
-            <a:ext cx="4510850" cy="3610484"/>
+            <a:off x="1142999" y="2570415"/>
+            <a:ext cx="6858002" cy="4089102"/>
           </a:xfrm>
           <a:prstGeom prst="rect">
             <a:avLst/>
@@ -7025,46 +5725,10 @@
           </a:ln>
         </p:spPr>
       </p:pic>
-      <p:pic>
-        <p:nvPicPr>
-          <p:cNvPr id="14" name="Picture 13">
-            <a:extLst>
-              <a:ext uri="{FF2B5EF4-FFF2-40B4-BE49-F238E27FC236}">
-                <a16:creationId xmlns:a16="http://schemas.microsoft.com/office/drawing/2014/main" id="{02EAA368-6EE5-D909-891F-C6B6F1436D3E}"/>
-              </a:ext>
-            </a:extLst>
-          </p:cNvPr>
-          <p:cNvPicPr>
-            <a:picLocks noChangeAspect="1"/>
-          </p:cNvPicPr>
-          <p:nvPr/>
-        </p:nvPicPr>
-        <p:blipFill rotWithShape="1">
-          <a:blip r:embed="rId3"/>
-          <a:srcRect r="15599"/>
-          <a:stretch/>
-        </p:blipFill>
-        <p:spPr>
-          <a:xfrm>
-            <a:off x="176787" y="2215498"/>
-            <a:ext cx="4621338" cy="3339428"/>
-          </a:xfrm>
-          <a:prstGeom prst="rect">
-            <a:avLst/>
-          </a:prstGeom>
-          <a:ln>
-            <a:solidFill>
-              <a:schemeClr val="accent1">
-                <a:lumMod val="75000"/>
-              </a:schemeClr>
-            </a:solidFill>
-          </a:ln>
-        </p:spPr>
-      </p:pic>
     </p:spTree>
     <p:extLst>
       <p:ext uri="{BB962C8B-B14F-4D97-AF65-F5344CB8AC3E}">
-        <p14:creationId xmlns:p14="http://schemas.microsoft.com/office/powerpoint/2010/main" val="342243496"/>
+        <p14:creationId xmlns:p14="http://schemas.microsoft.com/office/powerpoint/2010/main" val="955363286"/>
       </p:ext>
     </p:extLst>
   </p:cSld>
@@ -7183,10 +5847,10 @@
       </p:sp>
       <p:sp>
         <p:nvSpPr>
-          <p:cNvPr id="5" name="TextBox 4">
-            <a:extLst>
-              <a:ext uri="{FF2B5EF4-FFF2-40B4-BE49-F238E27FC236}">
-                <a16:creationId xmlns:a16="http://schemas.microsoft.com/office/drawing/2014/main" id="{F1546B47-742A-0ACC-F5DF-E2ED03A31F57}"/>
+          <p:cNvPr id="3" name="TextBox 2">
+            <a:extLst>
+              <a:ext uri="{FF2B5EF4-FFF2-40B4-BE49-F238E27FC236}">
+                <a16:creationId xmlns:a16="http://schemas.microsoft.com/office/drawing/2014/main" id="{2AFB4586-4CA2-8BE8-3506-7C584A2DABA4}"/>
               </a:ext>
             </a:extLst>
           </p:cNvPr>
@@ -7215,7 +5879,24 @@
             </a:pPr>
             <a:r>
               <a:rPr lang="pt-BR" sz="2400" dirty="0"/>
-              <a:t>Uma “Rede Social” para pesquisadores, com recursos de compartilhamento de publicações, fóruns, emprego, etc.</a:t>
+              <a:t>Acessar: </a:t>
+            </a:r>
+            <a:r>
+              <a:rPr lang="pt-BR" sz="2400" dirty="0">
+                <a:hlinkClick r:id="rId2"/>
+              </a:rPr>
+              <a:t>https://www.researchgate.net/</a:t>
+            </a:r>
+            <a:endParaRPr lang="pt-BR" sz="2400" dirty="0"/>
+          </a:p>
+          <a:p>
+            <a:pPr marL="342900" indent="-342900">
+              <a:buFont typeface="Arial" panose="020B0604020202020204" pitchFamily="34" charset="0"/>
+              <a:buChar char="•"/>
+            </a:pPr>
+            <a:r>
+              <a:rPr lang="pt-BR" sz="2400" dirty="0"/>
+              <a:t>Escrever os termos que deseja buscar e clicar na lupa</a:t>
             </a:r>
             <a:endParaRPr lang="pt-BR" sz="2400" b="1" dirty="0"/>
           </a:p>
@@ -7223,10 +5904,10 @@
       </p:sp>
       <p:pic>
         <p:nvPicPr>
-          <p:cNvPr id="8" name="Picture 7">
-            <a:extLst>
-              <a:ext uri="{FF2B5EF4-FFF2-40B4-BE49-F238E27FC236}">
-                <a16:creationId xmlns:a16="http://schemas.microsoft.com/office/drawing/2014/main" id="{7CBF53AD-E657-2B98-9C6B-671D91FBD9EC}"/>
+          <p:cNvPr id="16" name="Picture 15">
+            <a:extLst>
+              <a:ext uri="{FF2B5EF4-FFF2-40B4-BE49-F238E27FC236}">
+                <a16:creationId xmlns:a16="http://schemas.microsoft.com/office/drawing/2014/main" id="{B53C0BA9-0EE3-F1B3-63A1-639A98420240}"/>
               </a:ext>
             </a:extLst>
           </p:cNvPr>
@@ -7235,15 +5916,16 @@
           </p:cNvPicPr>
           <p:nvPr/>
         </p:nvPicPr>
-        <p:blipFill rotWithShape="1">
-          <a:blip r:embed="rId2"/>
-          <a:srcRect b="11524"/>
-          <a:stretch/>
+        <p:blipFill>
+          <a:blip r:embed="rId3"/>
+          <a:stretch>
+            <a:fillRect/>
+          </a:stretch>
         </p:blipFill>
         <p:spPr>
           <a:xfrm>
-            <a:off x="1142999" y="2570415"/>
-            <a:ext cx="6858002" cy="4089102"/>
+            <a:off x="514350" y="2586330"/>
+            <a:ext cx="8115300" cy="4022488"/>
           </a:xfrm>
           <a:prstGeom prst="rect">
             <a:avLst/>
@@ -7257,10 +5939,62 @@
           </a:ln>
         </p:spPr>
       </p:pic>
+      <p:sp>
+        <p:nvSpPr>
+          <p:cNvPr id="17" name="Arrow: Right 16">
+            <a:extLst>
+              <a:ext uri="{FF2B5EF4-FFF2-40B4-BE49-F238E27FC236}">
+                <a16:creationId xmlns:a16="http://schemas.microsoft.com/office/drawing/2014/main" id="{C58AF979-4D79-FA28-9245-5B9D9A2160A5}"/>
+              </a:ext>
+            </a:extLst>
+          </p:cNvPr>
+          <p:cNvSpPr/>
+          <p:nvPr/>
+        </p:nvSpPr>
+        <p:spPr>
+          <a:xfrm rot="14163712">
+            <a:off x="6187143" y="3088370"/>
+            <a:ext cx="1175309" cy="605061"/>
+          </a:xfrm>
+          <a:prstGeom prst="rightArrow">
+            <a:avLst/>
+          </a:prstGeom>
+          <a:solidFill>
+            <a:srgbClr val="FF0000"/>
+          </a:solidFill>
+          <a:ln>
+            <a:noFill/>
+          </a:ln>
+        </p:spPr>
+        <p:style>
+          <a:lnRef idx="2">
+            <a:schemeClr val="accent1">
+              <a:shade val="15000"/>
+            </a:schemeClr>
+          </a:lnRef>
+          <a:fillRef idx="1">
+            <a:schemeClr val="accent1"/>
+          </a:fillRef>
+          <a:effectRef idx="0">
+            <a:schemeClr val="accent1"/>
+          </a:effectRef>
+          <a:fontRef idx="minor">
+            <a:schemeClr val="lt1"/>
+          </a:fontRef>
+        </p:style>
+        <p:txBody>
+          <a:bodyPr rtlCol="0" anchor="ctr"/>
+          <a:lstStyle/>
+          <a:p>
+            <a:pPr algn="ctr"/>
+            <a:endParaRPr lang="en-GB"/>
+          </a:p>
+        </p:txBody>
+      </p:sp>
     </p:spTree>
     <p:extLst>
       <p:ext uri="{BB962C8B-B14F-4D97-AF65-F5344CB8AC3E}">
-        <p14:creationId xmlns:p14="http://schemas.microsoft.com/office/powerpoint/2010/main" val="955363286"/>
+        <p14:creationId xmlns:p14="http://schemas.microsoft.com/office/powerpoint/2010/main" val="754747714"/>
       </p:ext>
     </p:extLst>
   </p:cSld>
@@ -7411,35 +6145,21 @@
             </a:pPr>
             <a:r>
               <a:rPr lang="pt-BR" sz="2400" dirty="0"/>
-              <a:t>Acessar: </a:t>
-            </a:r>
-            <a:r>
-              <a:rPr lang="pt-BR" sz="2400" dirty="0">
-                <a:hlinkClick r:id="rId2"/>
-              </a:rPr>
-              <a:t>https://www.researchgate.net/</a:t>
-            </a:r>
-            <a:endParaRPr lang="pt-BR" sz="2400" dirty="0"/>
-          </a:p>
-          <a:p>
-            <a:pPr marL="342900" indent="-342900">
-              <a:buFont typeface="Arial" panose="020B0604020202020204" pitchFamily="34" charset="0"/>
-              <a:buChar char="•"/>
-            </a:pPr>
-            <a:r>
-              <a:rPr lang="pt-BR" sz="2400" dirty="0"/>
-              <a:t>Escrever os termos que deseja buscar e clicar na lupa</a:t>
-            </a:r>
-            <a:endParaRPr lang="pt-BR" sz="2400" b="1" dirty="0"/>
+              <a:t>Para revistas de acesso aberto, o artigo já aparece com a opção </a:t>
+            </a:r>
+            <a:r>
+              <a:rPr lang="pt-BR" sz="2400" b="1" dirty="0"/>
+              <a:t>Download</a:t>
+            </a:r>
           </a:p>
         </p:txBody>
       </p:sp>
       <p:pic>
         <p:nvPicPr>
-          <p:cNvPr id="16" name="Picture 15">
-            <a:extLst>
-              <a:ext uri="{FF2B5EF4-FFF2-40B4-BE49-F238E27FC236}">
-                <a16:creationId xmlns:a16="http://schemas.microsoft.com/office/drawing/2014/main" id="{B53C0BA9-0EE3-F1B3-63A1-639A98420240}"/>
+          <p:cNvPr id="6" name="Picture 5">
+            <a:extLst>
+              <a:ext uri="{FF2B5EF4-FFF2-40B4-BE49-F238E27FC236}">
+                <a16:creationId xmlns:a16="http://schemas.microsoft.com/office/drawing/2014/main" id="{36F93E6D-DCAE-DD49-EE78-90EB7F5A3F9C}"/>
               </a:ext>
             </a:extLst>
           </p:cNvPr>
@@ -7449,15 +6169,15 @@
           <p:nvPr/>
         </p:nvPicPr>
         <p:blipFill>
-          <a:blip r:embed="rId3"/>
+          <a:blip r:embed="rId2"/>
           <a:stretch>
             <a:fillRect/>
           </a:stretch>
         </p:blipFill>
         <p:spPr>
           <a:xfrm>
-            <a:off x="514350" y="2586330"/>
-            <a:ext cx="8115300" cy="4022488"/>
+            <a:off x="963727" y="2850118"/>
+            <a:ext cx="7216545" cy="2571750"/>
           </a:xfrm>
           <a:prstGeom prst="rect">
             <a:avLst/>
@@ -7473,10 +6193,10 @@
       </p:pic>
       <p:sp>
         <p:nvSpPr>
-          <p:cNvPr id="17" name="Arrow: Right 16">
-            <a:extLst>
-              <a:ext uri="{FF2B5EF4-FFF2-40B4-BE49-F238E27FC236}">
-                <a16:creationId xmlns:a16="http://schemas.microsoft.com/office/drawing/2014/main" id="{C58AF979-4D79-FA28-9245-5B9D9A2160A5}"/>
+          <p:cNvPr id="9" name="Arrow: Right 8">
+            <a:extLst>
+              <a:ext uri="{FF2B5EF4-FFF2-40B4-BE49-F238E27FC236}">
+                <a16:creationId xmlns:a16="http://schemas.microsoft.com/office/drawing/2014/main" id="{D63FA433-E24C-5B03-0519-BFBF3144EC36}"/>
               </a:ext>
             </a:extLst>
           </p:cNvPr>
@@ -7484,8 +6204,8 @@
           <p:nvPr/>
         </p:nvSpPr>
         <p:spPr>
-          <a:xfrm rot="14163712">
-            <a:off x="6187143" y="3088370"/>
+          <a:xfrm rot="12178458">
+            <a:off x="2330494" y="4962136"/>
             <a:ext cx="1175309" cy="605061"/>
           </a:xfrm>
           <a:prstGeom prst="rightArrow">
@@ -7526,7 +6246,7 @@
     </p:spTree>
     <p:extLst>
       <p:ext uri="{BB962C8B-B14F-4D97-AF65-F5344CB8AC3E}">
-        <p14:creationId xmlns:p14="http://schemas.microsoft.com/office/powerpoint/2010/main" val="754747714"/>
+        <p14:creationId xmlns:p14="http://schemas.microsoft.com/office/powerpoint/2010/main" val="2743757577"/>
       </p:ext>
     </p:extLst>
   </p:cSld>
@@ -7658,7 +6378,7 @@
         <p:spPr>
           <a:xfrm>
             <a:off x="429705" y="1593334"/>
-            <a:ext cx="8284589" cy="830997"/>
+            <a:ext cx="8284589" cy="1200329"/>
           </a:xfrm>
           <a:prstGeom prst="rect">
             <a:avLst/>
@@ -7677,21 +6397,29 @@
             </a:pPr>
             <a:r>
               <a:rPr lang="pt-BR" sz="2400" dirty="0"/>
-              <a:t>Para revistas de acesso aberto, o artigo já aparece com a opção </a:t>
+              <a:t>O ResearchGate permite solicitar o texto clicando em </a:t>
             </a:r>
             <a:r>
               <a:rPr lang="pt-BR" sz="2400" b="1" dirty="0"/>
-              <a:t>Download</a:t>
+              <a:t>Request full-text</a:t>
+            </a:r>
+            <a:r>
+              <a:rPr lang="pt-BR" sz="2400" dirty="0"/>
+              <a:t>. Você pode personalizar a mensagem para o autor e para enviar, clicar em </a:t>
+            </a:r>
+            <a:r>
+              <a:rPr lang="pt-BR" sz="2400" b="1" dirty="0"/>
+              <a:t>Send</a:t>
             </a:r>
           </a:p>
         </p:txBody>
       </p:sp>
       <p:pic>
         <p:nvPicPr>
-          <p:cNvPr id="6" name="Picture 5">
-            <a:extLst>
-              <a:ext uri="{FF2B5EF4-FFF2-40B4-BE49-F238E27FC236}">
-                <a16:creationId xmlns:a16="http://schemas.microsoft.com/office/drawing/2014/main" id="{36F93E6D-DCAE-DD49-EE78-90EB7F5A3F9C}"/>
+          <p:cNvPr id="8" name="Picture 7">
+            <a:extLst>
+              <a:ext uri="{FF2B5EF4-FFF2-40B4-BE49-F238E27FC236}">
+                <a16:creationId xmlns:a16="http://schemas.microsoft.com/office/drawing/2014/main" id="{A5B76BA4-112A-45AD-F728-79F674E8265E}"/>
               </a:ext>
             </a:extLst>
           </p:cNvPr>
@@ -7708,8 +6436,8 @@
         </p:blipFill>
         <p:spPr>
           <a:xfrm>
-            <a:off x="963727" y="2850118"/>
-            <a:ext cx="7216545" cy="2571750"/>
+            <a:off x="429705" y="2924989"/>
+            <a:ext cx="5728089" cy="2376213"/>
           </a:xfrm>
           <a:prstGeom prst="rect">
             <a:avLst/>
@@ -7736,8 +6464,8 @@
           <p:nvPr/>
         </p:nvSpPr>
         <p:spPr>
-          <a:xfrm rot="12178458">
-            <a:off x="2330494" y="4962136"/>
+          <a:xfrm rot="11907387">
+            <a:off x="1730842" y="4998672"/>
             <a:ext cx="1175309" cy="605061"/>
           </a:xfrm>
           <a:prstGeom prst="rightArrow">
@@ -7775,10 +6503,99 @@
           </a:p>
         </p:txBody>
       </p:sp>
+      <p:pic>
+        <p:nvPicPr>
+          <p:cNvPr id="12" name="Picture 11">
+            <a:extLst>
+              <a:ext uri="{FF2B5EF4-FFF2-40B4-BE49-F238E27FC236}">
+                <a16:creationId xmlns:a16="http://schemas.microsoft.com/office/drawing/2014/main" id="{664644BA-9009-2014-4E55-7965A14F598C}"/>
+              </a:ext>
+            </a:extLst>
+          </p:cNvPr>
+          <p:cNvPicPr>
+            <a:picLocks noChangeAspect="1"/>
+          </p:cNvPicPr>
+          <p:nvPr/>
+        </p:nvPicPr>
+        <p:blipFill>
+          <a:blip r:embed="rId3"/>
+          <a:stretch>
+            <a:fillRect/>
+          </a:stretch>
+        </p:blipFill>
+        <p:spPr>
+          <a:xfrm>
+            <a:off x="5229225" y="3549971"/>
+            <a:ext cx="3643972" cy="2971479"/>
+          </a:xfrm>
+          <a:prstGeom prst="rect">
+            <a:avLst/>
+          </a:prstGeom>
+          <a:ln>
+            <a:solidFill>
+              <a:schemeClr val="accent1">
+                <a:lumMod val="75000"/>
+              </a:schemeClr>
+            </a:solidFill>
+          </a:ln>
+        </p:spPr>
+      </p:pic>
+      <p:sp>
+        <p:nvSpPr>
+          <p:cNvPr id="5" name="Arrow: Right 4">
+            <a:extLst>
+              <a:ext uri="{FF2B5EF4-FFF2-40B4-BE49-F238E27FC236}">
+                <a16:creationId xmlns:a16="http://schemas.microsoft.com/office/drawing/2014/main" id="{27B870FC-A6CB-9EB1-C6BC-4A1DA8E7F96B}"/>
+              </a:ext>
+            </a:extLst>
+          </p:cNvPr>
+          <p:cNvSpPr/>
+          <p:nvPr/>
+        </p:nvSpPr>
+        <p:spPr>
+          <a:xfrm rot="21164990">
+            <a:off x="6841372" y="6130395"/>
+            <a:ext cx="1175309" cy="605061"/>
+          </a:xfrm>
+          <a:prstGeom prst="rightArrow">
+            <a:avLst/>
+          </a:prstGeom>
+          <a:solidFill>
+            <a:srgbClr val="FF0000"/>
+          </a:solidFill>
+          <a:ln>
+            <a:noFill/>
+          </a:ln>
+        </p:spPr>
+        <p:style>
+          <a:lnRef idx="2">
+            <a:schemeClr val="accent1">
+              <a:shade val="15000"/>
+            </a:schemeClr>
+          </a:lnRef>
+          <a:fillRef idx="1">
+            <a:schemeClr val="accent1"/>
+          </a:fillRef>
+          <a:effectRef idx="0">
+            <a:schemeClr val="accent1"/>
+          </a:effectRef>
+          <a:fontRef idx="minor">
+            <a:schemeClr val="lt1"/>
+          </a:fontRef>
+        </p:style>
+        <p:txBody>
+          <a:bodyPr rtlCol="0" anchor="ctr"/>
+          <a:lstStyle/>
+          <a:p>
+            <a:pPr algn="ctr"/>
+            <a:endParaRPr lang="en-GB"/>
+          </a:p>
+        </p:txBody>
+      </p:sp>
     </p:spTree>
     <p:extLst>
       <p:ext uri="{BB962C8B-B14F-4D97-AF65-F5344CB8AC3E}">
-        <p14:creationId xmlns:p14="http://schemas.microsoft.com/office/powerpoint/2010/main" val="2743757577"/>
+        <p14:creationId xmlns:p14="http://schemas.microsoft.com/office/powerpoint/2010/main" val="4219754153"/>
       </p:ext>
     </p:extLst>
   </p:cSld>
@@ -7941,10 +6758,10 @@
       </p:sp>
       <p:pic>
         <p:nvPicPr>
-          <p:cNvPr id="8" name="Picture 7">
-            <a:extLst>
-              <a:ext uri="{FF2B5EF4-FFF2-40B4-BE49-F238E27FC236}">
-                <a16:creationId xmlns:a16="http://schemas.microsoft.com/office/drawing/2014/main" id="{331DE168-D55D-7B7F-8865-7D0538B6CE02}"/>
+          <p:cNvPr id="6" name="Picture 5" descr="A screenshot of a computer&#10;&#10;AI-generated content may be incorrect.">
+            <a:extLst>
+              <a:ext uri="{FF2B5EF4-FFF2-40B4-BE49-F238E27FC236}">
+                <a16:creationId xmlns:a16="http://schemas.microsoft.com/office/drawing/2014/main" id="{C380DBF9-15C5-9595-3A7C-5059BAAE06A1}"/>
               </a:ext>
             </a:extLst>
           </p:cNvPr>
@@ -7954,26 +6771,25 @@
           <p:nvPr/>
         </p:nvPicPr>
         <p:blipFill>
-          <a:blip r:embed="rId2"/>
+          <a:blip r:embed="rId2">
+            <a:extLst>
+              <a:ext uri="{28A0092B-C50C-407E-A947-70E740481C1C}">
+                <a14:useLocalDpi xmlns:a14="http://schemas.microsoft.com/office/drawing/2010/main" val="0"/>
+              </a:ext>
+            </a:extLst>
+          </a:blip>
           <a:stretch>
             <a:fillRect/>
           </a:stretch>
         </p:blipFill>
         <p:spPr>
           <a:xfrm>
-            <a:off x="0" y="2676898"/>
-            <a:ext cx="9144000" cy="3844552"/>
+            <a:off x="-1" y="2813941"/>
+            <a:ext cx="9144000" cy="3239458"/>
           </a:xfrm>
           <a:prstGeom prst="rect">
             <a:avLst/>
           </a:prstGeom>
-          <a:ln>
-            <a:solidFill>
-              <a:schemeClr val="accent1">
-                <a:lumMod val="75000"/>
-              </a:schemeClr>
-            </a:solidFill>
-          </a:ln>
         </p:spPr>
       </p:pic>
     </p:spTree>
@@ -8091,7 +6907,7 @@
           <a:p>
             <a:r>
               <a:rPr lang="pt-BR" sz="4800" b="1" dirty="0"/>
-              <a:t>ResearchGate</a:t>
+              <a:t>Contato com o autor</a:t>
             </a:r>
           </a:p>
         </p:txBody>
@@ -8111,7 +6927,7 @@
         <p:spPr>
           <a:xfrm>
             <a:off x="429705" y="1593334"/>
-            <a:ext cx="8284589" cy="1200329"/>
+            <a:ext cx="8284589" cy="830997"/>
           </a:xfrm>
           <a:prstGeom prst="rect">
             <a:avLst/>
@@ -8130,29 +6946,17 @@
             </a:pPr>
             <a:r>
               <a:rPr lang="pt-BR" sz="2400" dirty="0"/>
-              <a:t>O ResearchGate permite solicitar o texto clicando em </a:t>
-            </a:r>
-            <a:r>
-              <a:rPr lang="pt-BR" sz="2400" b="1" dirty="0"/>
-              <a:t>Request full-text</a:t>
-            </a:r>
-            <a:r>
-              <a:rPr lang="pt-BR" sz="2400" dirty="0"/>
-              <a:t>. Você pode personalizar a mensagem para o autor e para enviar, clicar em </a:t>
-            </a:r>
-            <a:r>
-              <a:rPr lang="pt-BR" sz="2400" b="1" dirty="0"/>
-              <a:t>Send</a:t>
+              <a:t>Toda publicação científica tem a informação do autor para contato</a:t>
             </a:r>
           </a:p>
         </p:txBody>
       </p:sp>
       <p:pic>
         <p:nvPicPr>
-          <p:cNvPr id="8" name="Picture 7">
-            <a:extLst>
-              <a:ext uri="{FF2B5EF4-FFF2-40B4-BE49-F238E27FC236}">
-                <a16:creationId xmlns:a16="http://schemas.microsoft.com/office/drawing/2014/main" id="{A5B76BA4-112A-45AD-F728-79F674E8265E}"/>
+          <p:cNvPr id="7" name="Picture 6">
+            <a:extLst>
+              <a:ext uri="{FF2B5EF4-FFF2-40B4-BE49-F238E27FC236}">
+                <a16:creationId xmlns:a16="http://schemas.microsoft.com/office/drawing/2014/main" id="{827334D9-AB3C-9259-E879-414AB5EB8E07}"/>
               </a:ext>
             </a:extLst>
           </p:cNvPr>
@@ -8169,8 +6973,8 @@
         </p:blipFill>
         <p:spPr>
           <a:xfrm>
-            <a:off x="429705" y="2924989"/>
-            <a:ext cx="5728089" cy="2376213"/>
+            <a:off x="338711" y="2594187"/>
+            <a:ext cx="5538214" cy="1542156"/>
           </a:xfrm>
           <a:prstGeom prst="rect">
             <a:avLst/>
@@ -8184,12 +6988,49 @@
           </a:ln>
         </p:spPr>
       </p:pic>
-      <p:sp>
-        <p:nvSpPr>
-          <p:cNvPr id="9" name="Arrow: Right 8">
-            <a:extLst>
-              <a:ext uri="{FF2B5EF4-FFF2-40B4-BE49-F238E27FC236}">
-                <a16:creationId xmlns:a16="http://schemas.microsoft.com/office/drawing/2014/main" id="{D63FA433-E24C-5B03-0519-BFBF3144EC36}"/>
+      <p:pic>
+        <p:nvPicPr>
+          <p:cNvPr id="14" name="Picture 13">
+            <a:extLst>
+              <a:ext uri="{FF2B5EF4-FFF2-40B4-BE49-F238E27FC236}">
+                <a16:creationId xmlns:a16="http://schemas.microsoft.com/office/drawing/2014/main" id="{75CE3A28-97E2-69CC-153E-2853B9AB92A7}"/>
+              </a:ext>
+            </a:extLst>
+          </p:cNvPr>
+          <p:cNvPicPr>
+            <a:picLocks noChangeAspect="1"/>
+          </p:cNvPicPr>
+          <p:nvPr/>
+        </p:nvPicPr>
+        <p:blipFill>
+          <a:blip r:embed="rId3"/>
+          <a:stretch>
+            <a:fillRect/>
+          </a:stretch>
+        </p:blipFill>
+        <p:spPr>
+          <a:xfrm>
+            <a:off x="3957085" y="4306199"/>
+            <a:ext cx="5056238" cy="2352675"/>
+          </a:xfrm>
+          <a:prstGeom prst="rect">
+            <a:avLst/>
+          </a:prstGeom>
+          <a:ln>
+            <a:solidFill>
+              <a:schemeClr val="accent1">
+                <a:lumMod val="75000"/>
+              </a:schemeClr>
+            </a:solidFill>
+          </a:ln>
+        </p:spPr>
+      </p:pic>
+      <p:sp>
+        <p:nvSpPr>
+          <p:cNvPr id="15" name="Arrow: Right 14">
+            <a:extLst>
+              <a:ext uri="{FF2B5EF4-FFF2-40B4-BE49-F238E27FC236}">
+                <a16:creationId xmlns:a16="http://schemas.microsoft.com/office/drawing/2014/main" id="{1B83D81B-528C-937F-E9D8-427A522ADA64}"/>
               </a:ext>
             </a:extLst>
           </p:cNvPr>
@@ -8197,8 +7038,8 @@
           <p:nvPr/>
         </p:nvSpPr>
         <p:spPr>
-          <a:xfrm rot="11907387">
-            <a:off x="1730842" y="4998672"/>
+          <a:xfrm rot="639002">
+            <a:off x="4396358" y="5813380"/>
             <a:ext cx="1175309" cy="605061"/>
           </a:xfrm>
           <a:prstGeom prst="rightArrow">
@@ -8236,49 +7077,12 @@
           </a:p>
         </p:txBody>
       </p:sp>
-      <p:pic>
-        <p:nvPicPr>
-          <p:cNvPr id="12" name="Picture 11">
-            <a:extLst>
-              <a:ext uri="{FF2B5EF4-FFF2-40B4-BE49-F238E27FC236}">
-                <a16:creationId xmlns:a16="http://schemas.microsoft.com/office/drawing/2014/main" id="{664644BA-9009-2014-4E55-7965A14F598C}"/>
-              </a:ext>
-            </a:extLst>
-          </p:cNvPr>
-          <p:cNvPicPr>
-            <a:picLocks noChangeAspect="1"/>
-          </p:cNvPicPr>
-          <p:nvPr/>
-        </p:nvPicPr>
-        <p:blipFill>
-          <a:blip r:embed="rId3"/>
-          <a:stretch>
-            <a:fillRect/>
-          </a:stretch>
-        </p:blipFill>
-        <p:spPr>
-          <a:xfrm>
-            <a:off x="5229225" y="3549971"/>
-            <a:ext cx="3643972" cy="2971479"/>
-          </a:xfrm>
-          <a:prstGeom prst="rect">
-            <a:avLst/>
-          </a:prstGeom>
-          <a:ln>
-            <a:solidFill>
-              <a:schemeClr val="accent1">
-                <a:lumMod val="75000"/>
-              </a:schemeClr>
-            </a:solidFill>
-          </a:ln>
-        </p:spPr>
-      </p:pic>
-      <p:sp>
-        <p:nvSpPr>
-          <p:cNvPr id="5" name="Arrow: Right 4">
-            <a:extLst>
-              <a:ext uri="{FF2B5EF4-FFF2-40B4-BE49-F238E27FC236}">
-                <a16:creationId xmlns:a16="http://schemas.microsoft.com/office/drawing/2014/main" id="{27B870FC-A6CB-9EB1-C6BC-4A1DA8E7F96B}"/>
+      <p:sp>
+        <p:nvSpPr>
+          <p:cNvPr id="16" name="Arrow: Right 15">
+            <a:extLst>
+              <a:ext uri="{FF2B5EF4-FFF2-40B4-BE49-F238E27FC236}">
+                <a16:creationId xmlns:a16="http://schemas.microsoft.com/office/drawing/2014/main" id="{0AFF6A3B-2B89-C85F-7989-F178EBE310F2}"/>
               </a:ext>
             </a:extLst>
           </p:cNvPr>
@@ -8286,8 +7090,8 @@
           <p:nvPr/>
         </p:nvSpPr>
         <p:spPr>
-          <a:xfrm rot="21164990">
-            <a:off x="6841372" y="6130395"/>
+          <a:xfrm rot="10800000">
+            <a:off x="5289270" y="3566591"/>
             <a:ext cx="1175309" cy="605061"/>
           </a:xfrm>
           <a:prstGeom prst="rightArrow">
@@ -8328,7 +7132,7 @@
     </p:spTree>
     <p:extLst>
       <p:ext uri="{BB962C8B-B14F-4D97-AF65-F5344CB8AC3E}">
-        <p14:creationId xmlns:p14="http://schemas.microsoft.com/office/powerpoint/2010/main" val="4219754153"/>
+        <p14:creationId xmlns:p14="http://schemas.microsoft.com/office/powerpoint/2010/main" val="2636049592"/>
       </p:ext>
     </p:extLst>
   </p:cSld>
@@ -8343,7 +7147,13 @@
   <p:cSld>
     <p:spTree>
       <p:nvGrpSpPr>
-        <p:cNvPr id="1" name=""/>
+        <p:cNvPr id="1" name="">
+          <a:extLst>
+            <a:ext uri="{FF2B5EF4-FFF2-40B4-BE49-F238E27FC236}">
+              <a16:creationId xmlns:a16="http://schemas.microsoft.com/office/drawing/2014/main" id="{C6E086DB-55AE-2161-E1FB-0DDFCEC1A32F}"/>
+            </a:ext>
+          </a:extLst>
+        </p:cNvPr>
         <p:cNvGrpSpPr/>
         <p:nvPr/>
       </p:nvGrpSpPr>
@@ -8360,7 +7170,7 @@
           <p:cNvPr id="2" name="Rectangle 1">
             <a:extLst>
               <a:ext uri="{FF2B5EF4-FFF2-40B4-BE49-F238E27FC236}">
-                <a16:creationId xmlns:a16="http://schemas.microsoft.com/office/drawing/2014/main" id="{92A8A4D2-0EF2-51C0-50A5-807B35C29456}"/>
+                <a16:creationId xmlns:a16="http://schemas.microsoft.com/office/drawing/2014/main" id="{D69869A9-B968-82CA-0BA5-9DF5C1CDF02D}"/>
               </a:ext>
             </a:extLst>
           </p:cNvPr>
@@ -8369,8 +7179,8 @@
         </p:nvSpPr>
         <p:spPr>
           <a:xfrm>
-            <a:off x="0" y="0"/>
-            <a:ext cx="9144000" cy="673100"/>
+            <a:off x="0" y="2616740"/>
+            <a:ext cx="9144000" cy="4241260"/>
           </a:xfrm>
           <a:prstGeom prst="rect">
             <a:avLst/>
@@ -8412,10 +7222,10 @@
       </p:sp>
       <p:sp>
         <p:nvSpPr>
-          <p:cNvPr id="4" name="TextBox 3">
-            <a:extLst>
-              <a:ext uri="{FF2B5EF4-FFF2-40B4-BE49-F238E27FC236}">
-                <a16:creationId xmlns:a16="http://schemas.microsoft.com/office/drawing/2014/main" id="{B3BE077F-5E7A-5C87-CBFD-191C524963A9}"/>
+          <p:cNvPr id="3" name="TextBox 2">
+            <a:extLst>
+              <a:ext uri="{FF2B5EF4-FFF2-40B4-BE49-F238E27FC236}">
+                <a16:creationId xmlns:a16="http://schemas.microsoft.com/office/drawing/2014/main" id="{803ABD93-3DA1-1427-A923-D97E580AEF26}"/>
               </a:ext>
             </a:extLst>
           </p:cNvPr>
@@ -8424,8 +7234,8 @@
         </p:nvSpPr>
         <p:spPr>
           <a:xfrm>
-            <a:off x="338711" y="336550"/>
-            <a:ext cx="8466578" cy="830997"/>
+            <a:off x="537723" y="1093246"/>
+            <a:ext cx="4572000" cy="3046988"/>
           </a:xfrm>
           <a:prstGeom prst="rect">
             <a:avLst/>
@@ -8439,18 +7249,24 @@
           <a:lstStyle/>
           <a:p>
             <a:r>
-              <a:rPr lang="pt-BR" sz="4800" b="1" dirty="0"/>
-              <a:t>Contato com o autor</a:t>
-            </a:r>
-          </a:p>
-        </p:txBody>
-      </p:sp>
-      <p:sp>
-        <p:nvSpPr>
-          <p:cNvPr id="3" name="TextBox 2">
-            <a:extLst>
-              <a:ext uri="{FF2B5EF4-FFF2-40B4-BE49-F238E27FC236}">
-                <a16:creationId xmlns:a16="http://schemas.microsoft.com/office/drawing/2014/main" id="{2AFB4586-4CA2-8BE8-3506-7C584A2DABA4}"/>
+              <a:rPr lang="en-GB" sz="4800" b="1" dirty="0"/>
+              <a:t>COMO</a:t>
+            </a:r>
+          </a:p>
+          <a:p>
+            <a:r>
+              <a:rPr lang="en-GB" sz="4800" b="1" dirty="0"/>
+              <a:t>BUSCAR ARTIGOS CIENTÍFICOS</a:t>
+            </a:r>
+          </a:p>
+        </p:txBody>
+      </p:sp>
+      <p:sp>
+        <p:nvSpPr>
+          <p:cNvPr id="6" name="TextBox 5">
+            <a:extLst>
+              <a:ext uri="{FF2B5EF4-FFF2-40B4-BE49-F238E27FC236}">
+                <a16:creationId xmlns:a16="http://schemas.microsoft.com/office/drawing/2014/main" id="{4AD7DAC8-1011-DAEF-DB8B-D6037462C0D9}"/>
               </a:ext>
             </a:extLst>
           </p:cNvPr>
@@ -8459,8 +7275,8 @@
         </p:nvSpPr>
         <p:spPr>
           <a:xfrm>
-            <a:off x="429705" y="1593334"/>
-            <a:ext cx="8284589" cy="830997"/>
+            <a:off x="537723" y="4596482"/>
+            <a:ext cx="4572000" cy="1846659"/>
           </a:xfrm>
           <a:prstGeom prst="rect">
             <a:avLst/>
@@ -8473,343 +7289,6 @@
           </a:bodyPr>
           <a:lstStyle/>
           <a:p>
-            <a:pPr marL="342900" indent="-342900">
-              <a:buFont typeface="Arial" panose="020B0604020202020204" pitchFamily="34" charset="0"/>
-              <a:buChar char="•"/>
-            </a:pPr>
-            <a:r>
-              <a:rPr lang="pt-BR" sz="2400" dirty="0"/>
-              <a:t>Toda publicação científica tem a informação do autor para contato</a:t>
-            </a:r>
-          </a:p>
-        </p:txBody>
-      </p:sp>
-      <p:pic>
-        <p:nvPicPr>
-          <p:cNvPr id="7" name="Picture 6">
-            <a:extLst>
-              <a:ext uri="{FF2B5EF4-FFF2-40B4-BE49-F238E27FC236}">
-                <a16:creationId xmlns:a16="http://schemas.microsoft.com/office/drawing/2014/main" id="{827334D9-AB3C-9259-E879-414AB5EB8E07}"/>
-              </a:ext>
-            </a:extLst>
-          </p:cNvPr>
-          <p:cNvPicPr>
-            <a:picLocks noChangeAspect="1"/>
-          </p:cNvPicPr>
-          <p:nvPr/>
-        </p:nvPicPr>
-        <p:blipFill>
-          <a:blip r:embed="rId2"/>
-          <a:stretch>
-            <a:fillRect/>
-          </a:stretch>
-        </p:blipFill>
-        <p:spPr>
-          <a:xfrm>
-            <a:off x="338711" y="2594187"/>
-            <a:ext cx="5538214" cy="1542156"/>
-          </a:xfrm>
-          <a:prstGeom prst="rect">
-            <a:avLst/>
-          </a:prstGeom>
-          <a:ln>
-            <a:solidFill>
-              <a:schemeClr val="accent1">
-                <a:lumMod val="75000"/>
-              </a:schemeClr>
-            </a:solidFill>
-          </a:ln>
-        </p:spPr>
-      </p:pic>
-      <p:pic>
-        <p:nvPicPr>
-          <p:cNvPr id="14" name="Picture 13">
-            <a:extLst>
-              <a:ext uri="{FF2B5EF4-FFF2-40B4-BE49-F238E27FC236}">
-                <a16:creationId xmlns:a16="http://schemas.microsoft.com/office/drawing/2014/main" id="{75CE3A28-97E2-69CC-153E-2853B9AB92A7}"/>
-              </a:ext>
-            </a:extLst>
-          </p:cNvPr>
-          <p:cNvPicPr>
-            <a:picLocks noChangeAspect="1"/>
-          </p:cNvPicPr>
-          <p:nvPr/>
-        </p:nvPicPr>
-        <p:blipFill>
-          <a:blip r:embed="rId3"/>
-          <a:stretch>
-            <a:fillRect/>
-          </a:stretch>
-        </p:blipFill>
-        <p:spPr>
-          <a:xfrm>
-            <a:off x="3957085" y="4306199"/>
-            <a:ext cx="5056238" cy="2352675"/>
-          </a:xfrm>
-          <a:prstGeom prst="rect">
-            <a:avLst/>
-          </a:prstGeom>
-          <a:ln>
-            <a:solidFill>
-              <a:schemeClr val="accent1">
-                <a:lumMod val="75000"/>
-              </a:schemeClr>
-            </a:solidFill>
-          </a:ln>
-        </p:spPr>
-      </p:pic>
-      <p:sp>
-        <p:nvSpPr>
-          <p:cNvPr id="15" name="Arrow: Right 14">
-            <a:extLst>
-              <a:ext uri="{FF2B5EF4-FFF2-40B4-BE49-F238E27FC236}">
-                <a16:creationId xmlns:a16="http://schemas.microsoft.com/office/drawing/2014/main" id="{1B83D81B-528C-937F-E9D8-427A522ADA64}"/>
-              </a:ext>
-            </a:extLst>
-          </p:cNvPr>
-          <p:cNvSpPr/>
-          <p:nvPr/>
-        </p:nvSpPr>
-        <p:spPr>
-          <a:xfrm rot="639002">
-            <a:off x="4396358" y="5813380"/>
-            <a:ext cx="1175309" cy="605061"/>
-          </a:xfrm>
-          <a:prstGeom prst="rightArrow">
-            <a:avLst/>
-          </a:prstGeom>
-          <a:solidFill>
-            <a:srgbClr val="FF0000"/>
-          </a:solidFill>
-          <a:ln>
-            <a:noFill/>
-          </a:ln>
-        </p:spPr>
-        <p:style>
-          <a:lnRef idx="2">
-            <a:schemeClr val="accent1">
-              <a:shade val="15000"/>
-            </a:schemeClr>
-          </a:lnRef>
-          <a:fillRef idx="1">
-            <a:schemeClr val="accent1"/>
-          </a:fillRef>
-          <a:effectRef idx="0">
-            <a:schemeClr val="accent1"/>
-          </a:effectRef>
-          <a:fontRef idx="minor">
-            <a:schemeClr val="lt1"/>
-          </a:fontRef>
-        </p:style>
-        <p:txBody>
-          <a:bodyPr rtlCol="0" anchor="ctr"/>
-          <a:lstStyle/>
-          <a:p>
-            <a:pPr algn="ctr"/>
-            <a:endParaRPr lang="en-GB"/>
-          </a:p>
-        </p:txBody>
-      </p:sp>
-      <p:sp>
-        <p:nvSpPr>
-          <p:cNvPr id="16" name="Arrow: Right 15">
-            <a:extLst>
-              <a:ext uri="{FF2B5EF4-FFF2-40B4-BE49-F238E27FC236}">
-                <a16:creationId xmlns:a16="http://schemas.microsoft.com/office/drawing/2014/main" id="{0AFF6A3B-2B89-C85F-7989-F178EBE310F2}"/>
-              </a:ext>
-            </a:extLst>
-          </p:cNvPr>
-          <p:cNvSpPr/>
-          <p:nvPr/>
-        </p:nvSpPr>
-        <p:spPr>
-          <a:xfrm rot="10800000">
-            <a:off x="5289270" y="3566591"/>
-            <a:ext cx="1175309" cy="605061"/>
-          </a:xfrm>
-          <a:prstGeom prst="rightArrow">
-            <a:avLst/>
-          </a:prstGeom>
-          <a:solidFill>
-            <a:srgbClr val="FF0000"/>
-          </a:solidFill>
-          <a:ln>
-            <a:noFill/>
-          </a:ln>
-        </p:spPr>
-        <p:style>
-          <a:lnRef idx="2">
-            <a:schemeClr val="accent1">
-              <a:shade val="15000"/>
-            </a:schemeClr>
-          </a:lnRef>
-          <a:fillRef idx="1">
-            <a:schemeClr val="accent1"/>
-          </a:fillRef>
-          <a:effectRef idx="0">
-            <a:schemeClr val="accent1"/>
-          </a:effectRef>
-          <a:fontRef idx="minor">
-            <a:schemeClr val="lt1"/>
-          </a:fontRef>
-        </p:style>
-        <p:txBody>
-          <a:bodyPr rtlCol="0" anchor="ctr"/>
-          <a:lstStyle/>
-          <a:p>
-            <a:pPr algn="ctr"/>
-            <a:endParaRPr lang="en-GB"/>
-          </a:p>
-        </p:txBody>
-      </p:sp>
-    </p:spTree>
-    <p:extLst>
-      <p:ext uri="{BB962C8B-B14F-4D97-AF65-F5344CB8AC3E}">
-        <p14:creationId xmlns:p14="http://schemas.microsoft.com/office/powerpoint/2010/main" val="2636049592"/>
-      </p:ext>
-    </p:extLst>
-  </p:cSld>
-  <p:clrMapOvr>
-    <a:masterClrMapping/>
-  </p:clrMapOvr>
-</p:sld>
-</file>
-
-<file path=ppt/slides/slide22.xml><?xml version="1.0" encoding="utf-8"?>
-<p:sld xmlns:a="http://schemas.openxmlformats.org/drawingml/2006/main" xmlns:r="http://schemas.openxmlformats.org/officeDocument/2006/relationships" xmlns:p="http://schemas.openxmlformats.org/presentationml/2006/main">
-  <p:cSld>
-    <p:spTree>
-      <p:nvGrpSpPr>
-        <p:cNvPr id="1" name=""/>
-        <p:cNvGrpSpPr/>
-        <p:nvPr/>
-      </p:nvGrpSpPr>
-      <p:grpSpPr>
-        <a:xfrm>
-          <a:off x="0" y="0"/>
-          <a:ext cx="0" cy="0"/>
-          <a:chOff x="0" y="0"/>
-          <a:chExt cx="0" cy="0"/>
-        </a:xfrm>
-      </p:grpSpPr>
-      <p:sp>
-        <p:nvSpPr>
-          <p:cNvPr id="2" name="Rectangle 1">
-            <a:extLst>
-              <a:ext uri="{FF2B5EF4-FFF2-40B4-BE49-F238E27FC236}">
-                <a16:creationId xmlns:a16="http://schemas.microsoft.com/office/drawing/2014/main" id="{33D22B9A-6D15-B5EB-030D-2A9075C5DBF5}"/>
-              </a:ext>
-            </a:extLst>
-          </p:cNvPr>
-          <p:cNvSpPr/>
-          <p:nvPr/>
-        </p:nvSpPr>
-        <p:spPr>
-          <a:xfrm>
-            <a:off x="0" y="2616740"/>
-            <a:ext cx="9144000" cy="4241260"/>
-          </a:xfrm>
-          <a:prstGeom prst="rect">
-            <a:avLst/>
-          </a:prstGeom>
-          <a:solidFill>
-            <a:schemeClr val="accent1">
-              <a:lumMod val="20000"/>
-              <a:lumOff val="80000"/>
-            </a:schemeClr>
-          </a:solidFill>
-          <a:ln>
-            <a:noFill/>
-          </a:ln>
-        </p:spPr>
-        <p:style>
-          <a:lnRef idx="2">
-            <a:schemeClr val="accent1">
-              <a:shade val="15000"/>
-            </a:schemeClr>
-          </a:lnRef>
-          <a:fillRef idx="1">
-            <a:schemeClr val="accent1"/>
-          </a:fillRef>
-          <a:effectRef idx="0">
-            <a:schemeClr val="accent1"/>
-          </a:effectRef>
-          <a:fontRef idx="minor">
-            <a:schemeClr val="lt1"/>
-          </a:fontRef>
-        </p:style>
-        <p:txBody>
-          <a:bodyPr rtlCol="0" anchor="ctr"/>
-          <a:lstStyle/>
-          <a:p>
-            <a:pPr algn="ctr"/>
-            <a:endParaRPr lang="en-GB"/>
-          </a:p>
-        </p:txBody>
-      </p:sp>
-      <p:sp>
-        <p:nvSpPr>
-          <p:cNvPr id="3" name="TextBox 2">
-            <a:extLst>
-              <a:ext uri="{FF2B5EF4-FFF2-40B4-BE49-F238E27FC236}">
-                <a16:creationId xmlns:a16="http://schemas.microsoft.com/office/drawing/2014/main" id="{8BAAD66B-A91B-2AAE-4A56-B6570C4C3104}"/>
-              </a:ext>
-            </a:extLst>
-          </p:cNvPr>
-          <p:cNvSpPr txBox="1"/>
-          <p:nvPr/>
-        </p:nvSpPr>
-        <p:spPr>
-          <a:xfrm>
-            <a:off x="537723" y="1093246"/>
-            <a:ext cx="4572000" cy="3046988"/>
-          </a:xfrm>
-          <a:prstGeom prst="rect">
-            <a:avLst/>
-          </a:prstGeom>
-          <a:noFill/>
-        </p:spPr>
-        <p:txBody>
-          <a:bodyPr wrap="square">
-            <a:spAutoFit/>
-          </a:bodyPr>
-          <a:lstStyle/>
-          <a:p>
-            <a:r>
-              <a:rPr lang="en-GB" sz="4800" b="1" dirty="0"/>
-              <a:t>COMO PROCURAR ARTIGOS CIENTÍFICOS</a:t>
-            </a:r>
-          </a:p>
-        </p:txBody>
-      </p:sp>
-      <p:sp>
-        <p:nvSpPr>
-          <p:cNvPr id="6" name="TextBox 5">
-            <a:extLst>
-              <a:ext uri="{FF2B5EF4-FFF2-40B4-BE49-F238E27FC236}">
-                <a16:creationId xmlns:a16="http://schemas.microsoft.com/office/drawing/2014/main" id="{03479D88-ECD8-80C6-0A79-628C4FBFD37D}"/>
-              </a:ext>
-            </a:extLst>
-          </p:cNvPr>
-          <p:cNvSpPr txBox="1"/>
-          <p:nvPr/>
-        </p:nvSpPr>
-        <p:spPr>
-          <a:xfrm>
-            <a:off x="537723" y="4596482"/>
-            <a:ext cx="4572000" cy="1846659"/>
-          </a:xfrm>
-          <a:prstGeom prst="rect">
-            <a:avLst/>
-          </a:prstGeom>
-          <a:noFill/>
-        </p:spPr>
-        <p:txBody>
-          <a:bodyPr wrap="square">
-            <a:spAutoFit/>
-          </a:bodyPr>
-          <a:lstStyle/>
-          <a:p>
             <a:r>
               <a:rPr lang="en-GB" sz="2400" dirty="0"/>
               <a:t>M.Sc. Laise de Moraes</a:t>
@@ -8833,7 +7312,7 @@
           <a:p>
             <a:r>
               <a:rPr lang="en-GB" dirty="0"/>
-              <a:t>2024</a:t>
+              <a:t>Atualizado: 2025-04-07</a:t>
             </a:r>
           </a:p>
         </p:txBody>
@@ -8843,7 +7322,7 @@
           <p:cNvPr id="9" name="TextBox 8">
             <a:extLst>
               <a:ext uri="{FF2B5EF4-FFF2-40B4-BE49-F238E27FC236}">
-                <a16:creationId xmlns:a16="http://schemas.microsoft.com/office/drawing/2014/main" id="{A9861FF5-9581-E148-7BFF-FD3C861E84A4}"/>
+                <a16:creationId xmlns:a16="http://schemas.microsoft.com/office/drawing/2014/main" id="{421A0DC1-66A1-2DC9-F078-C080CADD8538}"/>
               </a:ext>
             </a:extLst>
           </p:cNvPr>
@@ -8883,7 +7362,7 @@
     </p:spTree>
     <p:extLst>
       <p:ext uri="{BB962C8B-B14F-4D97-AF65-F5344CB8AC3E}">
-        <p14:creationId xmlns:p14="http://schemas.microsoft.com/office/powerpoint/2010/main" val="2728691427"/>
+        <p14:creationId xmlns:p14="http://schemas.microsoft.com/office/powerpoint/2010/main" val="3845270994"/>
       </p:ext>
     </p:extLst>
   </p:cSld>
@@ -9106,62 +7585,6 @@
         </p:pic>
         <p:sp>
           <p:nvSpPr>
-            <p:cNvPr id="10" name="Rectangle 9">
-              <a:extLst>
-                <a:ext uri="{FF2B5EF4-FFF2-40B4-BE49-F238E27FC236}">
-                  <a16:creationId xmlns:a16="http://schemas.microsoft.com/office/drawing/2014/main" id="{22BA1345-B98D-85C5-6AAB-33BC7055AA00}"/>
-                </a:ext>
-              </a:extLst>
-            </p:cNvPr>
-            <p:cNvSpPr/>
-            <p:nvPr/>
-          </p:nvSpPr>
-          <p:spPr>
-            <a:xfrm>
-              <a:off x="1983739" y="3137354"/>
-              <a:ext cx="1242060" cy="234494"/>
-            </a:xfrm>
-            <a:prstGeom prst="rect">
-              <a:avLst/>
-            </a:prstGeom>
-            <a:solidFill>
-              <a:srgbClr val="3E3E3E"/>
-            </a:solidFill>
-            <a:ln>
-              <a:solidFill>
-                <a:schemeClr val="accent1">
-                  <a:lumMod val="75000"/>
-                </a:schemeClr>
-              </a:solidFill>
-            </a:ln>
-          </p:spPr>
-          <p:style>
-            <a:lnRef idx="2">
-              <a:schemeClr val="accent1">
-                <a:shade val="15000"/>
-              </a:schemeClr>
-            </a:lnRef>
-            <a:fillRef idx="1">
-              <a:schemeClr val="accent1"/>
-            </a:fillRef>
-            <a:effectRef idx="0">
-              <a:schemeClr val="accent1"/>
-            </a:effectRef>
-            <a:fontRef idx="minor">
-              <a:schemeClr val="lt1"/>
-            </a:fontRef>
-          </p:style>
-          <p:txBody>
-            <a:bodyPr rtlCol="0" anchor="ctr"/>
-            <a:lstStyle/>
-            <a:p>
-              <a:pPr algn="ctr"/>
-              <a:endParaRPr lang="en-GB"/>
-            </a:p>
-          </p:txBody>
-        </p:sp>
-        <p:sp>
-          <p:nvSpPr>
             <p:cNvPr id="11" name="TextBox 10">
               <a:extLst>
                 <a:ext uri="{FF2B5EF4-FFF2-40B4-BE49-F238E27FC236}">
@@ -9174,13 +7597,15 @@
           </p:nvSpPr>
           <p:spPr>
             <a:xfrm>
-              <a:off x="1983739" y="3069198"/>
+              <a:off x="1876172" y="3012073"/>
               <a:ext cx="1242060" cy="338554"/>
             </a:xfrm>
             <a:prstGeom prst="rect">
               <a:avLst/>
             </a:prstGeom>
-            <a:noFill/>
+            <a:solidFill>
+              <a:srgbClr val="3E3E3E"/>
+            </a:solidFill>
             <a:ln>
               <a:solidFill>
                 <a:schemeClr val="accent1">
@@ -9271,62 +7696,6 @@
         </p:pic>
         <p:sp>
           <p:nvSpPr>
-            <p:cNvPr id="16" name="Rectangle 15">
-              <a:extLst>
-                <a:ext uri="{FF2B5EF4-FFF2-40B4-BE49-F238E27FC236}">
-                  <a16:creationId xmlns:a16="http://schemas.microsoft.com/office/drawing/2014/main" id="{77ED18DD-9AF8-2088-A6DC-B5BDE15AA5C3}"/>
-                </a:ext>
-              </a:extLst>
-            </p:cNvPr>
-            <p:cNvSpPr/>
-            <p:nvPr/>
-          </p:nvSpPr>
-          <p:spPr>
-            <a:xfrm>
-              <a:off x="5404897" y="4064338"/>
-              <a:ext cx="1623060" cy="317162"/>
-            </a:xfrm>
-            <a:prstGeom prst="rect">
-              <a:avLst/>
-            </a:prstGeom>
-            <a:solidFill>
-              <a:srgbClr val="FFFFFF"/>
-            </a:solidFill>
-            <a:ln>
-              <a:solidFill>
-                <a:schemeClr val="accent1">
-                  <a:lumMod val="75000"/>
-                </a:schemeClr>
-              </a:solidFill>
-            </a:ln>
-          </p:spPr>
-          <p:style>
-            <a:lnRef idx="2">
-              <a:schemeClr val="accent1">
-                <a:shade val="15000"/>
-              </a:schemeClr>
-            </a:lnRef>
-            <a:fillRef idx="1">
-              <a:schemeClr val="accent1"/>
-            </a:fillRef>
-            <a:effectRef idx="0">
-              <a:schemeClr val="accent1"/>
-            </a:effectRef>
-            <a:fontRef idx="minor">
-              <a:schemeClr val="lt1"/>
-            </a:fontRef>
-          </p:style>
-          <p:txBody>
-            <a:bodyPr rtlCol="0" anchor="ctr"/>
-            <a:lstStyle/>
-            <a:p>
-              <a:pPr algn="ctr"/>
-              <a:endParaRPr lang="en-GB"/>
-            </a:p>
-          </p:txBody>
-        </p:sp>
-        <p:sp>
-          <p:nvSpPr>
             <p:cNvPr id="17" name="TextBox 16">
               <a:extLst>
                 <a:ext uri="{FF2B5EF4-FFF2-40B4-BE49-F238E27FC236}">
@@ -9339,13 +7708,15 @@
           </p:nvSpPr>
           <p:spPr>
             <a:xfrm>
-              <a:off x="5341631" y="4012466"/>
-              <a:ext cx="1242060" cy="338554"/>
+              <a:off x="5551181" y="4026238"/>
+              <a:ext cx="1360010" cy="336212"/>
             </a:xfrm>
             <a:prstGeom prst="rect">
               <a:avLst/>
             </a:prstGeom>
-            <a:noFill/>
+            <a:solidFill>
+              <a:srgbClr val="FFFFFF"/>
+            </a:solidFill>
             <a:ln>
               <a:solidFill>
                 <a:schemeClr val="accent1">
@@ -9398,6 +7769,50 @@
           <a:chExt cx="0" cy="0"/>
         </a:xfrm>
       </p:grpSpPr>
+      <p:pic>
+        <p:nvPicPr>
+          <p:cNvPr id="7" name="Picture 6" descr="A screenshot of a computer&#10;&#10;AI-generated content may be incorrect.">
+            <a:extLst>
+              <a:ext uri="{FF2B5EF4-FFF2-40B4-BE49-F238E27FC236}">
+                <a16:creationId xmlns:a16="http://schemas.microsoft.com/office/drawing/2014/main" id="{FBDC3596-A5A6-B8CB-041F-258552DBCB4F}"/>
+              </a:ext>
+            </a:extLst>
+          </p:cNvPr>
+          <p:cNvPicPr>
+            <a:picLocks noChangeAspect="1"/>
+          </p:cNvPicPr>
+          <p:nvPr/>
+        </p:nvPicPr>
+        <p:blipFill>
+          <a:blip r:embed="rId2">
+            <a:extLst>
+              <a:ext uri="{28A0092B-C50C-407E-A947-70E740481C1C}">
+                <a14:useLocalDpi xmlns:a14="http://schemas.microsoft.com/office/drawing/2010/main" val="0"/>
+              </a:ext>
+            </a:extLst>
+          </a:blip>
+          <a:stretch>
+            <a:fillRect/>
+          </a:stretch>
+        </p:blipFill>
+        <p:spPr>
+          <a:xfrm>
+            <a:off x="4571999" y="2658016"/>
+            <a:ext cx="4269207" cy="3995332"/>
+          </a:xfrm>
+          <a:prstGeom prst="rect">
+            <a:avLst/>
+          </a:prstGeom>
+          <a:solidFill>
+            <a:schemeClr val="tx1"/>
+          </a:solidFill>
+          <a:ln>
+            <a:solidFill>
+              <a:schemeClr val="tx1"/>
+            </a:solidFill>
+          </a:ln>
+        </p:spPr>
+      </p:pic>
       <p:sp>
         <p:nvSpPr>
           <p:cNvPr id="2" name="Rectangle 1">
@@ -9526,7 +7941,7 @@
             </a:r>
             <a:r>
               <a:rPr lang="pt-BR" sz="2400" dirty="0">
-                <a:hlinkClick r:id="rId2"/>
+                <a:hlinkClick r:id="rId3"/>
               </a:rPr>
               <a:t>https://www.periodicos.capes.gov.br/</a:t>
             </a:r>
@@ -9548,85 +7963,12 @@
           </a:p>
         </p:txBody>
       </p:sp>
-      <p:pic>
-        <p:nvPicPr>
-          <p:cNvPr id="3" name="Picture 2">
-            <a:extLst>
-              <a:ext uri="{FF2B5EF4-FFF2-40B4-BE49-F238E27FC236}">
-                <a16:creationId xmlns:a16="http://schemas.microsoft.com/office/drawing/2014/main" id="{95932072-7739-8384-ADF0-2B411548B4AE}"/>
-              </a:ext>
-            </a:extLst>
-          </p:cNvPr>
-          <p:cNvPicPr>
-            <a:picLocks noChangeAspect="1"/>
-          </p:cNvPicPr>
-          <p:nvPr/>
-        </p:nvPicPr>
-        <p:blipFill rotWithShape="1">
-          <a:blip r:embed="rId3"/>
-          <a:srcRect r="64996" b="59108"/>
-          <a:stretch/>
-        </p:blipFill>
-        <p:spPr>
-          <a:xfrm>
-            <a:off x="338711" y="3258360"/>
-            <a:ext cx="4421695" cy="2171851"/>
-          </a:xfrm>
-          <a:prstGeom prst="rect">
-            <a:avLst/>
-          </a:prstGeom>
-          <a:ln>
-            <a:solidFill>
-              <a:schemeClr val="accent1">
-                <a:lumMod val="75000"/>
-              </a:schemeClr>
-            </a:solidFill>
-          </a:ln>
-        </p:spPr>
-      </p:pic>
-      <p:pic>
-        <p:nvPicPr>
-          <p:cNvPr id="8" name="Picture 7">
-            <a:extLst>
-              <a:ext uri="{FF2B5EF4-FFF2-40B4-BE49-F238E27FC236}">
-                <a16:creationId xmlns:a16="http://schemas.microsoft.com/office/drawing/2014/main" id="{294CD8BB-81A3-3685-86CB-309105A68F4A}"/>
-              </a:ext>
-            </a:extLst>
-          </p:cNvPr>
-          <p:cNvPicPr>
-            <a:picLocks noChangeAspect="1"/>
-          </p:cNvPicPr>
-          <p:nvPr/>
-        </p:nvPicPr>
-        <p:blipFill>
-          <a:blip r:embed="rId4"/>
-          <a:stretch>
-            <a:fillRect/>
-          </a:stretch>
-        </p:blipFill>
-        <p:spPr>
-          <a:xfrm>
-            <a:off x="5080494" y="2214035"/>
-            <a:ext cx="3724795" cy="4439270"/>
-          </a:xfrm>
-          <a:prstGeom prst="rect">
-            <a:avLst/>
-          </a:prstGeom>
-          <a:ln>
-            <a:solidFill>
-              <a:schemeClr val="accent1">
-                <a:lumMod val="75000"/>
-              </a:schemeClr>
-            </a:solidFill>
-          </a:ln>
-        </p:spPr>
-      </p:pic>
-      <p:sp>
-        <p:nvSpPr>
-          <p:cNvPr id="9" name="Arrow: Right 8">
-            <a:extLst>
-              <a:ext uri="{FF2B5EF4-FFF2-40B4-BE49-F238E27FC236}">
-                <a16:creationId xmlns:a16="http://schemas.microsoft.com/office/drawing/2014/main" id="{76C9AEB5-03FC-0266-EFFB-8AE4C078FF73}"/>
+      <p:sp>
+        <p:nvSpPr>
+          <p:cNvPr id="13" name="Arrow: Right 12">
+            <a:extLst>
+              <a:ext uri="{FF2B5EF4-FFF2-40B4-BE49-F238E27FC236}">
+                <a16:creationId xmlns:a16="http://schemas.microsoft.com/office/drawing/2014/main" id="{708E1D42-3397-F97B-56EA-78CEDFC738B1}"/>
               </a:ext>
             </a:extLst>
           </p:cNvPr>
@@ -9634,8 +7976,8 @@
           <p:nvPr/>
         </p:nvSpPr>
         <p:spPr>
-          <a:xfrm rot="16200000">
-            <a:off x="279080" y="5197186"/>
+          <a:xfrm>
+            <a:off x="4572000" y="5327524"/>
             <a:ext cx="1175309" cy="605061"/>
           </a:xfrm>
           <a:prstGeom prst="rightArrow">
@@ -9673,12 +8015,53 @@
           </a:p>
         </p:txBody>
       </p:sp>
-      <p:sp>
-        <p:nvSpPr>
-          <p:cNvPr id="13" name="Arrow: Right 12">
-            <a:extLst>
-              <a:ext uri="{FF2B5EF4-FFF2-40B4-BE49-F238E27FC236}">
-                <a16:creationId xmlns:a16="http://schemas.microsoft.com/office/drawing/2014/main" id="{708E1D42-3397-F97B-56EA-78CEDFC738B1}"/>
+      <p:pic>
+        <p:nvPicPr>
+          <p:cNvPr id="11" name="Picture 10" descr="A white background with blue text&#10;&#10;AI-generated content may be incorrect.">
+            <a:extLst>
+              <a:ext uri="{FF2B5EF4-FFF2-40B4-BE49-F238E27FC236}">
+                <a16:creationId xmlns:a16="http://schemas.microsoft.com/office/drawing/2014/main" id="{F2B87DD9-AA02-4513-95D6-5C50F6586F1F}"/>
+              </a:ext>
+            </a:extLst>
+          </p:cNvPr>
+          <p:cNvPicPr>
+            <a:picLocks noChangeAspect="1"/>
+          </p:cNvPicPr>
+          <p:nvPr/>
+        </p:nvPicPr>
+        <p:blipFill>
+          <a:blip r:embed="rId4">
+            <a:extLst>
+              <a:ext uri="{28A0092B-C50C-407E-A947-70E740481C1C}">
+                <a14:useLocalDpi xmlns:a14="http://schemas.microsoft.com/office/drawing/2010/main" val="0"/>
+              </a:ext>
+            </a:extLst>
+          </a:blip>
+          <a:stretch>
+            <a:fillRect/>
+          </a:stretch>
+        </p:blipFill>
+        <p:spPr>
+          <a:xfrm>
+            <a:off x="302794" y="3532314"/>
+            <a:ext cx="4068909" cy="1162545"/>
+          </a:xfrm>
+          <a:prstGeom prst="rect">
+            <a:avLst/>
+          </a:prstGeom>
+          <a:ln>
+            <a:solidFill>
+              <a:schemeClr val="tx1"/>
+            </a:solidFill>
+          </a:ln>
+        </p:spPr>
+      </p:pic>
+      <p:sp>
+        <p:nvSpPr>
+          <p:cNvPr id="12" name="Arrow: Right 11">
+            <a:extLst>
+              <a:ext uri="{FF2B5EF4-FFF2-40B4-BE49-F238E27FC236}">
+                <a16:creationId xmlns:a16="http://schemas.microsoft.com/office/drawing/2014/main" id="{76C9AEB5-03FC-0266-EFFB-8AE4C078FF73}"/>
               </a:ext>
             </a:extLst>
           </p:cNvPr>
@@ -9686,8 +8069,8 @@
           <p:nvPr/>
         </p:nvSpPr>
         <p:spPr>
-          <a:xfrm>
-            <a:off x="4818774" y="5850038"/>
+          <a:xfrm rot="16200000">
+            <a:off x="648877" y="4838885"/>
             <a:ext cx="1175309" cy="605061"/>
           </a:xfrm>
           <a:prstGeom prst="rightArrow">
@@ -9886,10 +8269,10 @@
       </p:sp>
       <p:pic>
         <p:nvPicPr>
-          <p:cNvPr id="11" name="Picture 10">
-            <a:extLst>
-              <a:ext uri="{FF2B5EF4-FFF2-40B4-BE49-F238E27FC236}">
-                <a16:creationId xmlns:a16="http://schemas.microsoft.com/office/drawing/2014/main" id="{0807B1E7-19C5-B57C-8B5E-59A13958BCB2}"/>
+          <p:cNvPr id="7" name="Picture 6" descr="A screenshot of a website&#10;&#10;AI-generated content may be incorrect.">
+            <a:extLst>
+              <a:ext uri="{FF2B5EF4-FFF2-40B4-BE49-F238E27FC236}">
+                <a16:creationId xmlns:a16="http://schemas.microsoft.com/office/drawing/2014/main" id="{D460271D-9D5E-FCF7-4C0E-FF287528BC1F}"/>
               </a:ext>
             </a:extLst>
           </p:cNvPr>
@@ -9899,34 +8282,33 @@
           <p:nvPr/>
         </p:nvPicPr>
         <p:blipFill>
-          <a:blip r:embed="rId2"/>
+          <a:blip r:embed="rId2">
+            <a:extLst>
+              <a:ext uri="{28A0092B-C50C-407E-A947-70E740481C1C}">
+                <a14:useLocalDpi xmlns:a14="http://schemas.microsoft.com/office/drawing/2010/main" val="0"/>
+              </a:ext>
+            </a:extLst>
+          </a:blip>
           <a:stretch>
             <a:fillRect/>
           </a:stretch>
         </p:blipFill>
         <p:spPr>
           <a:xfrm>
-            <a:off x="-1" y="2439561"/>
-            <a:ext cx="9144000" cy="3774201"/>
+            <a:off x="-1" y="2393699"/>
+            <a:ext cx="9144000" cy="3530123"/>
           </a:xfrm>
           <a:prstGeom prst="rect">
             <a:avLst/>
           </a:prstGeom>
-          <a:ln>
-            <a:solidFill>
-              <a:schemeClr val="accent1">
-                <a:lumMod val="75000"/>
-              </a:schemeClr>
-            </a:solidFill>
-          </a:ln>
         </p:spPr>
       </p:pic>
       <p:sp>
         <p:nvSpPr>
-          <p:cNvPr id="12" name="Arrow: Right 11">
-            <a:extLst>
-              <a:ext uri="{FF2B5EF4-FFF2-40B4-BE49-F238E27FC236}">
-                <a16:creationId xmlns:a16="http://schemas.microsoft.com/office/drawing/2014/main" id="{F517528E-1562-C16C-5CC2-B19922C57464}"/>
+          <p:cNvPr id="8" name="Arrow: Right 7">
+            <a:extLst>
+              <a:ext uri="{FF2B5EF4-FFF2-40B4-BE49-F238E27FC236}">
+                <a16:creationId xmlns:a16="http://schemas.microsoft.com/office/drawing/2014/main" id="{976738C4-AA2A-4956-CA38-F5656F944F20}"/>
               </a:ext>
             </a:extLst>
           </p:cNvPr>
@@ -9935,7 +8317,7 @@
         </p:nvSpPr>
         <p:spPr>
           <a:xfrm rot="1681614">
-            <a:off x="1180629" y="4828633"/>
+            <a:off x="411950" y="4547458"/>
             <a:ext cx="1175309" cy="605061"/>
           </a:xfrm>
           <a:prstGeom prst="rightArrow">
@@ -9991,7 +8373,13 @@
   <p:cSld>
     <p:spTree>
       <p:nvGrpSpPr>
-        <p:cNvPr id="1" name=""/>
+        <p:cNvPr id="1" name="">
+          <a:extLst>
+            <a:ext uri="{FF2B5EF4-FFF2-40B4-BE49-F238E27FC236}">
+              <a16:creationId xmlns:a16="http://schemas.microsoft.com/office/drawing/2014/main" id="{CC210B26-DDC9-9EE8-D25F-FDA7654143C9}"/>
+            </a:ext>
+          </a:extLst>
+        </p:cNvPr>
         <p:cNvGrpSpPr/>
         <p:nvPr/>
       </p:nvGrpSpPr>
@@ -10003,12 +8391,48 @@
           <a:chExt cx="0" cy="0"/>
         </a:xfrm>
       </p:grpSpPr>
+      <p:pic>
+        <p:nvPicPr>
+          <p:cNvPr id="6" name="Picture 5" descr="A screenshot of a website&#10;&#10;AI-generated content may be incorrect.">
+            <a:extLst>
+              <a:ext uri="{FF2B5EF4-FFF2-40B4-BE49-F238E27FC236}">
+                <a16:creationId xmlns:a16="http://schemas.microsoft.com/office/drawing/2014/main" id="{7E2340A3-10A2-25B6-3F10-A0F1CB50D4AF}"/>
+              </a:ext>
+            </a:extLst>
+          </p:cNvPr>
+          <p:cNvPicPr>
+            <a:picLocks noChangeAspect="1"/>
+          </p:cNvPicPr>
+          <p:nvPr/>
+        </p:nvPicPr>
+        <p:blipFill>
+          <a:blip r:embed="rId2">
+            <a:extLst>
+              <a:ext uri="{28A0092B-C50C-407E-A947-70E740481C1C}">
+                <a14:useLocalDpi xmlns:a14="http://schemas.microsoft.com/office/drawing/2010/main" val="0"/>
+              </a:ext>
+            </a:extLst>
+          </a:blip>
+          <a:stretch>
+            <a:fillRect/>
+          </a:stretch>
+        </p:blipFill>
+        <p:spPr>
+          <a:xfrm>
+            <a:off x="-1" y="2393699"/>
+            <a:ext cx="9144000" cy="3530123"/>
+          </a:xfrm>
+          <a:prstGeom prst="rect">
+            <a:avLst/>
+          </a:prstGeom>
+        </p:spPr>
+      </p:pic>
       <p:sp>
         <p:nvSpPr>
           <p:cNvPr id="2" name="Rectangle 1">
             <a:extLst>
               <a:ext uri="{FF2B5EF4-FFF2-40B4-BE49-F238E27FC236}">
-                <a16:creationId xmlns:a16="http://schemas.microsoft.com/office/drawing/2014/main" id="{92A8A4D2-0EF2-51C0-50A5-807B35C29456}"/>
+                <a16:creationId xmlns:a16="http://schemas.microsoft.com/office/drawing/2014/main" id="{67816517-CF12-4522-B3C6-3F13A416DD0A}"/>
               </a:ext>
             </a:extLst>
           </p:cNvPr>
@@ -10063,7 +8487,7 @@
           <p:cNvPr id="4" name="TextBox 3">
             <a:extLst>
               <a:ext uri="{FF2B5EF4-FFF2-40B4-BE49-F238E27FC236}">
-                <a16:creationId xmlns:a16="http://schemas.microsoft.com/office/drawing/2014/main" id="{B3BE077F-5E7A-5C87-CBFD-191C524963A9}"/>
+                <a16:creationId xmlns:a16="http://schemas.microsoft.com/office/drawing/2014/main" id="{F1D6F3C9-60F0-E8D9-9F69-204DA8E4A775}"/>
               </a:ext>
             </a:extLst>
           </p:cNvPr>
@@ -10095,10 +8519,62 @@
       </p:sp>
       <p:sp>
         <p:nvSpPr>
-          <p:cNvPr id="5" name="TextBox 4">
-            <a:extLst>
-              <a:ext uri="{FF2B5EF4-FFF2-40B4-BE49-F238E27FC236}">
-                <a16:creationId xmlns:a16="http://schemas.microsoft.com/office/drawing/2014/main" id="{F1546B47-742A-0ACC-F5DF-E2ED03A31F57}"/>
+          <p:cNvPr id="12" name="Arrow: Right 11">
+            <a:extLst>
+              <a:ext uri="{FF2B5EF4-FFF2-40B4-BE49-F238E27FC236}">
+                <a16:creationId xmlns:a16="http://schemas.microsoft.com/office/drawing/2014/main" id="{CDA52471-40CA-AC36-B6FB-0A7329E329FD}"/>
+              </a:ext>
+            </a:extLst>
+          </p:cNvPr>
+          <p:cNvSpPr/>
+          <p:nvPr/>
+        </p:nvSpPr>
+        <p:spPr>
+          <a:xfrm rot="1681614">
+            <a:off x="411950" y="4547458"/>
+            <a:ext cx="1175309" cy="605061"/>
+          </a:xfrm>
+          <a:prstGeom prst="rightArrow">
+            <a:avLst/>
+          </a:prstGeom>
+          <a:solidFill>
+            <a:srgbClr val="FF0000"/>
+          </a:solidFill>
+          <a:ln>
+            <a:noFill/>
+          </a:ln>
+        </p:spPr>
+        <p:style>
+          <a:lnRef idx="2">
+            <a:schemeClr val="accent1">
+              <a:shade val="15000"/>
+            </a:schemeClr>
+          </a:lnRef>
+          <a:fillRef idx="1">
+            <a:schemeClr val="accent1"/>
+          </a:fillRef>
+          <a:effectRef idx="0">
+            <a:schemeClr val="accent1"/>
+          </a:effectRef>
+          <a:fontRef idx="minor">
+            <a:schemeClr val="lt1"/>
+          </a:fontRef>
+        </p:style>
+        <p:txBody>
+          <a:bodyPr rtlCol="0" anchor="ctr"/>
+          <a:lstStyle/>
+          <a:p>
+            <a:pPr algn="ctr"/>
+            <a:endParaRPr lang="en-GB"/>
+          </a:p>
+        </p:txBody>
+      </p:sp>
+      <p:sp>
+        <p:nvSpPr>
+          <p:cNvPr id="3" name="TextBox 2">
+            <a:extLst>
+              <a:ext uri="{FF2B5EF4-FFF2-40B4-BE49-F238E27FC236}">
+                <a16:creationId xmlns:a16="http://schemas.microsoft.com/office/drawing/2014/main" id="{FECE77F2-1E4F-1250-6751-82937F3FCE64}"/>
               </a:ext>
             </a:extLst>
           </p:cNvPr>
@@ -10127,7 +8603,7 @@
             </a:pPr>
             <a:r>
               <a:rPr lang="pt-BR" sz="2400" dirty="0"/>
-              <a:t>Digitar usuário e senha do seu e-mail institucional</a:t>
+              <a:t>Pesquisar “bahiana”</a:t>
             </a:r>
           </a:p>
           <a:p>
@@ -10141,7 +8617,7 @@
             </a:r>
             <a:r>
               <a:rPr lang="pt-BR" sz="2400" b="1" dirty="0"/>
-              <a:t>Login</a:t>
+              <a:t>Enviar</a:t>
             </a:r>
             <a:endParaRPr lang="pt-BR" sz="2400" dirty="0"/>
           </a:p>
@@ -10149,10 +8625,10 @@
       </p:sp>
       <p:pic>
         <p:nvPicPr>
-          <p:cNvPr id="10" name="Picture 9">
-            <a:extLst>
-              <a:ext uri="{FF2B5EF4-FFF2-40B4-BE49-F238E27FC236}">
-                <a16:creationId xmlns:a16="http://schemas.microsoft.com/office/drawing/2014/main" id="{A45D60F0-26D6-1580-7D72-778D1F53DD27}"/>
+          <p:cNvPr id="8" name="Picture 7" descr="A screenshot of a phone&#10;&#10;AI-generated content may be incorrect.">
+            <a:extLst>
+              <a:ext uri="{FF2B5EF4-FFF2-40B4-BE49-F238E27FC236}">
+                <a16:creationId xmlns:a16="http://schemas.microsoft.com/office/drawing/2014/main" id="{D53D0DF3-9418-22E8-1DC0-0394FECFD572}"/>
               </a:ext>
             </a:extLst>
           </p:cNvPr>
@@ -10162,32 +8638,87 @@
           <p:nvPr/>
         </p:nvPicPr>
         <p:blipFill>
-          <a:blip r:embed="rId2"/>
-          <a:stretch>
-            <a:fillRect/>
-          </a:stretch>
+          <a:blip r:embed="rId3">
+            <a:extLst>
+              <a:ext uri="{28A0092B-C50C-407E-A947-70E740481C1C}">
+                <a14:useLocalDpi xmlns:a14="http://schemas.microsoft.com/office/drawing/2010/main" val="0"/>
+              </a:ext>
+            </a:extLst>
+          </a:blip>
+          <a:srcRect t="51119"/>
+          <a:stretch/>
         </p:blipFill>
         <p:spPr>
           <a:xfrm>
-            <a:off x="4338537" y="2269252"/>
-            <a:ext cx="4077646" cy="4328836"/>
+            <a:off x="3595250" y="5921829"/>
+            <a:ext cx="4972594" cy="765474"/>
           </a:xfrm>
           <a:prstGeom prst="rect">
             <a:avLst/>
           </a:prstGeom>
           <a:ln>
             <a:solidFill>
-              <a:schemeClr val="accent1">
-                <a:lumMod val="75000"/>
-              </a:schemeClr>
+              <a:schemeClr val="tx1"/>
             </a:solidFill>
           </a:ln>
         </p:spPr>
       </p:pic>
+      <p:sp>
+        <p:nvSpPr>
+          <p:cNvPr id="7" name="Arrow: Right 6">
+            <a:extLst>
+              <a:ext uri="{FF2B5EF4-FFF2-40B4-BE49-F238E27FC236}">
+                <a16:creationId xmlns:a16="http://schemas.microsoft.com/office/drawing/2014/main" id="{9358AF40-5A83-069F-496E-851FA50C501C}"/>
+              </a:ext>
+            </a:extLst>
+          </p:cNvPr>
+          <p:cNvSpPr/>
+          <p:nvPr/>
+        </p:nvSpPr>
+        <p:spPr>
+          <a:xfrm rot="9041297">
+            <a:off x="6599602" y="5868118"/>
+            <a:ext cx="1175309" cy="605061"/>
+          </a:xfrm>
+          <a:prstGeom prst="rightArrow">
+            <a:avLst/>
+          </a:prstGeom>
+          <a:solidFill>
+            <a:srgbClr val="FF0000"/>
+          </a:solidFill>
+          <a:ln>
+            <a:noFill/>
+          </a:ln>
+        </p:spPr>
+        <p:style>
+          <a:lnRef idx="2">
+            <a:schemeClr val="accent1">
+              <a:shade val="15000"/>
+            </a:schemeClr>
+          </a:lnRef>
+          <a:fillRef idx="1">
+            <a:schemeClr val="accent1"/>
+          </a:fillRef>
+          <a:effectRef idx="0">
+            <a:schemeClr val="accent1"/>
+          </a:effectRef>
+          <a:fontRef idx="minor">
+            <a:schemeClr val="lt1"/>
+          </a:fontRef>
+        </p:style>
+        <p:txBody>
+          <a:bodyPr rtlCol="0" anchor="ctr"/>
+          <a:lstStyle/>
+          <a:p>
+            <a:pPr algn="ctr"/>
+            <a:endParaRPr lang="en-GB"/>
+          </a:p>
+        </p:txBody>
+      </p:sp>
     </p:spTree>
     <p:extLst>
       <p:ext uri="{BB962C8B-B14F-4D97-AF65-F5344CB8AC3E}">
-        <p14:creationId xmlns:p14="http://schemas.microsoft.com/office/powerpoint/2010/main" val="3962830471"/>
+        <p14:creationId xmlns:p14="http://schemas.microsoft.com/office/powerpoint/2010/main" val="3375383975"/>
       </p:ext>
     </p:extLst>
   </p:cSld>
@@ -10338,7 +8869,7 @@
             </a:pPr>
             <a:r>
               <a:rPr lang="pt-BR" sz="2400" dirty="0"/>
-              <a:t>Pesquisar “bahiana”</a:t>
+              <a:t>Digitar usuário e senha do seu e-mail institucional</a:t>
             </a:r>
           </a:p>
           <a:p>
@@ -10352,7 +8883,7 @@
             </a:r>
             <a:r>
               <a:rPr lang="pt-BR" sz="2400" b="1" dirty="0"/>
-              <a:t>Enviar</a:t>
+              <a:t>Login</a:t>
             </a:r>
             <a:endParaRPr lang="pt-BR" sz="2400" dirty="0"/>
           </a:p>
@@ -10360,10 +8891,10 @@
       </p:sp>
       <p:pic>
         <p:nvPicPr>
-          <p:cNvPr id="11" name="Picture 10">
-            <a:extLst>
-              <a:ext uri="{FF2B5EF4-FFF2-40B4-BE49-F238E27FC236}">
-                <a16:creationId xmlns:a16="http://schemas.microsoft.com/office/drawing/2014/main" id="{0807B1E7-19C5-B57C-8B5E-59A13958BCB2}"/>
+          <p:cNvPr id="10" name="Picture 9">
+            <a:extLst>
+              <a:ext uri="{FF2B5EF4-FFF2-40B4-BE49-F238E27FC236}">
+                <a16:creationId xmlns:a16="http://schemas.microsoft.com/office/drawing/2014/main" id="{A45D60F0-26D6-1580-7D72-778D1F53DD27}"/>
               </a:ext>
             </a:extLst>
           </p:cNvPr>
@@ -10380,8 +8911,8 @@
         </p:blipFill>
         <p:spPr>
           <a:xfrm>
-            <a:off x="583658" y="2524822"/>
-            <a:ext cx="7976682" cy="3292390"/>
+            <a:off x="4338537" y="2269252"/>
+            <a:ext cx="4077646" cy="4328836"/>
           </a:xfrm>
           <a:prstGeom prst="rect">
             <a:avLst/>
@@ -10395,151 +8926,10 @@
           </a:ln>
         </p:spPr>
       </p:pic>
-      <p:sp>
-        <p:nvSpPr>
-          <p:cNvPr id="12" name="Arrow: Right 11">
-            <a:extLst>
-              <a:ext uri="{FF2B5EF4-FFF2-40B4-BE49-F238E27FC236}">
-                <a16:creationId xmlns:a16="http://schemas.microsoft.com/office/drawing/2014/main" id="{F517528E-1562-C16C-5CC2-B19922C57464}"/>
-              </a:ext>
-            </a:extLst>
-          </p:cNvPr>
-          <p:cNvSpPr/>
-          <p:nvPr/>
-        </p:nvSpPr>
-        <p:spPr>
-          <a:xfrm rot="1681614">
-            <a:off x="1482188" y="4575713"/>
-            <a:ext cx="1175309" cy="605061"/>
-          </a:xfrm>
-          <a:prstGeom prst="rightArrow">
-            <a:avLst/>
-          </a:prstGeom>
-          <a:solidFill>
-            <a:srgbClr val="FF0000"/>
-          </a:solidFill>
-          <a:ln>
-            <a:noFill/>
-          </a:ln>
-        </p:spPr>
-        <p:style>
-          <a:lnRef idx="2">
-            <a:schemeClr val="accent1">
-              <a:shade val="15000"/>
-            </a:schemeClr>
-          </a:lnRef>
-          <a:fillRef idx="1">
-            <a:schemeClr val="accent1"/>
-          </a:fillRef>
-          <a:effectRef idx="0">
-            <a:schemeClr val="accent1"/>
-          </a:effectRef>
-          <a:fontRef idx="minor">
-            <a:schemeClr val="lt1"/>
-          </a:fontRef>
-        </p:style>
-        <p:txBody>
-          <a:bodyPr rtlCol="0" anchor="ctr"/>
-          <a:lstStyle/>
-          <a:p>
-            <a:pPr algn="ctr"/>
-            <a:endParaRPr lang="en-GB"/>
-          </a:p>
-        </p:txBody>
-      </p:sp>
-      <p:pic>
-        <p:nvPicPr>
-          <p:cNvPr id="6" name="Picture 5">
-            <a:extLst>
-              <a:ext uri="{FF2B5EF4-FFF2-40B4-BE49-F238E27FC236}">
-                <a16:creationId xmlns:a16="http://schemas.microsoft.com/office/drawing/2014/main" id="{0F681133-2E35-EFE3-BD57-A477E8DBBBF1}"/>
-              </a:ext>
-            </a:extLst>
-          </p:cNvPr>
-          <p:cNvPicPr>
-            <a:picLocks noChangeAspect="1"/>
-          </p:cNvPicPr>
-          <p:nvPr/>
-        </p:nvPicPr>
-        <p:blipFill>
-          <a:blip r:embed="rId3"/>
-          <a:stretch>
-            <a:fillRect/>
-          </a:stretch>
-        </p:blipFill>
-        <p:spPr>
-          <a:xfrm>
-            <a:off x="3394953" y="5968991"/>
-            <a:ext cx="5564265" cy="773729"/>
-          </a:xfrm>
-          <a:prstGeom prst="rect">
-            <a:avLst/>
-          </a:prstGeom>
-          <a:ln>
-            <a:solidFill>
-              <a:schemeClr val="accent1">
-                <a:lumMod val="75000"/>
-              </a:schemeClr>
-            </a:solidFill>
-          </a:ln>
-        </p:spPr>
-      </p:pic>
-      <p:sp>
-        <p:nvSpPr>
-          <p:cNvPr id="7" name="Arrow: Right 6">
-            <a:extLst>
-              <a:ext uri="{FF2B5EF4-FFF2-40B4-BE49-F238E27FC236}">
-                <a16:creationId xmlns:a16="http://schemas.microsoft.com/office/drawing/2014/main" id="{9358AF40-5A83-069F-496E-851FA50C501C}"/>
-              </a:ext>
-            </a:extLst>
-          </p:cNvPr>
-          <p:cNvSpPr/>
-          <p:nvPr/>
-        </p:nvSpPr>
-        <p:spPr>
-          <a:xfrm rot="7787120">
-            <a:off x="6434138" y="5756175"/>
-            <a:ext cx="1175309" cy="605061"/>
-          </a:xfrm>
-          <a:prstGeom prst="rightArrow">
-            <a:avLst/>
-          </a:prstGeom>
-          <a:solidFill>
-            <a:srgbClr val="FF0000"/>
-          </a:solidFill>
-          <a:ln>
-            <a:noFill/>
-          </a:ln>
-        </p:spPr>
-        <p:style>
-          <a:lnRef idx="2">
-            <a:schemeClr val="accent1">
-              <a:shade val="15000"/>
-            </a:schemeClr>
-          </a:lnRef>
-          <a:fillRef idx="1">
-            <a:schemeClr val="accent1"/>
-          </a:fillRef>
-          <a:effectRef idx="0">
-            <a:schemeClr val="accent1"/>
-          </a:effectRef>
-          <a:fontRef idx="minor">
-            <a:schemeClr val="lt1"/>
-          </a:fontRef>
-        </p:style>
-        <p:txBody>
-          <a:bodyPr rtlCol="0" anchor="ctr"/>
-          <a:lstStyle/>
-          <a:p>
-            <a:pPr algn="ctr"/>
-            <a:endParaRPr lang="en-GB"/>
-          </a:p>
-        </p:txBody>
-      </p:sp>
     </p:spTree>
     <p:extLst>
       <p:ext uri="{BB962C8B-B14F-4D97-AF65-F5344CB8AC3E}">
-        <p14:creationId xmlns:p14="http://schemas.microsoft.com/office/powerpoint/2010/main" val="2399114138"/>
+        <p14:creationId xmlns:p14="http://schemas.microsoft.com/office/powerpoint/2010/main" val="3962830471"/>
       </p:ext>
     </p:extLst>
   </p:cSld>
@@ -11205,17 +9595,57 @@
           <a:p>
             <a:r>
               <a:rPr lang="pt-BR" sz="4800" b="1" dirty="0"/>
-              <a:t>Periódicos CAPES</a:t>
-            </a:r>
+              <a:t>NCBI PubMed</a:t>
+            </a:r>
+          </a:p>
+        </p:txBody>
+      </p:sp>
+      <p:sp>
+        <p:nvSpPr>
+          <p:cNvPr id="5" name="TextBox 4">
+            <a:extLst>
+              <a:ext uri="{FF2B5EF4-FFF2-40B4-BE49-F238E27FC236}">
+                <a16:creationId xmlns:a16="http://schemas.microsoft.com/office/drawing/2014/main" id="{F1546B47-742A-0ACC-F5DF-E2ED03A31F57}"/>
+              </a:ext>
+            </a:extLst>
+          </p:cNvPr>
+          <p:cNvSpPr txBox="1"/>
+          <p:nvPr/>
+        </p:nvSpPr>
+        <p:spPr>
+          <a:xfrm>
+            <a:off x="429705" y="1593334"/>
+            <a:ext cx="8284589" cy="830997"/>
+          </a:xfrm>
+          <a:prstGeom prst="rect">
+            <a:avLst/>
+          </a:prstGeom>
+          <a:noFill/>
+        </p:spPr>
+        <p:txBody>
+          <a:bodyPr wrap="square">
+            <a:spAutoFit/>
+          </a:bodyPr>
+          <a:lstStyle/>
+          <a:p>
+            <a:pPr marL="342900" indent="-342900">
+              <a:buFont typeface="Arial" panose="020B0604020202020204" pitchFamily="34" charset="0"/>
+              <a:buChar char="•"/>
+            </a:pPr>
+            <a:r>
+              <a:rPr lang="pt-BR" sz="2400" dirty="0"/>
+              <a:t>Base de dados de acesso público da Biblioteca Nacional de Medicina dos EUA.</a:t>
+            </a:r>
+            <a:endParaRPr lang="pt-BR" sz="2400" b="1" dirty="0"/>
           </a:p>
         </p:txBody>
       </p:sp>
       <p:pic>
         <p:nvPicPr>
-          <p:cNvPr id="6" name="Picture 5">
-            <a:extLst>
-              <a:ext uri="{FF2B5EF4-FFF2-40B4-BE49-F238E27FC236}">
-                <a16:creationId xmlns:a16="http://schemas.microsoft.com/office/drawing/2014/main" id="{3E7C9A57-E74A-EF02-0CE8-2D9FD739E7BD}"/>
+          <p:cNvPr id="10" name="Picture 9">
+            <a:extLst>
+              <a:ext uri="{FF2B5EF4-FFF2-40B4-BE49-F238E27FC236}">
+                <a16:creationId xmlns:a16="http://schemas.microsoft.com/office/drawing/2014/main" id="{251E3958-618C-93C3-217B-04F4EE1D7C4D}"/>
               </a:ext>
             </a:extLst>
           </p:cNvPr>
@@ -11232,8 +9662,8 @@
         </p:blipFill>
         <p:spPr>
           <a:xfrm>
-            <a:off x="1116562" y="1371095"/>
-            <a:ext cx="6910876" cy="5197980"/>
+            <a:off x="0" y="2679205"/>
+            <a:ext cx="9144000" cy="3823689"/>
           </a:xfrm>
           <a:prstGeom prst="rect">
             <a:avLst/>
@@ -11250,7 +9680,7 @@
     </p:spTree>
     <p:extLst>
       <p:ext uri="{BB962C8B-B14F-4D97-AF65-F5344CB8AC3E}">
-        <p14:creationId xmlns:p14="http://schemas.microsoft.com/office/powerpoint/2010/main" val="2184620094"/>
+        <p14:creationId xmlns:p14="http://schemas.microsoft.com/office/powerpoint/2010/main" val="2611429961"/>
       </p:ext>
     </p:extLst>
   </p:cSld>
@@ -11573,4 +10003,283 @@
     </a:ext>
   </a:extLst>
 </a:theme>
+</file>
+
+<file path=customXml/item1.xml><?xml version="1.0" encoding="utf-8"?>
+<p:properties xmlns:p="http://schemas.microsoft.com/office/2006/metadata/properties" xmlns:xsi="http://www.w3.org/2001/XMLSchema-instance" xmlns:pc="http://schemas.microsoft.com/office/infopath/2007/PartnerControls">
+  <documentManagement>
+    <lcf76f155ced4ddcb4097134ff3c332f xmlns="56bd86cd-aee7-4d84-9328-0256d48ce484">
+      <Terms xmlns="http://schemas.microsoft.com/office/infopath/2007/PartnerControls"/>
+    </lcf76f155ced4ddcb4097134ff3c332f>
+  </documentManagement>
+</p:properties>
+</file>
+
+<file path=customXml/item2.xml><?xml version="1.0" encoding="utf-8"?>
+<ct:contentTypeSchema xmlns:ct="http://schemas.microsoft.com/office/2006/metadata/contentType" xmlns:ma="http://schemas.microsoft.com/office/2006/metadata/properties/metaAttributes" ct:_="" ma:_="" ma:contentTypeName="Documento" ma:contentTypeID="0x010100221A7C4456A97A45A5FB2F06EE0F3795" ma:contentTypeVersion="14" ma:contentTypeDescription="Crie um novo documento." ma:contentTypeScope="" ma:versionID="56507c6ceb1c05665231390827723f98">
+  <xsd:schema xmlns:xsd="http://www.w3.org/2001/XMLSchema" xmlns:xs="http://www.w3.org/2001/XMLSchema" xmlns:p="http://schemas.microsoft.com/office/2006/metadata/properties" xmlns:ns2="56bd86cd-aee7-4d84-9328-0256d48ce484" xmlns:ns3="d89b8d59-050a-4503-a522-eb5bc4a69315" targetNamespace="http://schemas.microsoft.com/office/2006/metadata/properties" ma:root="true" ma:fieldsID="fc55230e7fd417e4259f7784efbc73ad" ns2:_="" ns3:_="">
+    <xsd:import namespace="56bd86cd-aee7-4d84-9328-0256d48ce484"/>
+    <xsd:import namespace="d89b8d59-050a-4503-a522-eb5bc4a69315"/>
+    <xsd:element name="properties">
+      <xsd:complexType>
+        <xsd:sequence>
+          <xsd:element name="documentManagement">
+            <xsd:complexType>
+              <xsd:all>
+                <xsd:element ref="ns2:MediaServiceMetadata" minOccurs="0"/>
+                <xsd:element ref="ns2:MediaServiceFastMetadata" minOccurs="0"/>
+                <xsd:element ref="ns2:lcf76f155ced4ddcb4097134ff3c332f" minOccurs="0"/>
+                <xsd:element ref="ns2:MediaServiceOCR" minOccurs="0"/>
+                <xsd:element ref="ns2:MediaServiceGenerationTime" minOccurs="0"/>
+                <xsd:element ref="ns2:MediaServiceEventHashCode" minOccurs="0"/>
+                <xsd:element ref="ns2:MediaServiceDateTaken" minOccurs="0"/>
+                <xsd:element ref="ns2:MediaServiceLocation" minOccurs="0"/>
+                <xsd:element ref="ns2:MediaLengthInSeconds" minOccurs="0"/>
+                <xsd:element ref="ns3:SharedWithUsers" minOccurs="0"/>
+                <xsd:element ref="ns3:SharedWithDetails" minOccurs="0"/>
+                <xsd:element ref="ns2:MediaServiceObjectDetectorVersions" minOccurs="0"/>
+                <xsd:element ref="ns2:MediaServiceSearchProperties" minOccurs="0"/>
+              </xsd:all>
+            </xsd:complexType>
+          </xsd:element>
+        </xsd:sequence>
+      </xsd:complexType>
+    </xsd:element>
+  </xsd:schema>
+  <xsd:schema xmlns:xsd="http://www.w3.org/2001/XMLSchema" xmlns:xs="http://www.w3.org/2001/XMLSchema" xmlns:dms="http://schemas.microsoft.com/office/2006/documentManagement/types" xmlns:pc="http://schemas.microsoft.com/office/infopath/2007/PartnerControls" targetNamespace="56bd86cd-aee7-4d84-9328-0256d48ce484" elementFormDefault="qualified">
+    <xsd:import namespace="http://schemas.microsoft.com/office/2006/documentManagement/types"/>
+    <xsd:import namespace="http://schemas.microsoft.com/office/infopath/2007/PartnerControls"/>
+    <xsd:element name="MediaServiceMetadata" ma:index="8" nillable="true" ma:displayName="MediaServiceMetadata" ma:hidden="true" ma:internalName="MediaServiceMetadata" ma:readOnly="true">
+      <xsd:simpleType>
+        <xsd:restriction base="dms:Note"/>
+      </xsd:simpleType>
+    </xsd:element>
+    <xsd:element name="MediaServiceFastMetadata" ma:index="9" nillable="true" ma:displayName="MediaServiceFastMetadata" ma:hidden="true" ma:internalName="MediaServiceFastMetadata" ma:readOnly="true">
+      <xsd:simpleType>
+        <xsd:restriction base="dms:Note"/>
+      </xsd:simpleType>
+    </xsd:element>
+    <xsd:element name="lcf76f155ced4ddcb4097134ff3c332f" ma:index="11" nillable="true" ma:taxonomy="true" ma:internalName="lcf76f155ced4ddcb4097134ff3c332f" ma:taxonomyFieldName="MediaServiceImageTags" ma:displayName="Marcações de imagem" ma:readOnly="false" ma:fieldId="{5cf76f15-5ced-4ddc-b409-7134ff3c332f}" ma:taxonomyMulti="true" ma:sspId="143de60c-575b-4c62-9f62-591ff79d3e1c" ma:termSetId="09814cd3-568e-fe90-9814-8d621ff8fb84" ma:anchorId="fba54fb3-c3e1-fe81-a776-ca4b69148c4d" ma:open="true" ma:isKeyword="false">
+      <xsd:complexType>
+        <xsd:sequence>
+          <xsd:element ref="pc:Terms" minOccurs="0" maxOccurs="1"/>
+        </xsd:sequence>
+      </xsd:complexType>
+    </xsd:element>
+    <xsd:element name="MediaServiceOCR" ma:index="12" nillable="true" ma:displayName="Extracted Text" ma:internalName="MediaServiceOCR" ma:readOnly="true">
+      <xsd:simpleType>
+        <xsd:restriction base="dms:Note">
+          <xsd:maxLength value="255"/>
+        </xsd:restriction>
+      </xsd:simpleType>
+    </xsd:element>
+    <xsd:element name="MediaServiceGenerationTime" ma:index="13" nillable="true" ma:displayName="MediaServiceGenerationTime" ma:hidden="true" ma:internalName="MediaServiceGenerationTime" ma:readOnly="true">
+      <xsd:simpleType>
+        <xsd:restriction base="dms:Text"/>
+      </xsd:simpleType>
+    </xsd:element>
+    <xsd:element name="MediaServiceEventHashCode" ma:index="14" nillable="true" ma:displayName="MediaServiceEventHashCode" ma:hidden="true" ma:internalName="MediaServiceEventHashCode" ma:readOnly="true">
+      <xsd:simpleType>
+        <xsd:restriction base="dms:Text"/>
+      </xsd:simpleType>
+    </xsd:element>
+    <xsd:element name="MediaServiceDateTaken" ma:index="15" nillable="true" ma:displayName="MediaServiceDateTaken" ma:hidden="true" ma:internalName="MediaServiceDateTaken" ma:readOnly="true">
+      <xsd:simpleType>
+        <xsd:restriction base="dms:Text"/>
+      </xsd:simpleType>
+    </xsd:element>
+    <xsd:element name="MediaServiceLocation" ma:index="16" nillable="true" ma:displayName="Location" ma:internalName="MediaServiceLocation" ma:readOnly="true">
+      <xsd:simpleType>
+        <xsd:restriction base="dms:Text"/>
+      </xsd:simpleType>
+    </xsd:element>
+    <xsd:element name="MediaLengthInSeconds" ma:index="17" nillable="true" ma:displayName="MediaLengthInSeconds" ma:hidden="true" ma:internalName="MediaLengthInSeconds" ma:readOnly="true">
+      <xsd:simpleType>
+        <xsd:restriction base="dms:Unknown"/>
+      </xsd:simpleType>
+    </xsd:element>
+    <xsd:element name="MediaServiceObjectDetectorVersions" ma:index="20" nillable="true" ma:displayName="MediaServiceObjectDetectorVersions" ma:hidden="true" ma:indexed="true" ma:internalName="MediaServiceObjectDetectorVersions" ma:readOnly="true">
+      <xsd:simpleType>
+        <xsd:restriction base="dms:Text"/>
+      </xsd:simpleType>
+    </xsd:element>
+    <xsd:element name="MediaServiceSearchProperties" ma:index="21" nillable="true" ma:displayName="MediaServiceSearchProperties" ma:hidden="true" ma:internalName="MediaServiceSearchProperties" ma:readOnly="true">
+      <xsd:simpleType>
+        <xsd:restriction base="dms:Note"/>
+      </xsd:simpleType>
+    </xsd:element>
+  </xsd:schema>
+  <xsd:schema xmlns:xsd="http://www.w3.org/2001/XMLSchema" xmlns:xs="http://www.w3.org/2001/XMLSchema" xmlns:dms="http://schemas.microsoft.com/office/2006/documentManagement/types" xmlns:pc="http://schemas.microsoft.com/office/infopath/2007/PartnerControls" targetNamespace="d89b8d59-050a-4503-a522-eb5bc4a69315" elementFormDefault="qualified">
+    <xsd:import namespace="http://schemas.microsoft.com/office/2006/documentManagement/types"/>
+    <xsd:import namespace="http://schemas.microsoft.com/office/infopath/2007/PartnerControls"/>
+    <xsd:element name="SharedWithUsers" ma:index="18" nillable="true" ma:displayName="Compartilhado com" ma:internalName="SharedWithUsers" ma:readOnly="true">
+      <xsd:complexType>
+        <xsd:complexContent>
+          <xsd:extension base="dms:UserMulti">
+            <xsd:sequence>
+              <xsd:element name="UserInfo" minOccurs="0" maxOccurs="unbounded">
+                <xsd:complexType>
+                  <xsd:sequence>
+                    <xsd:element name="DisplayName" type="xsd:string" minOccurs="0"/>
+                    <xsd:element name="AccountId" type="dms:UserId" minOccurs="0" nillable="true"/>
+                    <xsd:element name="AccountType" type="xsd:string" minOccurs="0"/>
+                  </xsd:sequence>
+                </xsd:complexType>
+              </xsd:element>
+            </xsd:sequence>
+          </xsd:extension>
+        </xsd:complexContent>
+      </xsd:complexType>
+    </xsd:element>
+    <xsd:element name="SharedWithDetails" ma:index="19" nillable="true" ma:displayName="Detalhes de Compartilhado Com" ma:internalName="SharedWithDetails" ma:readOnly="true">
+      <xsd:simpleType>
+        <xsd:restriction base="dms:Note">
+          <xsd:maxLength value="255"/>
+        </xsd:restriction>
+      </xsd:simpleType>
+    </xsd:element>
+  </xsd:schema>
+  <xsd:schema xmlns="http://schemas.openxmlformats.org/package/2006/metadata/core-properties" xmlns:xsd="http://www.w3.org/2001/XMLSchema" xmlns:xsi="http://www.w3.org/2001/XMLSchema-instance" xmlns:dc="http://purl.org/dc/elements/1.1/" xmlns:dcterms="http://purl.org/dc/terms/" xmlns:odoc="http://schemas.microsoft.com/internal/obd" targetNamespace="http://schemas.openxmlformats.org/package/2006/metadata/core-properties" elementFormDefault="qualified" attributeFormDefault="unqualified" blockDefault="#all">
+    <xsd:import namespace="http://purl.org/dc/elements/1.1/" schemaLocation="http://dublincore.org/schemas/xmls/qdc/2003/04/02/dc.xsd"/>
+    <xsd:import namespace="http://purl.org/dc/terms/" schemaLocation="http://dublincore.org/schemas/xmls/qdc/2003/04/02/dcterms.xsd"/>
+    <xsd:element name="coreProperties" type="CT_coreProperties"/>
+    <xsd:complexType name="CT_coreProperties">
+      <xsd:all>
+        <xsd:element ref="dc:creator" minOccurs="0" maxOccurs="1"/>
+        <xsd:element ref="dcterms:created" minOccurs="0" maxOccurs="1"/>
+        <xsd:element ref="dc:identifier" minOccurs="0" maxOccurs="1"/>
+        <xsd:element name="contentType" minOccurs="0" maxOccurs="1" type="xsd:string" ma:index="0" ma:displayName="Tipo de Conteúdo"/>
+        <xsd:element ref="dc:title" minOccurs="0" maxOccurs="1" ma:index="4" ma:displayName="Título"/>
+        <xsd:element ref="dc:subject" minOccurs="0" maxOccurs="1"/>
+        <xsd:element ref="dc:description" minOccurs="0" maxOccurs="1"/>
+        <xsd:element name="keywords" minOccurs="0" maxOccurs="1" type="xsd:string"/>
+        <xsd:element ref="dc:language" minOccurs="0" maxOccurs="1"/>
+        <xsd:element name="category" minOccurs="0" maxOccurs="1" type="xsd:string"/>
+        <xsd:element name="version" minOccurs="0" maxOccurs="1" type="xsd:string"/>
+        <xsd:element name="revision" minOccurs="0" maxOccurs="1" type="xsd:string">
+          <xsd:annotation>
+            <xsd:documentation>
+                        This value indicates the number of saves or revisions. The application is responsible for updating this value after each revision.
+                    </xsd:documentation>
+          </xsd:annotation>
+        </xsd:element>
+        <xsd:element name="lastModifiedBy" minOccurs="0" maxOccurs="1" type="xsd:string"/>
+        <xsd:element ref="dcterms:modified" minOccurs="0" maxOccurs="1"/>
+        <xsd:element name="contentStatus" minOccurs="0" maxOccurs="1" type="xsd:string"/>
+      </xsd:all>
+    </xsd:complexType>
+  </xsd:schema>
+  <xs:schema xmlns:pc="http://schemas.microsoft.com/office/infopath/2007/PartnerControls" xmlns:xs="http://www.w3.org/2001/XMLSchema" targetNamespace="http://schemas.microsoft.com/office/infopath/2007/PartnerControls" elementFormDefault="qualified" attributeFormDefault="unqualified">
+    <xs:element name="Person">
+      <xs:complexType>
+        <xs:sequence>
+          <xs:element ref="pc:DisplayName" minOccurs="0"/>
+          <xs:element ref="pc:AccountId" minOccurs="0"/>
+          <xs:element ref="pc:AccountType" minOccurs="0"/>
+        </xs:sequence>
+      </xs:complexType>
+    </xs:element>
+    <xs:element name="DisplayName" type="xs:string"/>
+    <xs:element name="AccountId" type="xs:string"/>
+    <xs:element name="AccountType" type="xs:string"/>
+    <xs:element name="BDCAssociatedEntity">
+      <xs:complexType>
+        <xs:sequence>
+          <xs:element ref="pc:BDCEntity" minOccurs="0" maxOccurs="unbounded"/>
+        </xs:sequence>
+        <xs:attribute ref="pc:EntityNamespace"/>
+        <xs:attribute ref="pc:EntityName"/>
+        <xs:attribute ref="pc:SystemInstanceName"/>
+        <xs:attribute ref="pc:AssociationName"/>
+      </xs:complexType>
+    </xs:element>
+    <xs:attribute name="EntityNamespace" type="xs:string"/>
+    <xs:attribute name="EntityName" type="xs:string"/>
+    <xs:attribute name="SystemInstanceName" type="xs:string"/>
+    <xs:attribute name="AssociationName" type="xs:string"/>
+    <xs:element name="BDCEntity">
+      <xs:complexType>
+        <xs:sequence>
+          <xs:element ref="pc:EntityDisplayName" minOccurs="0"/>
+          <xs:element ref="pc:EntityInstanceReference" minOccurs="0"/>
+          <xs:element ref="pc:EntityId1" minOccurs="0"/>
+          <xs:element ref="pc:EntityId2" minOccurs="0"/>
+          <xs:element ref="pc:EntityId3" minOccurs="0"/>
+          <xs:element ref="pc:EntityId4" minOccurs="0"/>
+          <xs:element ref="pc:EntityId5" minOccurs="0"/>
+        </xs:sequence>
+      </xs:complexType>
+    </xs:element>
+    <xs:element name="EntityDisplayName" type="xs:string"/>
+    <xs:element name="EntityInstanceReference" type="xs:string"/>
+    <xs:element name="EntityId1" type="xs:string"/>
+    <xs:element name="EntityId2" type="xs:string"/>
+    <xs:element name="EntityId3" type="xs:string"/>
+    <xs:element name="EntityId4" type="xs:string"/>
+    <xs:element name="EntityId5" type="xs:string"/>
+    <xs:element name="Terms">
+      <xs:complexType>
+        <xs:sequence>
+          <xs:element ref="pc:TermInfo" minOccurs="0" maxOccurs="unbounded"/>
+        </xs:sequence>
+      </xs:complexType>
+    </xs:element>
+    <xs:element name="TermInfo">
+      <xs:complexType>
+        <xs:sequence>
+          <xs:element ref="pc:TermName" minOccurs="0"/>
+          <xs:element ref="pc:TermId" minOccurs="0"/>
+        </xs:sequence>
+      </xs:complexType>
+    </xs:element>
+    <xs:element name="TermName" type="xs:string"/>
+    <xs:element name="TermId" type="xs:string"/>
+  </xs:schema>
+</ct:contentTypeSchema>
+</file>
+
+<file path=customXml/item3.xml><?xml version="1.0" encoding="utf-8"?>
+<?mso-contentType ?>
+<FormTemplates xmlns="http://schemas.microsoft.com/sharepoint/v3/contenttype/forms">
+  <Display>DocumentLibraryForm</Display>
+  <Edit>DocumentLibraryForm</Edit>
+  <New>DocumentLibraryForm</New>
+</FormTemplates>
+</file>
+
+<file path=customXml/itemProps1.xml><?xml version="1.0" encoding="utf-8"?>
+<ds:datastoreItem xmlns:ds="http://schemas.openxmlformats.org/officeDocument/2006/customXml" ds:itemID="{569BA524-DF9F-4E69-A826-49F8B4536CDC}">
+  <ds:schemaRefs>
+    <ds:schemaRef ds:uri="http://schemas.microsoft.com/office/2006/metadata/properties"/>
+    <ds:schemaRef ds:uri="http://schemas.microsoft.com/office/infopath/2007/PartnerControls"/>
+    <ds:schemaRef ds:uri="56bd86cd-aee7-4d84-9328-0256d48ce484"/>
+  </ds:schemaRefs>
+</ds:datastoreItem>
+</file>
+
+<file path=customXml/itemProps2.xml><?xml version="1.0" encoding="utf-8"?>
+<ds:datastoreItem xmlns:ds="http://schemas.openxmlformats.org/officeDocument/2006/customXml" ds:itemID="{069BF6B3-F706-4B07-B37C-16725E777354}">
+  <ds:schemaRefs>
+    <ds:schemaRef ds:uri="http://schemas.microsoft.com/office/2006/metadata/contentType"/>
+    <ds:schemaRef ds:uri="http://schemas.microsoft.com/office/2006/metadata/properties/metaAttributes"/>
+    <ds:schemaRef ds:uri="http://www.w3.org/2001/XMLSchema"/>
+    <ds:schemaRef ds:uri="http://schemas.microsoft.com/office/2006/metadata/properties"/>
+    <ds:schemaRef ds:uri="56bd86cd-aee7-4d84-9328-0256d48ce484"/>
+    <ds:schemaRef ds:uri="d89b8d59-050a-4503-a522-eb5bc4a69315"/>
+    <ds:schemaRef ds:uri="http://schemas.microsoft.com/office/2006/documentManagement/types"/>
+    <ds:schemaRef ds:uri="http://schemas.microsoft.com/office/infopath/2007/PartnerControls"/>
+    <ds:schemaRef ds:uri="http://schemas.openxmlformats.org/package/2006/metadata/core-properties"/>
+    <ds:schemaRef ds:uri="http://purl.org/dc/elements/1.1/"/>
+    <ds:schemaRef ds:uri="http://purl.org/dc/terms/"/>
+    <ds:schemaRef ds:uri="http://schemas.microsoft.com/internal/obd"/>
+  </ds:schemaRefs>
+</ds:datastoreItem>
+</file>
+
+<file path=customXml/itemProps3.xml><?xml version="1.0" encoding="utf-8"?>
+<ds:datastoreItem xmlns:ds="http://schemas.openxmlformats.org/officeDocument/2006/customXml" ds:itemID="{61B1A062-EFE2-4B11-8A3A-9EC76C9A8A82}">
+  <ds:schemaRefs>
+    <ds:schemaRef ds:uri="http://schemas.microsoft.com/sharepoint/v3/contenttype/forms"/>
+  </ds:schemaRefs>
+</ds:datastoreItem>
 </file>